--- a/xx/lecture2/javascript/javascript.pptx
+++ b/xx/lecture2/javascript/javascript.pptx
@@ -16,6 +16,11 @@
     <p:sldId id="264" r:id="rId10"/>
     <p:sldId id="265" r:id="rId11"/>
     <p:sldId id="266" r:id="rId12"/>
+    <p:sldId id="267" r:id="rId13"/>
+    <p:sldId id="268" r:id="rId14"/>
+    <p:sldId id="269" r:id="rId15"/>
+    <p:sldId id="270" r:id="rId16"/>
+    <p:sldId id="271" r:id="rId17"/>
   </p:sldIdLst>
   <p:sldSz cx="12192000" cy="6858000"/>
   <p:notesSz cx="6858000" cy="9144000"/>
@@ -253,7 +258,7 @@
           <a:p>
             <a:fld id="{4C6BD7AD-248A-4614-9D7C-8273F8421C86}" type="datetimeFigureOut">
               <a:rPr lang="en-US" smtClean="0"/>
-              <a:t>9/29/2023</a:t>
+              <a:t>10/4/2023</a:t>
             </a:fld>
             <a:endParaRPr lang="en-US"/>
           </a:p>
@@ -423,7 +428,7 @@
           <a:p>
             <a:fld id="{4C6BD7AD-248A-4614-9D7C-8273F8421C86}" type="datetimeFigureOut">
               <a:rPr lang="en-US" smtClean="0"/>
-              <a:t>9/29/2023</a:t>
+              <a:t>10/4/2023</a:t>
             </a:fld>
             <a:endParaRPr lang="en-US"/>
           </a:p>
@@ -603,7 +608,7 @@
           <a:p>
             <a:fld id="{4C6BD7AD-248A-4614-9D7C-8273F8421C86}" type="datetimeFigureOut">
               <a:rPr lang="en-US" smtClean="0"/>
-              <a:t>9/29/2023</a:t>
+              <a:t>10/4/2023</a:t>
             </a:fld>
             <a:endParaRPr lang="en-US"/>
           </a:p>
@@ -773,7 +778,7 @@
           <a:p>
             <a:fld id="{4C6BD7AD-248A-4614-9D7C-8273F8421C86}" type="datetimeFigureOut">
               <a:rPr lang="en-US" smtClean="0"/>
-              <a:t>9/29/2023</a:t>
+              <a:t>10/4/2023</a:t>
             </a:fld>
             <a:endParaRPr lang="en-US"/>
           </a:p>
@@ -1019,7 +1024,7 @@
           <a:p>
             <a:fld id="{4C6BD7AD-248A-4614-9D7C-8273F8421C86}" type="datetimeFigureOut">
               <a:rPr lang="en-US" smtClean="0"/>
-              <a:t>9/29/2023</a:t>
+              <a:t>10/4/2023</a:t>
             </a:fld>
             <a:endParaRPr lang="en-US"/>
           </a:p>
@@ -1251,7 +1256,7 @@
           <a:p>
             <a:fld id="{4C6BD7AD-248A-4614-9D7C-8273F8421C86}" type="datetimeFigureOut">
               <a:rPr lang="en-US" smtClean="0"/>
-              <a:t>9/29/2023</a:t>
+              <a:t>10/4/2023</a:t>
             </a:fld>
             <a:endParaRPr lang="en-US"/>
           </a:p>
@@ -1618,7 +1623,7 @@
           <a:p>
             <a:fld id="{4C6BD7AD-248A-4614-9D7C-8273F8421C86}" type="datetimeFigureOut">
               <a:rPr lang="en-US" smtClean="0"/>
-              <a:t>9/29/2023</a:t>
+              <a:t>10/4/2023</a:t>
             </a:fld>
             <a:endParaRPr lang="en-US"/>
           </a:p>
@@ -1736,7 +1741,7 @@
           <a:p>
             <a:fld id="{4C6BD7AD-248A-4614-9D7C-8273F8421C86}" type="datetimeFigureOut">
               <a:rPr lang="en-US" smtClean="0"/>
-              <a:t>9/29/2023</a:t>
+              <a:t>10/4/2023</a:t>
             </a:fld>
             <a:endParaRPr lang="en-US"/>
           </a:p>
@@ -1831,7 +1836,7 @@
           <a:p>
             <a:fld id="{4C6BD7AD-248A-4614-9D7C-8273F8421C86}" type="datetimeFigureOut">
               <a:rPr lang="en-US" smtClean="0"/>
-              <a:t>9/29/2023</a:t>
+              <a:t>10/4/2023</a:t>
             </a:fld>
             <a:endParaRPr lang="en-US"/>
           </a:p>
@@ -2108,7 +2113,7 @@
           <a:p>
             <a:fld id="{4C6BD7AD-248A-4614-9D7C-8273F8421C86}" type="datetimeFigureOut">
               <a:rPr lang="en-US" smtClean="0"/>
-              <a:t>9/29/2023</a:t>
+              <a:t>10/4/2023</a:t>
             </a:fld>
             <a:endParaRPr lang="en-US"/>
           </a:p>
@@ -2361,7 +2366,7 @@
           <a:p>
             <a:fld id="{4C6BD7AD-248A-4614-9D7C-8273F8421C86}" type="datetimeFigureOut">
               <a:rPr lang="en-US" smtClean="0"/>
-              <a:t>9/29/2023</a:t>
+              <a:t>10/4/2023</a:t>
             </a:fld>
             <a:endParaRPr lang="en-US"/>
           </a:p>
@@ -2574,7 +2579,7 @@
           <a:p>
             <a:fld id="{4C6BD7AD-248A-4614-9D7C-8273F8421C86}" type="datetimeFigureOut">
               <a:rPr lang="en-US" smtClean="0"/>
-              <a:t>9/29/2023</a:t>
+              <a:t>10/4/2023</a:t>
             </a:fld>
             <a:endParaRPr lang="en-US"/>
           </a:p>
@@ -3511,6 +3516,1058 @@
 </p:sld>
 </file>
 
+<file path=ppt/slides/slide12.xml><?xml version="1.0" encoding="utf-8"?>
+<p:sld xmlns:a="http://schemas.openxmlformats.org/drawingml/2006/main" xmlns:r="http://schemas.openxmlformats.org/officeDocument/2006/relationships" xmlns:p="http://schemas.openxmlformats.org/presentationml/2006/main">
+  <p:cSld>
+    <p:spTree>
+      <p:nvGrpSpPr>
+        <p:cNvPr id="1" name=""/>
+        <p:cNvGrpSpPr/>
+        <p:nvPr/>
+      </p:nvGrpSpPr>
+      <p:grpSpPr>
+        <a:xfrm>
+          <a:off x="0" y="0"/>
+          <a:ext cx="0" cy="0"/>
+          <a:chOff x="0" y="0"/>
+          <a:chExt cx="0" cy="0"/>
+        </a:xfrm>
+      </p:grpSpPr>
+      <p:sp>
+        <p:nvSpPr>
+          <p:cNvPr id="3" name="Content Placeholder 2"/>
+          <p:cNvSpPr>
+            <a:spLocks noGrp="1"/>
+          </p:cNvSpPr>
+          <p:nvPr>
+            <p:ph idx="1"/>
+          </p:nvPr>
+        </p:nvSpPr>
+        <p:spPr>
+          <a:xfrm>
+            <a:off x="838200" y="263236"/>
+            <a:ext cx="10515600" cy="5913727"/>
+          </a:xfrm>
+        </p:spPr>
+        <p:txBody>
+          <a:bodyPr/>
+          <a:lstStyle/>
+          <a:p>
+            <a:pPr marL="0" indent="0">
+              <a:buNone/>
+            </a:pPr>
+            <a:r>
+              <a:rPr lang="en-US" b="1" dirty="0" smtClean="0"/>
+              <a:t>Array</a:t>
+            </a:r>
+          </a:p>
+          <a:p>
+            <a:pPr marL="0" indent="0">
+              <a:buNone/>
+            </a:pPr>
+            <a:r>
+              <a:rPr lang="en-US" sz="2400" dirty="0" smtClean="0"/>
+              <a:t>JavaScript </a:t>
+            </a:r>
+            <a:r>
+              <a:rPr lang="en-US" sz="2400" dirty="0"/>
+              <a:t>Array is a single variable that is used to store elements of different data types. JavaScript arrays </a:t>
+            </a:r>
+            <a:r>
+              <a:rPr lang="en-US" sz="2400" dirty="0" smtClean="0"/>
+              <a:t>starts from zero index.</a:t>
+            </a:r>
+          </a:p>
+          <a:p>
+            <a:pPr marL="0" indent="0">
+              <a:buNone/>
+            </a:pPr>
+            <a:r>
+              <a:rPr lang="en-US" b="1" dirty="0" smtClean="0"/>
+              <a:t>Creating an Array</a:t>
+            </a:r>
+          </a:p>
+          <a:p>
+            <a:pPr marL="0" indent="0">
+              <a:buNone/>
+            </a:pPr>
+            <a:r>
+              <a:rPr lang="en-US" sz="2400" i="1" dirty="0" smtClean="0"/>
+              <a:t>1. </a:t>
+            </a:r>
+            <a:r>
+              <a:rPr lang="en-US" sz="2400" dirty="0" smtClean="0"/>
+              <a:t>Using string literal </a:t>
+            </a:r>
+          </a:p>
+          <a:p>
+            <a:pPr marL="0" indent="0">
+              <a:buNone/>
+            </a:pPr>
+            <a:r>
+              <a:rPr lang="en-US" sz="2400" i="1" dirty="0" err="1" smtClean="0"/>
+              <a:t>const</a:t>
+            </a:r>
+            <a:r>
+              <a:rPr lang="en-US" sz="2400" i="1" dirty="0"/>
+              <a:t> </a:t>
+            </a:r>
+            <a:r>
+              <a:rPr lang="en-US" sz="2400" i="1" dirty="0" err="1" smtClean="0"/>
+              <a:t>myArray</a:t>
+            </a:r>
+            <a:r>
+              <a:rPr lang="en-US" sz="2400" i="1" dirty="0"/>
+              <a:t> = [item1, item2, ...]; </a:t>
+            </a:r>
+            <a:endParaRPr lang="en-US" sz="2400" i="1" dirty="0" smtClean="0"/>
+          </a:p>
+          <a:p>
+            <a:pPr marL="0" indent="0">
+              <a:buNone/>
+            </a:pPr>
+            <a:r>
+              <a:rPr lang="en-US" sz="2400" i="1" dirty="0" smtClean="0"/>
+              <a:t>2. Using </a:t>
+            </a:r>
+            <a:r>
+              <a:rPr lang="en-US" sz="2400" b="1" i="1" dirty="0" smtClean="0"/>
+              <a:t>new</a:t>
+            </a:r>
+            <a:r>
+              <a:rPr lang="en-US" sz="2400" i="1" dirty="0" smtClean="0"/>
+              <a:t> keyword</a:t>
+            </a:r>
+          </a:p>
+          <a:p>
+            <a:pPr marL="0" indent="0">
+              <a:buNone/>
+            </a:pPr>
+            <a:r>
+              <a:rPr lang="en-US" sz="2400" i="1" dirty="0" err="1"/>
+              <a:t>c</a:t>
+            </a:r>
+            <a:r>
+              <a:rPr lang="en-US" sz="2400" i="1" dirty="0" err="1" smtClean="0"/>
+              <a:t>onst</a:t>
+            </a:r>
+            <a:r>
+              <a:rPr lang="en-US" sz="2400" i="1" dirty="0" smtClean="0"/>
+              <a:t> </a:t>
+            </a:r>
+            <a:r>
+              <a:rPr lang="en-US" sz="2400" i="1" dirty="0" err="1" smtClean="0"/>
+              <a:t>myArray</a:t>
+            </a:r>
+            <a:r>
+              <a:rPr lang="en-US" sz="2400" i="1" dirty="0" smtClean="0"/>
+              <a:t> = new Array(3);</a:t>
+            </a:r>
+          </a:p>
+          <a:p>
+            <a:pPr marL="0" indent="0">
+              <a:buNone/>
+            </a:pPr>
+            <a:r>
+              <a:rPr lang="en-US" sz="2400" b="1" dirty="0" smtClean="0"/>
+              <a:t>Access Array Elements</a:t>
+            </a:r>
+          </a:p>
+          <a:p>
+            <a:pPr marL="0" indent="0">
+              <a:buNone/>
+            </a:pPr>
+            <a:r>
+              <a:rPr lang="en-US" sz="2400" i="1" dirty="0" err="1" smtClean="0"/>
+              <a:t>myArray</a:t>
+            </a:r>
+            <a:r>
+              <a:rPr lang="en-US" sz="2400" i="1" dirty="0" smtClean="0"/>
+              <a:t>[0], </a:t>
+            </a:r>
+            <a:r>
+              <a:rPr lang="en-US" sz="2400" i="1" dirty="0" err="1" smtClean="0"/>
+              <a:t>myArray</a:t>
+            </a:r>
+            <a:r>
+              <a:rPr lang="en-US" sz="2400" i="1" dirty="0" smtClean="0"/>
+              <a:t>[1];</a:t>
+            </a:r>
+          </a:p>
+          <a:p>
+            <a:pPr marL="0" indent="0">
+              <a:buNone/>
+            </a:pPr>
+            <a:r>
+              <a:rPr lang="en-US" sz="2400" b="1" dirty="0" smtClean="0"/>
+              <a:t>Assign Array Elements</a:t>
+            </a:r>
+          </a:p>
+          <a:p>
+            <a:pPr marL="0" indent="0">
+              <a:buNone/>
+            </a:pPr>
+            <a:r>
+              <a:rPr lang="en-US" sz="2400" i="1" dirty="0" err="1" smtClean="0"/>
+              <a:t>myArray</a:t>
+            </a:r>
+            <a:r>
+              <a:rPr lang="en-US" sz="2400" i="1" dirty="0" smtClean="0"/>
+              <a:t>[0] = “item1”</a:t>
+            </a:r>
+            <a:endParaRPr lang="en-US" sz="2400" i="1" dirty="0"/>
+          </a:p>
+        </p:txBody>
+      </p:sp>
+    </p:spTree>
+    <p:extLst>
+      <p:ext uri="{BB962C8B-B14F-4D97-AF65-F5344CB8AC3E}">
+        <p14:creationId xmlns:p14="http://schemas.microsoft.com/office/powerpoint/2010/main" val="311947610"/>
+      </p:ext>
+    </p:extLst>
+  </p:cSld>
+  <p:clrMapOvr>
+    <a:masterClrMapping/>
+  </p:clrMapOvr>
+</p:sld>
+</file>
+
+<file path=ppt/slides/slide13.xml><?xml version="1.0" encoding="utf-8"?>
+<p:sld xmlns:a="http://schemas.openxmlformats.org/drawingml/2006/main" xmlns:r="http://schemas.openxmlformats.org/officeDocument/2006/relationships" xmlns:p="http://schemas.openxmlformats.org/presentationml/2006/main">
+  <p:cSld>
+    <p:spTree>
+      <p:nvGrpSpPr>
+        <p:cNvPr id="1" name=""/>
+        <p:cNvGrpSpPr/>
+        <p:nvPr/>
+      </p:nvGrpSpPr>
+      <p:grpSpPr>
+        <a:xfrm>
+          <a:off x="0" y="0"/>
+          <a:ext cx="0" cy="0"/>
+          <a:chOff x="0" y="0"/>
+          <a:chExt cx="0" cy="0"/>
+        </a:xfrm>
+      </p:grpSpPr>
+      <p:sp>
+        <p:nvSpPr>
+          <p:cNvPr id="3" name="Content Placeholder 2"/>
+          <p:cNvSpPr>
+            <a:spLocks noGrp="1"/>
+          </p:cNvSpPr>
+          <p:nvPr>
+            <p:ph idx="1"/>
+          </p:nvPr>
+        </p:nvSpPr>
+        <p:spPr>
+          <a:xfrm>
+            <a:off x="838200" y="304800"/>
+            <a:ext cx="10515600" cy="5872163"/>
+          </a:xfrm>
+        </p:spPr>
+        <p:txBody>
+          <a:bodyPr/>
+          <a:lstStyle/>
+          <a:p>
+            <a:pPr marL="0" indent="0">
+              <a:buNone/>
+            </a:pPr>
+            <a:r>
+              <a:rPr lang="en-US" b="1" dirty="0" smtClean="0"/>
+              <a:t>Convert Array to String</a:t>
+            </a:r>
+          </a:p>
+          <a:p>
+            <a:pPr marL="0" indent="0">
+              <a:buNone/>
+            </a:pPr>
+            <a:r>
+              <a:rPr lang="en-US" i="1" dirty="0"/>
+              <a:t>let </a:t>
+            </a:r>
+            <a:r>
+              <a:rPr lang="en-US" i="1" dirty="0" smtClean="0"/>
+              <a:t>fruits </a:t>
+            </a:r>
+            <a:r>
+              <a:rPr lang="en-US" i="1" dirty="0"/>
+              <a:t>= ['orange','pear','mango</a:t>
+            </a:r>
+            <a:r>
+              <a:rPr lang="en-US" i="1" dirty="0" smtClean="0"/>
+              <a:t>'];</a:t>
+            </a:r>
+          </a:p>
+          <a:p>
+            <a:pPr marL="0" indent="0">
+              <a:buNone/>
+            </a:pPr>
+            <a:r>
+              <a:rPr lang="en-US" i="1" dirty="0" smtClean="0"/>
+              <a:t>fruits.toString(); </a:t>
+            </a:r>
+          </a:p>
+          <a:p>
+            <a:pPr marL="0" indent="0">
+              <a:buNone/>
+            </a:pPr>
+            <a:r>
+              <a:rPr lang="en-US" b="1" i="1" dirty="0" smtClean="0"/>
+              <a:t>Notes:</a:t>
+            </a:r>
+          </a:p>
+          <a:p>
+            <a:r>
+              <a:rPr lang="en-US" b="1" i="1" dirty="0" err="1" smtClean="0"/>
+              <a:t>array.length</a:t>
+            </a:r>
+            <a:r>
+              <a:rPr lang="en-US" i="1" dirty="0" smtClean="0"/>
+              <a:t> is used to return number of array elements</a:t>
+            </a:r>
+          </a:p>
+          <a:p>
+            <a:r>
+              <a:rPr lang="en-US" b="1" i="1" dirty="0"/>
+              <a:t>a</a:t>
+            </a:r>
+            <a:r>
+              <a:rPr lang="en-US" b="1" i="1" dirty="0" smtClean="0"/>
+              <a:t>rray[0] </a:t>
+            </a:r>
+            <a:r>
+              <a:rPr lang="en-US" i="1" dirty="0" smtClean="0"/>
+              <a:t>is used to access first element of an array</a:t>
+            </a:r>
+          </a:p>
+          <a:p>
+            <a:r>
+              <a:rPr lang="en-US" b="1" i="1" dirty="0" smtClean="0"/>
+              <a:t>array[</a:t>
+            </a:r>
+            <a:r>
+              <a:rPr lang="en-US" b="1" i="1" dirty="0" err="1" smtClean="0"/>
+              <a:t>array.length</a:t>
+            </a:r>
+            <a:r>
+              <a:rPr lang="en-US" b="1" i="1" dirty="0" smtClean="0"/>
+              <a:t> – 1] </a:t>
+            </a:r>
+            <a:r>
+              <a:rPr lang="en-US" i="1" dirty="0" smtClean="0"/>
+              <a:t>is used to access last element of an array</a:t>
+            </a:r>
+          </a:p>
+          <a:p>
+            <a:r>
+              <a:rPr lang="en-US" i="1" dirty="0" smtClean="0"/>
+              <a:t>Use </a:t>
+            </a:r>
+            <a:r>
+              <a:rPr lang="en-US" b="1" i="1" dirty="0" err="1" smtClean="0"/>
+              <a:t>Array.isArray</a:t>
+            </a:r>
+            <a:r>
+              <a:rPr lang="en-US" b="1" i="1" dirty="0" smtClean="0"/>
+              <a:t>() </a:t>
+            </a:r>
+            <a:r>
+              <a:rPr lang="en-US" i="1" dirty="0" smtClean="0"/>
+              <a:t>to </a:t>
+            </a:r>
+            <a:r>
+              <a:rPr lang="en-US" i="1" dirty="0" smtClean="0"/>
+              <a:t>determine an </a:t>
+            </a:r>
+            <a:r>
+              <a:rPr lang="en-US" i="1" dirty="0" smtClean="0"/>
+              <a:t>array</a:t>
+            </a:r>
+            <a:endParaRPr lang="en-US" i="1" dirty="0"/>
+          </a:p>
+        </p:txBody>
+      </p:sp>
+    </p:spTree>
+    <p:extLst>
+      <p:ext uri="{BB962C8B-B14F-4D97-AF65-F5344CB8AC3E}">
+        <p14:creationId xmlns:p14="http://schemas.microsoft.com/office/powerpoint/2010/main" val="4210565768"/>
+      </p:ext>
+    </p:extLst>
+  </p:cSld>
+  <p:clrMapOvr>
+    <a:masterClrMapping/>
+  </p:clrMapOvr>
+</p:sld>
+</file>
+
+<file path=ppt/slides/slide14.xml><?xml version="1.0" encoding="utf-8"?>
+<p:sld xmlns:a="http://schemas.openxmlformats.org/drawingml/2006/main" xmlns:r="http://schemas.openxmlformats.org/officeDocument/2006/relationships" xmlns:p="http://schemas.openxmlformats.org/presentationml/2006/main">
+  <p:cSld>
+    <p:spTree>
+      <p:nvGrpSpPr>
+        <p:cNvPr id="1" name=""/>
+        <p:cNvGrpSpPr/>
+        <p:nvPr/>
+      </p:nvGrpSpPr>
+      <p:grpSpPr>
+        <a:xfrm>
+          <a:off x="0" y="0"/>
+          <a:ext cx="0" cy="0"/>
+          <a:chOff x="0" y="0"/>
+          <a:chExt cx="0" cy="0"/>
+        </a:xfrm>
+      </p:grpSpPr>
+      <p:sp>
+        <p:nvSpPr>
+          <p:cNvPr id="3" name="Content Placeholder 2"/>
+          <p:cNvSpPr>
+            <a:spLocks noGrp="1"/>
+          </p:cNvSpPr>
+          <p:nvPr>
+            <p:ph idx="1"/>
+          </p:nvPr>
+        </p:nvSpPr>
+        <p:spPr>
+          <a:xfrm>
+            <a:off x="838200" y="263236"/>
+            <a:ext cx="10515600" cy="5913727"/>
+          </a:xfrm>
+        </p:spPr>
+        <p:txBody>
+          <a:bodyPr>
+            <a:normAutofit/>
+          </a:bodyPr>
+          <a:lstStyle/>
+          <a:p>
+            <a:pPr marL="0" indent="0">
+              <a:buNone/>
+            </a:pPr>
+            <a:r>
+              <a:rPr lang="en-US" b="1" dirty="0" smtClean="0"/>
+              <a:t>Array Methods</a:t>
+            </a:r>
+          </a:p>
+          <a:p>
+            <a:pPr marL="0" indent="0">
+              <a:buNone/>
+            </a:pPr>
+            <a:r>
+              <a:rPr lang="en-US" b="1" dirty="0" err="1"/>
+              <a:t>a</a:t>
+            </a:r>
+            <a:r>
+              <a:rPr lang="en-US" b="1" dirty="0" err="1" smtClean="0"/>
+              <a:t>rray.Join</a:t>
+            </a:r>
+            <a:r>
+              <a:rPr lang="en-US" b="1" dirty="0" smtClean="0"/>
+              <a:t>()</a:t>
+            </a:r>
+          </a:p>
+          <a:p>
+            <a:pPr marL="0" indent="0">
+              <a:buNone/>
+            </a:pPr>
+            <a:r>
+              <a:rPr lang="en-US" sz="2400" dirty="0" smtClean="0"/>
+              <a:t>This is used to join array elements to a string with a separator (delimiter)</a:t>
+            </a:r>
+          </a:p>
+          <a:p>
+            <a:pPr marL="0" indent="0">
+              <a:buNone/>
+            </a:pPr>
+            <a:r>
+              <a:rPr lang="en-US" sz="2400" i="1" dirty="0"/>
+              <a:t>let fruits = ['orange','pear','mango'];</a:t>
+            </a:r>
+          </a:p>
+          <a:p>
+            <a:pPr marL="0" indent="0">
+              <a:buNone/>
+            </a:pPr>
+            <a:r>
+              <a:rPr lang="en-US" sz="2400" i="1" dirty="0" smtClean="0"/>
+              <a:t>fruits.join(“,”); </a:t>
+            </a:r>
+          </a:p>
+          <a:p>
+            <a:pPr marL="0" indent="0">
+              <a:buNone/>
+            </a:pPr>
+            <a:endParaRPr lang="en-US" sz="2400" i="1" dirty="0"/>
+          </a:p>
+          <a:p>
+            <a:pPr marL="0" indent="0">
+              <a:buNone/>
+            </a:pPr>
+            <a:r>
+              <a:rPr lang="en-US" b="1" dirty="0"/>
+              <a:t>p</a:t>
+            </a:r>
+            <a:r>
+              <a:rPr lang="en-US" b="1" dirty="0" smtClean="0"/>
+              <a:t>op(), push(), </a:t>
+            </a:r>
+            <a:r>
+              <a:rPr lang="en-US" b="1" dirty="0"/>
+              <a:t>shift</a:t>
+            </a:r>
+            <a:r>
+              <a:rPr lang="en-US" b="1" dirty="0" smtClean="0"/>
+              <a:t>(), upshift()</a:t>
+            </a:r>
+          </a:p>
+          <a:p>
+            <a:pPr marL="0" indent="0">
+              <a:buNone/>
+            </a:pPr>
+            <a:r>
+              <a:rPr lang="en-US" b="1" dirty="0" smtClean="0"/>
+              <a:t>pop() </a:t>
+            </a:r>
+            <a:r>
+              <a:rPr lang="en-US" dirty="0" smtClean="0"/>
+              <a:t>is used to remove last item</a:t>
+            </a:r>
+            <a:r>
+              <a:rPr lang="en-US" dirty="0"/>
+              <a:t> </a:t>
+            </a:r>
+            <a:r>
+              <a:rPr lang="en-US" b="1" dirty="0"/>
+              <a:t>out</a:t>
+            </a:r>
+            <a:r>
+              <a:rPr lang="en-US" dirty="0"/>
+              <a:t> of an </a:t>
+            </a:r>
+            <a:r>
+              <a:rPr lang="en-US" dirty="0" smtClean="0"/>
+              <a:t>array while </a:t>
+            </a:r>
+            <a:r>
+              <a:rPr lang="en-US" b="1" dirty="0" smtClean="0"/>
+              <a:t>push() </a:t>
+            </a:r>
+            <a:r>
+              <a:rPr lang="en-US" dirty="0" smtClean="0"/>
+              <a:t>is used to add items</a:t>
+            </a:r>
+            <a:r>
+              <a:rPr lang="en-US" dirty="0"/>
+              <a:t> </a:t>
+            </a:r>
+            <a:r>
+              <a:rPr lang="en-US" b="1" dirty="0"/>
+              <a:t>into</a:t>
+            </a:r>
+            <a:r>
+              <a:rPr lang="en-US" dirty="0"/>
+              <a:t> an </a:t>
+            </a:r>
+            <a:r>
+              <a:rPr lang="en-US" dirty="0" smtClean="0"/>
+              <a:t>array from the back.</a:t>
+            </a:r>
+          </a:p>
+          <a:p>
+            <a:pPr marL="0" indent="0">
+              <a:buNone/>
+            </a:pPr>
+            <a:r>
+              <a:rPr lang="en-US" i="1" dirty="0"/>
+              <a:t>let fruits = ['orange','pear','mango</a:t>
+            </a:r>
+            <a:r>
+              <a:rPr lang="en-US" i="1" dirty="0" smtClean="0"/>
+              <a:t>'];</a:t>
+            </a:r>
+          </a:p>
+          <a:p>
+            <a:pPr marL="0" indent="0">
+              <a:buNone/>
+            </a:pPr>
+            <a:r>
+              <a:rPr lang="en-US" i="1" dirty="0" smtClean="0"/>
+              <a:t>fruit.pop(), fruit.push(‘banana’)</a:t>
+            </a:r>
+          </a:p>
+          <a:p>
+            <a:pPr marL="0" indent="0">
+              <a:buNone/>
+            </a:pPr>
+            <a:endParaRPr lang="en-US" dirty="0" smtClean="0"/>
+          </a:p>
+          <a:p>
+            <a:pPr marL="0" indent="0">
+              <a:buNone/>
+            </a:pPr>
+            <a:endParaRPr lang="en-US" dirty="0"/>
+          </a:p>
+        </p:txBody>
+      </p:sp>
+    </p:spTree>
+    <p:extLst>
+      <p:ext uri="{BB962C8B-B14F-4D97-AF65-F5344CB8AC3E}">
+        <p14:creationId xmlns:p14="http://schemas.microsoft.com/office/powerpoint/2010/main" val="2049637209"/>
+      </p:ext>
+    </p:extLst>
+  </p:cSld>
+  <p:clrMapOvr>
+    <a:masterClrMapping/>
+  </p:clrMapOvr>
+</p:sld>
+</file>
+
+<file path=ppt/slides/slide15.xml><?xml version="1.0" encoding="utf-8"?>
+<p:sld xmlns:a="http://schemas.openxmlformats.org/drawingml/2006/main" xmlns:r="http://schemas.openxmlformats.org/officeDocument/2006/relationships" xmlns:p="http://schemas.openxmlformats.org/presentationml/2006/main">
+  <p:cSld>
+    <p:spTree>
+      <p:nvGrpSpPr>
+        <p:cNvPr id="1" name=""/>
+        <p:cNvGrpSpPr/>
+        <p:nvPr/>
+      </p:nvGrpSpPr>
+      <p:grpSpPr>
+        <a:xfrm>
+          <a:off x="0" y="0"/>
+          <a:ext cx="0" cy="0"/>
+          <a:chOff x="0" y="0"/>
+          <a:chExt cx="0" cy="0"/>
+        </a:xfrm>
+      </p:grpSpPr>
+      <p:sp>
+        <p:nvSpPr>
+          <p:cNvPr id="3" name="Content Placeholder 2"/>
+          <p:cNvSpPr>
+            <a:spLocks noGrp="1"/>
+          </p:cNvSpPr>
+          <p:nvPr>
+            <p:ph idx="1"/>
+          </p:nvPr>
+        </p:nvSpPr>
+        <p:spPr>
+          <a:xfrm>
+            <a:off x="838200" y="443345"/>
+            <a:ext cx="10515600" cy="5733618"/>
+          </a:xfrm>
+        </p:spPr>
+        <p:txBody>
+          <a:bodyPr/>
+          <a:lstStyle/>
+          <a:p>
+            <a:pPr marL="0" indent="0">
+              <a:buNone/>
+            </a:pPr>
+            <a:r>
+              <a:rPr lang="en-US" b="1" dirty="0"/>
+              <a:t>shift() </a:t>
+            </a:r>
+            <a:r>
+              <a:rPr lang="en-US" dirty="0"/>
+              <a:t>is used to remove first item </a:t>
+            </a:r>
+            <a:r>
+              <a:rPr lang="en-US" b="1" dirty="0"/>
+              <a:t>out</a:t>
+            </a:r>
+            <a:r>
+              <a:rPr lang="en-US" dirty="0"/>
+              <a:t> of an array while </a:t>
+            </a:r>
+            <a:r>
+              <a:rPr lang="en-US" b="1" dirty="0"/>
+              <a:t>unshift() </a:t>
+            </a:r>
+            <a:r>
+              <a:rPr lang="en-US" dirty="0"/>
+              <a:t>is used to add items </a:t>
+            </a:r>
+            <a:r>
+              <a:rPr lang="en-US" b="1" dirty="0"/>
+              <a:t>into</a:t>
+            </a:r>
+            <a:r>
+              <a:rPr lang="en-US" dirty="0"/>
+              <a:t> an array from the front</a:t>
+            </a:r>
+            <a:r>
+              <a:rPr lang="en-US" dirty="0" smtClean="0"/>
+              <a:t>.</a:t>
+            </a:r>
+          </a:p>
+          <a:p>
+            <a:pPr marL="0" indent="0">
+              <a:buNone/>
+            </a:pPr>
+            <a:r>
+              <a:rPr lang="en-US" i="1" dirty="0" smtClean="0"/>
+              <a:t>fruit.shift(), fruit.unshift(‘lemon’)</a:t>
+            </a:r>
+          </a:p>
+          <a:p>
+            <a:pPr marL="0" indent="0">
+              <a:buNone/>
+            </a:pPr>
+            <a:endParaRPr lang="en-US" i="1" dirty="0"/>
+          </a:p>
+          <a:p>
+            <a:pPr marL="0" indent="0">
+              <a:buNone/>
+            </a:pPr>
+            <a:r>
+              <a:rPr lang="en-US" b="1" i="1" dirty="0" err="1"/>
+              <a:t>a</a:t>
+            </a:r>
+            <a:r>
+              <a:rPr lang="en-US" b="1" i="1" dirty="0" err="1" smtClean="0"/>
+              <a:t>rray.concat</a:t>
+            </a:r>
+            <a:r>
+              <a:rPr lang="en-US" b="1" i="1" dirty="0" smtClean="0"/>
+              <a:t>()</a:t>
+            </a:r>
+          </a:p>
+          <a:p>
+            <a:pPr marL="0" indent="0">
+              <a:buNone/>
+            </a:pPr>
+            <a:r>
+              <a:rPr lang="en-US" b="1" i="1" dirty="0" err="1" smtClean="0"/>
+              <a:t>concat</a:t>
+            </a:r>
+            <a:r>
+              <a:rPr lang="en-US" b="1" i="1" dirty="0" smtClean="0"/>
+              <a:t>() </a:t>
+            </a:r>
+            <a:r>
+              <a:rPr lang="en-US" dirty="0" smtClean="0"/>
+              <a:t>method </a:t>
+            </a:r>
+            <a:r>
+              <a:rPr lang="en-US" dirty="0"/>
+              <a:t>creates a new array </a:t>
+            </a:r>
+            <a:r>
+              <a:rPr lang="en-US" dirty="0" smtClean="0"/>
+              <a:t>by concatenating </a:t>
+            </a:r>
+            <a:r>
+              <a:rPr lang="en-US" dirty="0"/>
+              <a:t>existing arrays</a:t>
+            </a:r>
+            <a:endParaRPr lang="en-US" b="1" i="1" dirty="0"/>
+          </a:p>
+          <a:p>
+            <a:pPr marL="0" indent="0">
+              <a:buNone/>
+            </a:pPr>
+            <a:r>
+              <a:rPr lang="en-US" i="1" dirty="0"/>
+              <a:t>l</a:t>
+            </a:r>
+            <a:r>
+              <a:rPr lang="en-US" i="1" dirty="0" smtClean="0"/>
+              <a:t>et arr1 = [1,2,3];</a:t>
+            </a:r>
+          </a:p>
+          <a:p>
+            <a:pPr marL="0" indent="0">
+              <a:buNone/>
+            </a:pPr>
+            <a:r>
+              <a:rPr lang="en-US" i="1" dirty="0"/>
+              <a:t>l</a:t>
+            </a:r>
+            <a:r>
+              <a:rPr lang="en-US" i="1" dirty="0" smtClean="0"/>
+              <a:t>et arr2 = [4,5,6];</a:t>
+            </a:r>
+          </a:p>
+          <a:p>
+            <a:pPr marL="0" indent="0">
+              <a:buNone/>
+            </a:pPr>
+            <a:r>
+              <a:rPr lang="en-US" i="1" dirty="0"/>
+              <a:t>l</a:t>
+            </a:r>
+            <a:r>
+              <a:rPr lang="en-US" i="1" dirty="0" smtClean="0"/>
+              <a:t>et newArray = arr1.concat(arr2);</a:t>
+            </a:r>
+            <a:endParaRPr lang="en-US" i="1" dirty="0"/>
+          </a:p>
+          <a:p>
+            <a:pPr marL="0" indent="0">
+              <a:buNone/>
+            </a:pPr>
+            <a:endParaRPr lang="en-US" dirty="0"/>
+          </a:p>
+        </p:txBody>
+      </p:sp>
+    </p:spTree>
+    <p:extLst>
+      <p:ext uri="{BB962C8B-B14F-4D97-AF65-F5344CB8AC3E}">
+        <p14:creationId xmlns:p14="http://schemas.microsoft.com/office/powerpoint/2010/main" val="189754155"/>
+      </p:ext>
+    </p:extLst>
+  </p:cSld>
+  <p:clrMapOvr>
+    <a:masterClrMapping/>
+  </p:clrMapOvr>
+</p:sld>
+</file>
+
+<file path=ppt/slides/slide16.xml><?xml version="1.0" encoding="utf-8"?>
+<p:sld xmlns:a="http://schemas.openxmlformats.org/drawingml/2006/main" xmlns:r="http://schemas.openxmlformats.org/officeDocument/2006/relationships" xmlns:p="http://schemas.openxmlformats.org/presentationml/2006/main">
+  <p:cSld>
+    <p:spTree>
+      <p:nvGrpSpPr>
+        <p:cNvPr id="1" name=""/>
+        <p:cNvGrpSpPr/>
+        <p:nvPr/>
+      </p:nvGrpSpPr>
+      <p:grpSpPr>
+        <a:xfrm>
+          <a:off x="0" y="0"/>
+          <a:ext cx="0" cy="0"/>
+          <a:chOff x="0" y="0"/>
+          <a:chExt cx="0" cy="0"/>
+        </a:xfrm>
+      </p:grpSpPr>
+      <p:sp>
+        <p:nvSpPr>
+          <p:cNvPr id="3" name="Content Placeholder 2"/>
+          <p:cNvSpPr>
+            <a:spLocks noGrp="1"/>
+          </p:cNvSpPr>
+          <p:nvPr>
+            <p:ph idx="1"/>
+          </p:nvPr>
+        </p:nvSpPr>
+        <p:spPr>
+          <a:xfrm>
+            <a:off x="838200" y="277091"/>
+            <a:ext cx="10515600" cy="5899872"/>
+          </a:xfrm>
+        </p:spPr>
+        <p:txBody>
+          <a:bodyPr/>
+          <a:lstStyle/>
+          <a:p>
+            <a:pPr marL="0" indent="0">
+              <a:buNone/>
+            </a:pPr>
+            <a:r>
+              <a:rPr lang="en-US" b="1" i="1" dirty="0"/>
+              <a:t>array.splice()</a:t>
+            </a:r>
+          </a:p>
+          <a:p>
+            <a:pPr marL="0" indent="0">
+              <a:buNone/>
+            </a:pPr>
+            <a:r>
+              <a:rPr lang="en-US" b="1" i="1" dirty="0"/>
+              <a:t>splice() </a:t>
+            </a:r>
+            <a:r>
+              <a:rPr lang="en-US" i="1" dirty="0"/>
+              <a:t>method can be used to add or remove elements from an array</a:t>
+            </a:r>
+            <a:endParaRPr lang="en-US" b="1" i="1" dirty="0"/>
+          </a:p>
+          <a:p>
+            <a:pPr marL="0" indent="0">
+              <a:buNone/>
+            </a:pPr>
+            <a:r>
+              <a:rPr lang="en-US" i="1" dirty="0"/>
+              <a:t>let fruits = ['orange','pear','mango'];</a:t>
+            </a:r>
+          </a:p>
+          <a:p>
+            <a:pPr marL="0" indent="0">
+              <a:buNone/>
+            </a:pPr>
+            <a:r>
+              <a:rPr lang="en-US" i="1" dirty="0" smtClean="0"/>
+              <a:t>fruits.splice(1,0, ‘lemon',‘guava') </a:t>
+            </a:r>
+            <a:r>
+              <a:rPr lang="en-US" i="1" dirty="0" smtClean="0">
+                <a:solidFill>
+                  <a:schemeClr val="accent6"/>
+                </a:solidFill>
+              </a:rPr>
+              <a:t>//add 2 elements starting from index 1</a:t>
+            </a:r>
+          </a:p>
+          <a:p>
+            <a:pPr marL="0" indent="0">
+              <a:buNone/>
+            </a:pPr>
+            <a:r>
+              <a:rPr lang="en-US" i="1" dirty="0"/>
+              <a:t>f</a:t>
+            </a:r>
+            <a:r>
+              <a:rPr lang="en-US" i="1" dirty="0" smtClean="0"/>
+              <a:t>ruits.splice(1,1);  </a:t>
+            </a:r>
+            <a:r>
+              <a:rPr lang="en-US" i="1" dirty="0" smtClean="0">
+                <a:solidFill>
+                  <a:schemeClr val="accent6"/>
+                </a:solidFill>
+              </a:rPr>
+              <a:t>//removes index 1 and only one element</a:t>
+            </a:r>
+          </a:p>
+          <a:p>
+            <a:pPr marL="0" indent="0">
+              <a:buNone/>
+            </a:pPr>
+            <a:endParaRPr lang="en-US" i="1" dirty="0">
+              <a:solidFill>
+                <a:schemeClr val="accent6"/>
+              </a:solidFill>
+            </a:endParaRPr>
+          </a:p>
+          <a:p>
+            <a:pPr marL="0" indent="0">
+              <a:buNone/>
+            </a:pPr>
+            <a:r>
+              <a:rPr lang="en-US" b="1" i="1" dirty="0" err="1">
+                <a:solidFill>
+                  <a:schemeClr val="tx1">
+                    <a:lumMod val="95000"/>
+                    <a:lumOff val="5000"/>
+                  </a:schemeClr>
+                </a:solidFill>
+              </a:rPr>
+              <a:t>a</a:t>
+            </a:r>
+            <a:r>
+              <a:rPr lang="en-US" b="1" i="1" dirty="0" err="1" smtClean="0">
+                <a:solidFill>
+                  <a:schemeClr val="tx1">
+                    <a:lumMod val="95000"/>
+                    <a:lumOff val="5000"/>
+                  </a:schemeClr>
+                </a:solidFill>
+              </a:rPr>
+              <a:t>rray.slice</a:t>
+            </a:r>
+            <a:r>
+              <a:rPr lang="en-US" b="1" i="1" dirty="0" smtClean="0">
+                <a:solidFill>
+                  <a:schemeClr val="tx1">
+                    <a:lumMod val="95000"/>
+                    <a:lumOff val="5000"/>
+                  </a:schemeClr>
+                </a:solidFill>
+              </a:rPr>
+              <a:t>()</a:t>
+            </a:r>
+          </a:p>
+          <a:p>
+            <a:pPr marL="0" indent="0">
+              <a:buNone/>
+            </a:pPr>
+            <a:r>
+              <a:rPr lang="en-US" dirty="0" err="1"/>
+              <a:t>a</a:t>
+            </a:r>
+            <a:r>
+              <a:rPr lang="en-US" dirty="0" err="1" smtClean="0"/>
+              <a:t>rray.slice</a:t>
+            </a:r>
+            <a:r>
+              <a:rPr lang="en-US" dirty="0" smtClean="0"/>
+              <a:t>() method </a:t>
+            </a:r>
+            <a:r>
+              <a:rPr lang="en-US" dirty="0"/>
+              <a:t>slices out a piece of an array into a new </a:t>
+            </a:r>
+            <a:r>
+              <a:rPr lang="en-US" dirty="0" smtClean="0"/>
+              <a:t>array</a:t>
+            </a:r>
+          </a:p>
+          <a:p>
+            <a:pPr marL="0" indent="0">
+              <a:buNone/>
+            </a:pPr>
+            <a:r>
+              <a:rPr lang="en-US" i="1" dirty="0"/>
+              <a:t>let fruits = ['orange','pear','mango</a:t>
+            </a:r>
+            <a:r>
+              <a:rPr lang="en-US" i="1" dirty="0" smtClean="0"/>
+              <a:t>'];</a:t>
+            </a:r>
+            <a:endParaRPr lang="en-US" dirty="0" smtClean="0"/>
+          </a:p>
+          <a:p>
+            <a:pPr marL="0" indent="0">
+              <a:buNone/>
+            </a:pPr>
+            <a:r>
+              <a:rPr lang="en-US" i="1" dirty="0" err="1" smtClean="0"/>
+              <a:t>fruits.slice</a:t>
+            </a:r>
+            <a:r>
+              <a:rPr lang="en-US" i="1" dirty="0" smtClean="0"/>
+              <a:t>(1);</a:t>
+            </a:r>
+          </a:p>
+          <a:p>
+            <a:pPr marL="0" indent="0">
+              <a:buNone/>
+            </a:pPr>
+            <a:r>
+              <a:rPr lang="en-US" i="1" dirty="0" err="1" smtClean="0"/>
+              <a:t>fruits.slice</a:t>
+            </a:r>
+            <a:r>
+              <a:rPr lang="en-US" i="1" dirty="0" smtClean="0"/>
+              <a:t>(0,2); //exclusive of the end parameter</a:t>
+            </a:r>
+            <a:endParaRPr lang="en-US" i="1" dirty="0"/>
+          </a:p>
+          <a:p>
+            <a:pPr marL="0" indent="0">
+              <a:buNone/>
+            </a:pPr>
+            <a:endParaRPr lang="en-US" b="1" i="1" dirty="0">
+              <a:solidFill>
+                <a:schemeClr val="tx1">
+                  <a:lumMod val="95000"/>
+                  <a:lumOff val="5000"/>
+                </a:schemeClr>
+              </a:solidFill>
+            </a:endParaRPr>
+          </a:p>
+        </p:txBody>
+      </p:sp>
+    </p:spTree>
+    <p:extLst>
+      <p:ext uri="{BB962C8B-B14F-4D97-AF65-F5344CB8AC3E}">
+        <p14:creationId xmlns:p14="http://schemas.microsoft.com/office/powerpoint/2010/main" val="2366066437"/>
+      </p:ext>
+    </p:extLst>
+  </p:cSld>
+  <p:clrMapOvr>
+    <a:masterClrMapping/>
+  </p:clrMapOvr>
+</p:sld>
+</file>
+
 <file path=ppt/slides/slide2.xml><?xml version="1.0" encoding="utf-8"?>
 <p:sld xmlns:a="http://schemas.openxmlformats.org/drawingml/2006/main" xmlns:r="http://schemas.openxmlformats.org/officeDocument/2006/relationships" xmlns:p="http://schemas.openxmlformats.org/presentationml/2006/main">
   <p:cSld>
@@ -4551,11 +5608,7 @@
             </a:r>
             <a:r>
               <a:rPr lang="en-US" sz="2400" b="1" i="1" dirty="0" smtClean="0"/>
-              <a:t>ord.length </a:t>
-            </a:r>
-            <a:r>
-              <a:rPr lang="en-US" sz="2400" b="1" i="1" dirty="0" smtClean="0"/>
-              <a:t>= 15</a:t>
+              <a:t>ord.length = 15</a:t>
             </a:r>
           </a:p>
           <a:p>
@@ -4990,15 +6043,7 @@
             </a:pPr>
             <a:r>
               <a:rPr lang="en-US" sz="2400" i="1" dirty="0" smtClean="0"/>
-              <a:t>This is used to </a:t>
-            </a:r>
-            <a:r>
-              <a:rPr lang="en-US" sz="2400" i="1" dirty="0" smtClean="0"/>
-              <a:t>convert </a:t>
-            </a:r>
-            <a:r>
-              <a:rPr lang="en-US" sz="2400" i="1" dirty="0" smtClean="0"/>
-              <a:t>a string to an array</a:t>
+              <a:t>This is used to convert a string to an array</a:t>
             </a:r>
           </a:p>
           <a:p>

--- a/xx/lecture2/javascript/javascript.pptx
+++ b/xx/lecture2/javascript/javascript.pptx
@@ -21,6 +21,8 @@
     <p:sldId id="269" r:id="rId15"/>
     <p:sldId id="270" r:id="rId16"/>
     <p:sldId id="271" r:id="rId17"/>
+    <p:sldId id="272" r:id="rId18"/>
+    <p:sldId id="273" r:id="rId19"/>
   </p:sldIdLst>
   <p:sldSz cx="12192000" cy="6858000"/>
   <p:notesSz cx="6858000" cy="9144000"/>
@@ -258,7 +260,7 @@
           <a:p>
             <a:fld id="{4C6BD7AD-248A-4614-9D7C-8273F8421C86}" type="datetimeFigureOut">
               <a:rPr lang="en-US" smtClean="0"/>
-              <a:t>10/4/2023</a:t>
+              <a:t>10/6/2023</a:t>
             </a:fld>
             <a:endParaRPr lang="en-US"/>
           </a:p>
@@ -428,7 +430,7 @@
           <a:p>
             <a:fld id="{4C6BD7AD-248A-4614-9D7C-8273F8421C86}" type="datetimeFigureOut">
               <a:rPr lang="en-US" smtClean="0"/>
-              <a:t>10/4/2023</a:t>
+              <a:t>10/6/2023</a:t>
             </a:fld>
             <a:endParaRPr lang="en-US"/>
           </a:p>
@@ -608,7 +610,7 @@
           <a:p>
             <a:fld id="{4C6BD7AD-248A-4614-9D7C-8273F8421C86}" type="datetimeFigureOut">
               <a:rPr lang="en-US" smtClean="0"/>
-              <a:t>10/4/2023</a:t>
+              <a:t>10/6/2023</a:t>
             </a:fld>
             <a:endParaRPr lang="en-US"/>
           </a:p>
@@ -778,7 +780,7 @@
           <a:p>
             <a:fld id="{4C6BD7AD-248A-4614-9D7C-8273F8421C86}" type="datetimeFigureOut">
               <a:rPr lang="en-US" smtClean="0"/>
-              <a:t>10/4/2023</a:t>
+              <a:t>10/6/2023</a:t>
             </a:fld>
             <a:endParaRPr lang="en-US"/>
           </a:p>
@@ -1024,7 +1026,7 @@
           <a:p>
             <a:fld id="{4C6BD7AD-248A-4614-9D7C-8273F8421C86}" type="datetimeFigureOut">
               <a:rPr lang="en-US" smtClean="0"/>
-              <a:t>10/4/2023</a:t>
+              <a:t>10/6/2023</a:t>
             </a:fld>
             <a:endParaRPr lang="en-US"/>
           </a:p>
@@ -1256,7 +1258,7 @@
           <a:p>
             <a:fld id="{4C6BD7AD-248A-4614-9D7C-8273F8421C86}" type="datetimeFigureOut">
               <a:rPr lang="en-US" smtClean="0"/>
-              <a:t>10/4/2023</a:t>
+              <a:t>10/6/2023</a:t>
             </a:fld>
             <a:endParaRPr lang="en-US"/>
           </a:p>
@@ -1623,7 +1625,7 @@
           <a:p>
             <a:fld id="{4C6BD7AD-248A-4614-9D7C-8273F8421C86}" type="datetimeFigureOut">
               <a:rPr lang="en-US" smtClean="0"/>
-              <a:t>10/4/2023</a:t>
+              <a:t>10/6/2023</a:t>
             </a:fld>
             <a:endParaRPr lang="en-US"/>
           </a:p>
@@ -1741,7 +1743,7 @@
           <a:p>
             <a:fld id="{4C6BD7AD-248A-4614-9D7C-8273F8421C86}" type="datetimeFigureOut">
               <a:rPr lang="en-US" smtClean="0"/>
-              <a:t>10/4/2023</a:t>
+              <a:t>10/6/2023</a:t>
             </a:fld>
             <a:endParaRPr lang="en-US"/>
           </a:p>
@@ -1836,7 +1838,7 @@
           <a:p>
             <a:fld id="{4C6BD7AD-248A-4614-9D7C-8273F8421C86}" type="datetimeFigureOut">
               <a:rPr lang="en-US" smtClean="0"/>
-              <a:t>10/4/2023</a:t>
+              <a:t>10/6/2023</a:t>
             </a:fld>
             <a:endParaRPr lang="en-US"/>
           </a:p>
@@ -2113,7 +2115,7 @@
           <a:p>
             <a:fld id="{4C6BD7AD-248A-4614-9D7C-8273F8421C86}" type="datetimeFigureOut">
               <a:rPr lang="en-US" smtClean="0"/>
-              <a:t>10/4/2023</a:t>
+              <a:t>10/6/2023</a:t>
             </a:fld>
             <a:endParaRPr lang="en-US"/>
           </a:p>
@@ -2366,7 +2368,7 @@
           <a:p>
             <a:fld id="{4C6BD7AD-248A-4614-9D7C-8273F8421C86}" type="datetimeFigureOut">
               <a:rPr lang="en-US" smtClean="0"/>
-              <a:t>10/4/2023</a:t>
+              <a:t>10/6/2023</a:t>
             </a:fld>
             <a:endParaRPr lang="en-US"/>
           </a:p>
@@ -2579,7 +2581,7 @@
           <a:p>
             <a:fld id="{4C6BD7AD-248A-4614-9D7C-8273F8421C86}" type="datetimeFigureOut">
               <a:rPr lang="en-US" smtClean="0"/>
-              <a:t>10/4/2023</a:t>
+              <a:t>10/6/2023</a:t>
             </a:fld>
             <a:endParaRPr lang="en-US"/>
           </a:p>
@@ -3873,15 +3875,7 @@
             </a:r>
             <a:r>
               <a:rPr lang="en-US" i="1" dirty="0" smtClean="0"/>
-              <a:t>to </a:t>
-            </a:r>
-            <a:r>
-              <a:rPr lang="en-US" i="1" dirty="0" smtClean="0"/>
-              <a:t>determine an </a:t>
-            </a:r>
-            <a:r>
-              <a:rPr lang="en-US" i="1" dirty="0" smtClean="0"/>
-              <a:t>array</a:t>
+              <a:t>to determine an array</a:t>
             </a:r>
             <a:endParaRPr lang="en-US" i="1" dirty="0"/>
           </a:p>
@@ -4015,7 +4009,15 @@
             </a:r>
             <a:r>
               <a:rPr lang="en-US" b="1" dirty="0" smtClean="0"/>
-              <a:t>(), upshift()</a:t>
+              <a:t>(), </a:t>
+            </a:r>
+            <a:r>
+              <a:rPr lang="en-US" b="1" dirty="0" err="1" smtClean="0"/>
+              <a:t>unshift</a:t>
+            </a:r>
+            <a:r>
+              <a:rPr lang="en-US" b="1" dirty="0" smtClean="0"/>
+              <a:t>()</a:t>
             </a:r>
           </a:p>
           <a:p>
@@ -4349,7 +4351,7 @@
         </p:nvSpPr>
         <p:spPr>
           <a:xfrm>
-            <a:off x="838200" y="277091"/>
+            <a:off x="865909" y="277091"/>
             <a:ext cx="10515600" cy="5899872"/>
           </a:xfrm>
         </p:spPr>
@@ -4559,6 +4561,501 @@
     <p:extLst>
       <p:ext uri="{BB962C8B-B14F-4D97-AF65-F5344CB8AC3E}">
         <p14:creationId xmlns:p14="http://schemas.microsoft.com/office/powerpoint/2010/main" val="2366066437"/>
+      </p:ext>
+    </p:extLst>
+  </p:cSld>
+  <p:clrMapOvr>
+    <a:masterClrMapping/>
+  </p:clrMapOvr>
+</p:sld>
+</file>
+
+<file path=ppt/slides/slide17.xml><?xml version="1.0" encoding="utf-8"?>
+<p:sld xmlns:a="http://schemas.openxmlformats.org/drawingml/2006/main" xmlns:r="http://schemas.openxmlformats.org/officeDocument/2006/relationships" xmlns:p="http://schemas.openxmlformats.org/presentationml/2006/main">
+  <p:cSld>
+    <p:spTree>
+      <p:nvGrpSpPr>
+        <p:cNvPr id="1" name=""/>
+        <p:cNvGrpSpPr/>
+        <p:nvPr/>
+      </p:nvGrpSpPr>
+      <p:grpSpPr>
+        <a:xfrm>
+          <a:off x="0" y="0"/>
+          <a:ext cx="0" cy="0"/>
+          <a:chOff x="0" y="0"/>
+          <a:chExt cx="0" cy="0"/>
+        </a:xfrm>
+      </p:grpSpPr>
+      <p:sp>
+        <p:nvSpPr>
+          <p:cNvPr id="3" name="Content Placeholder 2"/>
+          <p:cNvSpPr>
+            <a:spLocks noGrp="1"/>
+          </p:cNvSpPr>
+          <p:nvPr>
+            <p:ph idx="1"/>
+          </p:nvPr>
+        </p:nvSpPr>
+        <p:spPr>
+          <a:xfrm>
+            <a:off x="838200" y="346364"/>
+            <a:ext cx="10515600" cy="5830599"/>
+          </a:xfrm>
+        </p:spPr>
+        <p:txBody>
+          <a:bodyPr/>
+          <a:lstStyle/>
+          <a:p>
+            <a:pPr marL="0" indent="0">
+              <a:buNone/>
+            </a:pPr>
+            <a:r>
+              <a:rPr lang="en-US" b="1" dirty="0" err="1"/>
+              <a:t>a</a:t>
+            </a:r>
+            <a:r>
+              <a:rPr lang="en-US" b="1" dirty="0" err="1" smtClean="0"/>
+              <a:t>rray.sort</a:t>
+            </a:r>
+            <a:r>
+              <a:rPr lang="en-US" b="1" dirty="0" smtClean="0"/>
+              <a:t>()</a:t>
+            </a:r>
+          </a:p>
+          <a:p>
+            <a:pPr marL="0" indent="0">
+              <a:buNone/>
+            </a:pPr>
+            <a:r>
+              <a:rPr lang="en-US" sz="2400" dirty="0" smtClean="0"/>
+              <a:t>Sorts an array in ascending order</a:t>
+            </a:r>
+          </a:p>
+          <a:p>
+            <a:pPr marL="0" indent="0">
+              <a:buNone/>
+            </a:pPr>
+            <a:r>
+              <a:rPr lang="en-US" sz="2400" i="1" dirty="0"/>
+              <a:t>let numArray = [3, 4, 1, 7, 2</a:t>
+            </a:r>
+            <a:r>
+              <a:rPr lang="en-US" sz="2400" i="1" dirty="0" smtClean="0"/>
+              <a:t>];</a:t>
+            </a:r>
+          </a:p>
+          <a:p>
+            <a:pPr marL="0" indent="0">
+              <a:buNone/>
+            </a:pPr>
+            <a:r>
+              <a:rPr lang="en-US" sz="2400" i="1" dirty="0" err="1" smtClean="0"/>
+              <a:t>numArray.sort</a:t>
+            </a:r>
+            <a:r>
+              <a:rPr lang="en-US" sz="2400" i="1" dirty="0" smtClean="0"/>
+              <a:t>();</a:t>
+            </a:r>
+          </a:p>
+          <a:p>
+            <a:pPr marL="0" indent="0">
+              <a:buNone/>
+            </a:pPr>
+            <a:r>
+              <a:rPr lang="en-US" b="1" dirty="0" err="1"/>
+              <a:t>a</a:t>
+            </a:r>
+            <a:r>
+              <a:rPr lang="en-US" b="1" dirty="0" err="1" smtClean="0"/>
+              <a:t>rray.reverse</a:t>
+            </a:r>
+            <a:r>
+              <a:rPr lang="en-US" b="1" dirty="0" smtClean="0"/>
+              <a:t>()</a:t>
+            </a:r>
+            <a:endParaRPr lang="en-US" b="1" dirty="0"/>
+          </a:p>
+          <a:p>
+            <a:pPr marL="0" indent="0">
+              <a:buNone/>
+            </a:pPr>
+            <a:r>
+              <a:rPr lang="en-US" sz="2400" dirty="0"/>
+              <a:t>Sorts</a:t>
+            </a:r>
+            <a:r>
+              <a:rPr lang="en-US" dirty="0"/>
+              <a:t> an array in </a:t>
+            </a:r>
+            <a:r>
+              <a:rPr lang="en-US" dirty="0" smtClean="0"/>
+              <a:t>descending order</a:t>
+            </a:r>
+          </a:p>
+          <a:p>
+            <a:pPr marL="0" indent="0">
+              <a:buNone/>
+            </a:pPr>
+            <a:r>
+              <a:rPr lang="en-US" sz="2400" i="1" dirty="0" err="1" smtClean="0"/>
+              <a:t>numArray.reverse</a:t>
+            </a:r>
+            <a:r>
+              <a:rPr lang="en-US" sz="2400" i="1" dirty="0" smtClean="0"/>
+              <a:t>();</a:t>
+            </a:r>
+          </a:p>
+          <a:p>
+            <a:pPr marL="0" indent="0">
+              <a:buNone/>
+            </a:pPr>
+            <a:r>
+              <a:rPr lang="en-US" sz="2400" b="1" i="1" dirty="0" smtClean="0"/>
+              <a:t>Sort Comparison Function </a:t>
+            </a:r>
+            <a:r>
+              <a:rPr lang="en-US" sz="2400" dirty="0">
+                <a:solidFill>
+                  <a:schemeClr val="accent6">
+                    <a:lumMod val="75000"/>
+                  </a:schemeClr>
+                </a:solidFill>
+              </a:rPr>
+              <a:t>//gives best </a:t>
+            </a:r>
+            <a:r>
+              <a:rPr lang="en-US" sz="2400" dirty="0" smtClean="0">
+                <a:solidFill>
+                  <a:schemeClr val="accent6">
+                    <a:lumMod val="75000"/>
+                  </a:schemeClr>
+                </a:solidFill>
+              </a:rPr>
+              <a:t>accuracy</a:t>
+            </a:r>
+            <a:endParaRPr lang="en-US" sz="2400" b="1" i="1" dirty="0" smtClean="0"/>
+          </a:p>
+          <a:p>
+            <a:pPr marL="0" indent="0">
+              <a:buNone/>
+            </a:pPr>
+            <a:r>
+              <a:rPr lang="en-US" sz="2400" dirty="0" err="1"/>
+              <a:t>a</a:t>
+            </a:r>
+            <a:r>
+              <a:rPr lang="en-US" sz="2400" dirty="0" err="1" smtClean="0"/>
+              <a:t>rray.sort</a:t>
+            </a:r>
+            <a:r>
+              <a:rPr lang="en-US" sz="2400" dirty="0" smtClean="0"/>
+              <a:t>((</a:t>
+            </a:r>
+            <a:r>
+              <a:rPr lang="en-US" sz="2400" dirty="0" err="1" smtClean="0"/>
+              <a:t>a,b</a:t>
+            </a:r>
+            <a:r>
+              <a:rPr lang="en-US" sz="2400" dirty="0" smtClean="0"/>
+              <a:t>) =&gt; (a – b)); </a:t>
+            </a:r>
+            <a:r>
+              <a:rPr lang="en-US" sz="2400" dirty="0" smtClean="0">
+                <a:solidFill>
+                  <a:schemeClr val="accent6">
+                    <a:lumMod val="75000"/>
+                  </a:schemeClr>
+                </a:solidFill>
+              </a:rPr>
+              <a:t>//ascending order</a:t>
+            </a:r>
+            <a:endParaRPr lang="en-US" sz="2400" dirty="0">
+              <a:solidFill>
+                <a:schemeClr val="accent6">
+                  <a:lumMod val="75000"/>
+                </a:schemeClr>
+              </a:solidFill>
+            </a:endParaRPr>
+          </a:p>
+          <a:p>
+            <a:pPr marL="0" indent="0">
+              <a:buNone/>
+            </a:pPr>
+            <a:r>
+              <a:rPr lang="en-US" sz="2400" dirty="0" err="1"/>
+              <a:t>array.sort</a:t>
+            </a:r>
+            <a:r>
+              <a:rPr lang="en-US" sz="2400" dirty="0"/>
+              <a:t>((</a:t>
+            </a:r>
+            <a:r>
+              <a:rPr lang="en-US" sz="2400" dirty="0" err="1"/>
+              <a:t>a,b</a:t>
+            </a:r>
+            <a:r>
+              <a:rPr lang="en-US" sz="2400" dirty="0"/>
+              <a:t>) =&gt; </a:t>
+            </a:r>
+            <a:r>
+              <a:rPr lang="en-US" sz="2400" dirty="0" smtClean="0"/>
+              <a:t>(b </a:t>
+            </a:r>
+            <a:r>
+              <a:rPr lang="en-US" sz="2400" dirty="0"/>
+              <a:t>– </a:t>
+            </a:r>
+            <a:r>
+              <a:rPr lang="en-US" sz="2400" dirty="0" smtClean="0"/>
+              <a:t>a)); </a:t>
+            </a:r>
+            <a:r>
+              <a:rPr lang="en-US" sz="2400" dirty="0" smtClean="0">
+                <a:solidFill>
+                  <a:schemeClr val="accent6">
+                    <a:lumMod val="75000"/>
+                  </a:schemeClr>
+                </a:solidFill>
+              </a:rPr>
+              <a:t>//descending order</a:t>
+            </a:r>
+          </a:p>
+          <a:p>
+            <a:pPr marL="0" indent="0">
+              <a:buNone/>
+            </a:pPr>
+            <a:endParaRPr lang="en-US" sz="2400" dirty="0">
+              <a:solidFill>
+                <a:schemeClr val="accent6">
+                  <a:lumMod val="75000"/>
+                </a:schemeClr>
+              </a:solidFill>
+            </a:endParaRPr>
+          </a:p>
+          <a:p>
+            <a:pPr marL="0" indent="0">
+              <a:buNone/>
+            </a:pPr>
+            <a:endParaRPr lang="en-US" b="1" dirty="0"/>
+          </a:p>
+        </p:txBody>
+      </p:sp>
+    </p:spTree>
+    <p:extLst>
+      <p:ext uri="{BB962C8B-B14F-4D97-AF65-F5344CB8AC3E}">
+        <p14:creationId xmlns:p14="http://schemas.microsoft.com/office/powerpoint/2010/main" val="2464760792"/>
+      </p:ext>
+    </p:extLst>
+  </p:cSld>
+  <p:clrMapOvr>
+    <a:masterClrMapping/>
+  </p:clrMapOvr>
+</p:sld>
+</file>
+
+<file path=ppt/slides/slide18.xml><?xml version="1.0" encoding="utf-8"?>
+<p:sld xmlns:a="http://schemas.openxmlformats.org/drawingml/2006/main" xmlns:r="http://schemas.openxmlformats.org/officeDocument/2006/relationships" xmlns:p="http://schemas.openxmlformats.org/presentationml/2006/main">
+  <p:cSld>
+    <p:spTree>
+      <p:nvGrpSpPr>
+        <p:cNvPr id="1" name=""/>
+        <p:cNvGrpSpPr/>
+        <p:nvPr/>
+      </p:nvGrpSpPr>
+      <p:grpSpPr>
+        <a:xfrm>
+          <a:off x="0" y="0"/>
+          <a:ext cx="0" cy="0"/>
+          <a:chOff x="0" y="0"/>
+          <a:chExt cx="0" cy="0"/>
+        </a:xfrm>
+      </p:grpSpPr>
+      <p:sp>
+        <p:nvSpPr>
+          <p:cNvPr id="3" name="Content Placeholder 2"/>
+          <p:cNvSpPr>
+            <a:spLocks noGrp="1"/>
+          </p:cNvSpPr>
+          <p:nvPr>
+            <p:ph idx="1"/>
+          </p:nvPr>
+        </p:nvSpPr>
+        <p:spPr>
+          <a:xfrm>
+            <a:off x="838200" y="374072"/>
+            <a:ext cx="10515600" cy="5985163"/>
+          </a:xfrm>
+        </p:spPr>
+        <p:txBody>
+          <a:bodyPr>
+            <a:normAutofit lnSpcReduction="10000"/>
+          </a:bodyPr>
+          <a:lstStyle/>
+          <a:p>
+            <a:pPr marL="0" indent="0">
+              <a:buNone/>
+            </a:pPr>
+            <a:r>
+              <a:rPr lang="en-US" b="1" dirty="0"/>
+              <a:t>a</a:t>
+            </a:r>
+            <a:r>
+              <a:rPr lang="en-US" b="1" dirty="0" smtClean="0"/>
+              <a:t>rray.filter()</a:t>
+            </a:r>
+          </a:p>
+          <a:p>
+            <a:pPr marL="0" indent="0">
+              <a:buNone/>
+            </a:pPr>
+            <a:r>
+              <a:rPr lang="en-US" sz="2400" dirty="0" smtClean="0"/>
+              <a:t>Filter method is used to extract an array into a new array after a condition is met.</a:t>
+            </a:r>
+          </a:p>
+          <a:p>
+            <a:pPr marL="0" indent="0">
+              <a:buNone/>
+            </a:pPr>
+            <a:r>
+              <a:rPr lang="en-US" i="1" dirty="0"/>
+              <a:t>let numArray = [3, 4, 1, 7, 2, 4];</a:t>
+            </a:r>
+          </a:p>
+          <a:p>
+            <a:pPr marL="0" indent="0">
+              <a:buNone/>
+            </a:pPr>
+            <a:r>
+              <a:rPr lang="en-US" i="1" dirty="0" smtClean="0"/>
+              <a:t>numArray.filter((x) </a:t>
+            </a:r>
+            <a:r>
+              <a:rPr lang="en-US" i="1" dirty="0"/>
+              <a:t>=&gt; x &gt; 1</a:t>
+            </a:r>
+            <a:r>
+              <a:rPr lang="en-US" i="1" dirty="0" smtClean="0"/>
+              <a:t>);</a:t>
+            </a:r>
+            <a:endParaRPr lang="en-US" i="1" dirty="0"/>
+          </a:p>
+          <a:p>
+            <a:pPr marL="0" indent="0">
+              <a:buNone/>
+            </a:pPr>
+            <a:r>
+              <a:rPr lang="en-US" sz="2400" b="1" dirty="0" smtClean="0"/>
+              <a:t>array.includes()</a:t>
+            </a:r>
+          </a:p>
+          <a:p>
+            <a:pPr marL="0" indent="0">
+              <a:buNone/>
+            </a:pPr>
+            <a:r>
+              <a:rPr lang="en-US" sz="2400" dirty="0" smtClean="0"/>
+              <a:t>Checks if an element is present in an array.</a:t>
+            </a:r>
+          </a:p>
+          <a:p>
+            <a:pPr marL="0" indent="0">
+              <a:buNone/>
+            </a:pPr>
+            <a:r>
+              <a:rPr lang="en-US" sz="2400" i="1" dirty="0" err="1"/>
+              <a:t>numArray.includes</a:t>
+            </a:r>
+            <a:r>
+              <a:rPr lang="en-US" sz="2400" i="1" dirty="0"/>
+              <a:t>(4</a:t>
+            </a:r>
+            <a:r>
+              <a:rPr lang="en-US" i="1" dirty="0"/>
+              <a:t>)</a:t>
+            </a:r>
+          </a:p>
+          <a:p>
+            <a:pPr marL="0" indent="0">
+              <a:buNone/>
+            </a:pPr>
+            <a:r>
+              <a:rPr lang="en-US" sz="2400" b="1" dirty="0"/>
+              <a:t>a</a:t>
+            </a:r>
+            <a:r>
+              <a:rPr lang="en-US" sz="2400" b="1" dirty="0" smtClean="0"/>
+              <a:t>rray.some()</a:t>
+            </a:r>
+          </a:p>
+          <a:p>
+            <a:pPr marL="0" indent="0">
+              <a:buNone/>
+            </a:pPr>
+            <a:r>
+              <a:rPr lang="en-US" sz="2400" dirty="0" smtClean="0"/>
+              <a:t>This checks if some array element passes the condition.</a:t>
+            </a:r>
+          </a:p>
+          <a:p>
+            <a:pPr marL="0" indent="0">
+              <a:buNone/>
+            </a:pPr>
+            <a:r>
+              <a:rPr lang="en-US" sz="2400" i="1" dirty="0"/>
+              <a:t>numArray.every(x =&gt; x &gt; 0</a:t>
+            </a:r>
+            <a:r>
+              <a:rPr lang="en-US" sz="2400" i="1" dirty="0" smtClean="0"/>
+              <a:t>)</a:t>
+            </a:r>
+            <a:endParaRPr lang="en-US" sz="2400" b="1" i="1" dirty="0" smtClean="0"/>
+          </a:p>
+          <a:p>
+            <a:pPr marL="0" indent="0">
+              <a:buNone/>
+            </a:pPr>
+            <a:r>
+              <a:rPr lang="en-US" sz="2400" b="1" dirty="0" smtClean="0"/>
+              <a:t>array.every()</a:t>
+            </a:r>
+          </a:p>
+          <a:p>
+            <a:pPr marL="0" indent="0">
+              <a:buNone/>
+            </a:pPr>
+            <a:r>
+              <a:rPr lang="en-US" sz="2400" dirty="0"/>
+              <a:t>This checks if </a:t>
+            </a:r>
+            <a:r>
+              <a:rPr lang="en-US" sz="2400" dirty="0" smtClean="0"/>
+              <a:t>all array element is passes the condition.</a:t>
+            </a:r>
+          </a:p>
+          <a:p>
+            <a:pPr marL="0" indent="0">
+              <a:buNone/>
+            </a:pPr>
+            <a:r>
+              <a:rPr lang="en-US" sz="2400" i="1" dirty="0"/>
+              <a:t>numArray.every(x =&gt; x &gt; 0)</a:t>
+            </a:r>
+            <a:endParaRPr lang="en-US" sz="2000" b="1" i="1" dirty="0"/>
+          </a:p>
+          <a:p>
+            <a:pPr marL="0" indent="0">
+              <a:buNone/>
+            </a:pPr>
+            <a:endParaRPr lang="en-US" sz="2400" b="1" dirty="0"/>
+          </a:p>
+        </p:txBody>
+      </p:sp>
+    </p:spTree>
+    <p:extLst>
+      <p:ext uri="{BB962C8B-B14F-4D97-AF65-F5344CB8AC3E}">
+        <p14:creationId xmlns:p14="http://schemas.microsoft.com/office/powerpoint/2010/main" val="4013275588"/>
       </p:ext>
     </p:extLst>
   </p:cSld>

--- a/xx/lecture2/javascript/javascript.pptx
+++ b/xx/lecture2/javascript/javascript.pptx
@@ -23,6 +23,8 @@
     <p:sldId id="271" r:id="rId17"/>
     <p:sldId id="272" r:id="rId18"/>
     <p:sldId id="273" r:id="rId19"/>
+    <p:sldId id="274" r:id="rId20"/>
+    <p:sldId id="275" r:id="rId21"/>
   </p:sldIdLst>
   <p:sldSz cx="12192000" cy="6858000"/>
   <p:notesSz cx="6858000" cy="9144000"/>
@@ -260,7 +262,7 @@
           <a:p>
             <a:fld id="{4C6BD7AD-248A-4614-9D7C-8273F8421C86}" type="datetimeFigureOut">
               <a:rPr lang="en-US" smtClean="0"/>
-              <a:t>10/6/2023</a:t>
+              <a:t>10/11/2023</a:t>
             </a:fld>
             <a:endParaRPr lang="en-US"/>
           </a:p>
@@ -430,7 +432,7 @@
           <a:p>
             <a:fld id="{4C6BD7AD-248A-4614-9D7C-8273F8421C86}" type="datetimeFigureOut">
               <a:rPr lang="en-US" smtClean="0"/>
-              <a:t>10/6/2023</a:t>
+              <a:t>10/11/2023</a:t>
             </a:fld>
             <a:endParaRPr lang="en-US"/>
           </a:p>
@@ -610,7 +612,7 @@
           <a:p>
             <a:fld id="{4C6BD7AD-248A-4614-9D7C-8273F8421C86}" type="datetimeFigureOut">
               <a:rPr lang="en-US" smtClean="0"/>
-              <a:t>10/6/2023</a:t>
+              <a:t>10/11/2023</a:t>
             </a:fld>
             <a:endParaRPr lang="en-US"/>
           </a:p>
@@ -780,7 +782,7 @@
           <a:p>
             <a:fld id="{4C6BD7AD-248A-4614-9D7C-8273F8421C86}" type="datetimeFigureOut">
               <a:rPr lang="en-US" smtClean="0"/>
-              <a:t>10/6/2023</a:t>
+              <a:t>10/11/2023</a:t>
             </a:fld>
             <a:endParaRPr lang="en-US"/>
           </a:p>
@@ -1026,7 +1028,7 @@
           <a:p>
             <a:fld id="{4C6BD7AD-248A-4614-9D7C-8273F8421C86}" type="datetimeFigureOut">
               <a:rPr lang="en-US" smtClean="0"/>
-              <a:t>10/6/2023</a:t>
+              <a:t>10/11/2023</a:t>
             </a:fld>
             <a:endParaRPr lang="en-US"/>
           </a:p>
@@ -1258,7 +1260,7 @@
           <a:p>
             <a:fld id="{4C6BD7AD-248A-4614-9D7C-8273F8421C86}" type="datetimeFigureOut">
               <a:rPr lang="en-US" smtClean="0"/>
-              <a:t>10/6/2023</a:t>
+              <a:t>10/11/2023</a:t>
             </a:fld>
             <a:endParaRPr lang="en-US"/>
           </a:p>
@@ -1625,7 +1627,7 @@
           <a:p>
             <a:fld id="{4C6BD7AD-248A-4614-9D7C-8273F8421C86}" type="datetimeFigureOut">
               <a:rPr lang="en-US" smtClean="0"/>
-              <a:t>10/6/2023</a:t>
+              <a:t>10/11/2023</a:t>
             </a:fld>
             <a:endParaRPr lang="en-US"/>
           </a:p>
@@ -1743,7 +1745,7 @@
           <a:p>
             <a:fld id="{4C6BD7AD-248A-4614-9D7C-8273F8421C86}" type="datetimeFigureOut">
               <a:rPr lang="en-US" smtClean="0"/>
-              <a:t>10/6/2023</a:t>
+              <a:t>10/11/2023</a:t>
             </a:fld>
             <a:endParaRPr lang="en-US"/>
           </a:p>
@@ -1838,7 +1840,7 @@
           <a:p>
             <a:fld id="{4C6BD7AD-248A-4614-9D7C-8273F8421C86}" type="datetimeFigureOut">
               <a:rPr lang="en-US" smtClean="0"/>
-              <a:t>10/6/2023</a:t>
+              <a:t>10/11/2023</a:t>
             </a:fld>
             <a:endParaRPr lang="en-US"/>
           </a:p>
@@ -2115,7 +2117,7 @@
           <a:p>
             <a:fld id="{4C6BD7AD-248A-4614-9D7C-8273F8421C86}" type="datetimeFigureOut">
               <a:rPr lang="en-US" smtClean="0"/>
-              <a:t>10/6/2023</a:t>
+              <a:t>10/11/2023</a:t>
             </a:fld>
             <a:endParaRPr lang="en-US"/>
           </a:p>
@@ -2368,7 +2370,7 @@
           <a:p>
             <a:fld id="{4C6BD7AD-248A-4614-9D7C-8273F8421C86}" type="datetimeFigureOut">
               <a:rPr lang="en-US" smtClean="0"/>
-              <a:t>10/6/2023</a:t>
+              <a:t>10/11/2023</a:t>
             </a:fld>
             <a:endParaRPr lang="en-US"/>
           </a:p>
@@ -2581,7 +2583,7 @@
           <a:p>
             <a:fld id="{4C6BD7AD-248A-4614-9D7C-8273F8421C86}" type="datetimeFigureOut">
               <a:rPr lang="en-US" smtClean="0"/>
-              <a:t>10/6/2023</a:t>
+              <a:t>10/11/2023</a:t>
             </a:fld>
             <a:endParaRPr lang="en-US"/>
           </a:p>
@@ -5065,6 +5067,975 @@
 </p:sld>
 </file>
 
+<file path=ppt/slides/slide19.xml><?xml version="1.0" encoding="utf-8"?>
+<p:sld xmlns:a="http://schemas.openxmlformats.org/drawingml/2006/main" xmlns:r="http://schemas.openxmlformats.org/officeDocument/2006/relationships" xmlns:p="http://schemas.openxmlformats.org/presentationml/2006/main">
+  <p:cSld>
+    <p:spTree>
+      <p:nvGrpSpPr>
+        <p:cNvPr id="1" name=""/>
+        <p:cNvGrpSpPr/>
+        <p:nvPr/>
+      </p:nvGrpSpPr>
+      <p:grpSpPr>
+        <a:xfrm>
+          <a:off x="0" y="0"/>
+          <a:ext cx="0" cy="0"/>
+          <a:chOff x="0" y="0"/>
+          <a:chExt cx="0" cy="0"/>
+        </a:xfrm>
+      </p:grpSpPr>
+      <p:sp>
+        <p:nvSpPr>
+          <p:cNvPr id="3" name="Content Placeholder 2"/>
+          <p:cNvSpPr>
+            <a:spLocks noGrp="1"/>
+          </p:cNvSpPr>
+          <p:nvPr>
+            <p:ph idx="1"/>
+          </p:nvPr>
+        </p:nvSpPr>
+        <p:spPr>
+          <a:xfrm>
+            <a:off x="838199" y="429491"/>
+            <a:ext cx="10735849" cy="6322038"/>
+          </a:xfrm>
+        </p:spPr>
+        <p:txBody>
+          <a:bodyPr/>
+          <a:lstStyle/>
+          <a:p>
+            <a:pPr marL="0" indent="0">
+              <a:buNone/>
+            </a:pPr>
+            <a:r>
+              <a:rPr lang="en-US" b="1" dirty="0" smtClean="0"/>
+              <a:t>Comparison Operators</a:t>
+            </a:r>
+          </a:p>
+          <a:p>
+            <a:pPr marL="0" indent="0">
+              <a:buNone/>
+            </a:pPr>
+            <a:r>
+              <a:rPr lang="en-US" sz="2400" dirty="0"/>
+              <a:t>Comparison operators are used </a:t>
+            </a:r>
+            <a:r>
+              <a:rPr lang="en-US" sz="2400" dirty="0" smtClean="0"/>
+              <a:t>determine if a logical </a:t>
+            </a:r>
+            <a:r>
+              <a:rPr lang="en-US" sz="2400" dirty="0" smtClean="0"/>
+              <a:t>statement </a:t>
+            </a:r>
+            <a:r>
+              <a:rPr lang="en-US" sz="2400" dirty="0" smtClean="0"/>
+              <a:t>satisfies a condition.</a:t>
+            </a:r>
+          </a:p>
+          <a:p>
+            <a:pPr marL="0" indent="0">
+              <a:buNone/>
+            </a:pPr>
+            <a:r>
+              <a:rPr lang="en-US" sz="2400" i="1" dirty="0"/>
+              <a:t>l</a:t>
+            </a:r>
+            <a:r>
+              <a:rPr lang="en-US" sz="2400" i="1" dirty="0" smtClean="0"/>
+              <a:t>et x = 10;</a:t>
+            </a:r>
+          </a:p>
+          <a:p>
+            <a:pPr marL="0" indent="0">
+              <a:buNone/>
+            </a:pPr>
+            <a:endParaRPr lang="en-US" dirty="0" smtClean="0"/>
+          </a:p>
+          <a:p>
+            <a:pPr marL="0" indent="0">
+              <a:buNone/>
+            </a:pPr>
+            <a:endParaRPr lang="en-US" dirty="0" smtClean="0"/>
+          </a:p>
+          <a:p>
+            <a:pPr marL="0" indent="0">
+              <a:buNone/>
+            </a:pPr>
+            <a:endParaRPr lang="en-US" dirty="0"/>
+          </a:p>
+          <a:p>
+            <a:pPr marL="0" indent="0">
+              <a:buNone/>
+            </a:pPr>
+            <a:endParaRPr lang="en-US" dirty="0" smtClean="0"/>
+          </a:p>
+          <a:p>
+            <a:pPr marL="0" indent="0">
+              <a:buNone/>
+            </a:pPr>
+            <a:endParaRPr lang="en-US" dirty="0"/>
+          </a:p>
+          <a:p>
+            <a:pPr marL="0" indent="0">
+              <a:buNone/>
+            </a:pPr>
+            <a:endParaRPr lang="en-US" dirty="0" smtClean="0"/>
+          </a:p>
+          <a:p>
+            <a:pPr marL="0" indent="0">
+              <a:buNone/>
+            </a:pPr>
+            <a:endParaRPr lang="en-US" dirty="0" smtClean="0"/>
+          </a:p>
+          <a:p>
+            <a:pPr marL="0" indent="0">
+              <a:buNone/>
+            </a:pPr>
+            <a:endParaRPr lang="en-US" dirty="0"/>
+          </a:p>
+        </p:txBody>
+      </p:sp>
+      <p:graphicFrame>
+        <p:nvGraphicFramePr>
+          <p:cNvPr id="5" name="Table 4"/>
+          <p:cNvGraphicFramePr>
+            <a:graphicFrameLocks noGrp="1"/>
+          </p:cNvGraphicFramePr>
+          <p:nvPr>
+            <p:extLst>
+              <p:ext uri="{D42A27DB-BD31-4B8C-83A1-F6EECF244321}">
+                <p14:modId xmlns:p14="http://schemas.microsoft.com/office/powerpoint/2010/main" val="50660311"/>
+              </p:ext>
+            </p:extLst>
+          </p:nvPr>
+        </p:nvGraphicFramePr>
+        <p:xfrm>
+          <a:off x="979054" y="2398987"/>
+          <a:ext cx="9882910" cy="1828800"/>
+        </p:xfrm>
+        <a:graphic>
+          <a:graphicData uri="http://schemas.openxmlformats.org/drawingml/2006/table">
+            <a:tbl>
+              <a:tblPr firstRow="1" bandRow="1">
+                <a:tableStyleId>{F5AB1C69-6EDB-4FF4-983F-18BD219EF322}</a:tableStyleId>
+              </a:tblPr>
+              <a:tblGrid>
+                <a:gridCol w="2246117">
+                  <a:extLst>
+                    <a:ext uri="{9D8B030D-6E8A-4147-A177-3AD203B41FA5}">
+                      <a16:colId xmlns:a16="http://schemas.microsoft.com/office/drawing/2014/main" val="880254515"/>
+                    </a:ext>
+                  </a:extLst>
+                </a:gridCol>
+                <a:gridCol w="4177776">
+                  <a:extLst>
+                    <a:ext uri="{9D8B030D-6E8A-4147-A177-3AD203B41FA5}">
+                      <a16:colId xmlns:a16="http://schemas.microsoft.com/office/drawing/2014/main" val="3713784638"/>
+                    </a:ext>
+                  </a:extLst>
+                </a:gridCol>
+                <a:gridCol w="3459017">
+                  <a:extLst>
+                    <a:ext uri="{9D8B030D-6E8A-4147-A177-3AD203B41FA5}">
+                      <a16:colId xmlns:a16="http://schemas.microsoft.com/office/drawing/2014/main" val="1522730688"/>
+                    </a:ext>
+                  </a:extLst>
+                </a:gridCol>
+              </a:tblGrid>
+              <a:tr h="359426">
+                <a:tc>
+                  <a:txBody>
+                    <a:bodyPr/>
+                    <a:lstStyle/>
+                    <a:p>
+                      <a:r>
+                        <a:rPr lang="en-US" dirty="0" smtClean="0"/>
+                        <a:t>Operator</a:t>
+                      </a:r>
+                      <a:endParaRPr lang="en-US" dirty="0"/>
+                    </a:p>
+                  </a:txBody>
+                  <a:tcPr/>
+                </a:tc>
+                <a:tc>
+                  <a:txBody>
+                    <a:bodyPr/>
+                    <a:lstStyle/>
+                    <a:p>
+                      <a:r>
+                        <a:rPr lang="en-US" dirty="0" smtClean="0"/>
+                        <a:t>Description</a:t>
+                      </a:r>
+                      <a:endParaRPr lang="en-US" dirty="0"/>
+                    </a:p>
+                  </a:txBody>
+                  <a:tcPr/>
+                </a:tc>
+                <a:tc>
+                  <a:txBody>
+                    <a:bodyPr/>
+                    <a:lstStyle/>
+                    <a:p>
+                      <a:r>
+                        <a:rPr lang="en-US" dirty="0" smtClean="0"/>
+                        <a:t>Use</a:t>
+                      </a:r>
+                      <a:r>
+                        <a:rPr lang="en-US" baseline="0" dirty="0" smtClean="0"/>
+                        <a:t> Case</a:t>
+                      </a:r>
+                      <a:endParaRPr lang="en-US" dirty="0"/>
+                    </a:p>
+                  </a:txBody>
+                  <a:tcPr/>
+                </a:tc>
+                <a:extLst>
+                  <a:ext uri="{0D108BD9-81ED-4DB2-BD59-A6C34878D82A}">
+                    <a16:rowId xmlns:a16="http://schemas.microsoft.com/office/drawing/2014/main" val="1844749145"/>
+                  </a:ext>
+                </a:extLst>
+              </a:tr>
+              <a:tr h="364418">
+                <a:tc>
+                  <a:txBody>
+                    <a:bodyPr/>
+                    <a:lstStyle/>
+                    <a:p>
+                      <a:r>
+                        <a:rPr lang="en-US" dirty="0" smtClean="0"/>
+                        <a:t>==</a:t>
+                      </a:r>
+                      <a:endParaRPr lang="en-US" dirty="0"/>
+                    </a:p>
+                  </a:txBody>
+                  <a:tcPr/>
+                </a:tc>
+                <a:tc>
+                  <a:txBody>
+                    <a:bodyPr/>
+                    <a:lstStyle/>
+                    <a:p>
+                      <a:r>
+                        <a:rPr lang="en-US" dirty="0" smtClean="0"/>
+                        <a:t>equal to</a:t>
+                      </a:r>
+                      <a:endParaRPr lang="en-US" dirty="0"/>
+                    </a:p>
+                  </a:txBody>
+                  <a:tcPr/>
+                </a:tc>
+                <a:tc>
+                  <a:txBody>
+                    <a:bodyPr/>
+                    <a:lstStyle/>
+                    <a:p>
+                      <a:r>
+                        <a:rPr lang="en-US" dirty="0" smtClean="0"/>
+                        <a:t>x</a:t>
+                      </a:r>
+                      <a:r>
+                        <a:rPr lang="en-US" baseline="0" dirty="0" smtClean="0"/>
+                        <a:t> == 10</a:t>
+                      </a:r>
+                      <a:endParaRPr lang="en-US" dirty="0"/>
+                    </a:p>
+                  </a:txBody>
+                  <a:tcPr/>
+                </a:tc>
+                <a:extLst>
+                  <a:ext uri="{0D108BD9-81ED-4DB2-BD59-A6C34878D82A}">
+                    <a16:rowId xmlns:a16="http://schemas.microsoft.com/office/drawing/2014/main" val="3768477849"/>
+                  </a:ext>
+                </a:extLst>
+              </a:tr>
+              <a:tr h="364418">
+                <a:tc>
+                  <a:txBody>
+                    <a:bodyPr/>
+                    <a:lstStyle/>
+                    <a:p>
+                      <a:r>
+                        <a:rPr lang="en-US" dirty="0" smtClean="0"/>
+                        <a:t>===</a:t>
+                      </a:r>
+                      <a:endParaRPr lang="en-US" dirty="0"/>
+                    </a:p>
+                  </a:txBody>
+                  <a:tcPr/>
+                </a:tc>
+                <a:tc>
+                  <a:txBody>
+                    <a:bodyPr/>
+                    <a:lstStyle/>
+                    <a:p>
+                      <a:r>
+                        <a:rPr lang="en-US" dirty="0" smtClean="0"/>
+                        <a:t>equal value and equal type</a:t>
+                      </a:r>
+                      <a:endParaRPr lang="en-US" dirty="0"/>
+                    </a:p>
+                  </a:txBody>
+                  <a:tcPr/>
+                </a:tc>
+                <a:tc>
+                  <a:txBody>
+                    <a:bodyPr/>
+                    <a:lstStyle/>
+                    <a:p>
+                      <a:r>
+                        <a:rPr lang="en-US" dirty="0" smtClean="0"/>
+                        <a:t>x === “10”</a:t>
+                      </a:r>
+                      <a:endParaRPr lang="en-US" dirty="0"/>
+                    </a:p>
+                  </a:txBody>
+                  <a:tcPr/>
+                </a:tc>
+                <a:extLst>
+                  <a:ext uri="{0D108BD9-81ED-4DB2-BD59-A6C34878D82A}">
+                    <a16:rowId xmlns:a16="http://schemas.microsoft.com/office/drawing/2014/main" val="129340161"/>
+                  </a:ext>
+                </a:extLst>
+              </a:tr>
+              <a:tr h="364418">
+                <a:tc>
+                  <a:txBody>
+                    <a:bodyPr/>
+                    <a:lstStyle/>
+                    <a:p>
+                      <a:r>
+                        <a:rPr lang="en-US" dirty="0" smtClean="0"/>
+                        <a:t>!=</a:t>
+                      </a:r>
+                      <a:endParaRPr lang="en-US" dirty="0"/>
+                    </a:p>
+                  </a:txBody>
+                  <a:tcPr/>
+                </a:tc>
+                <a:tc>
+                  <a:txBody>
+                    <a:bodyPr/>
+                    <a:lstStyle/>
+                    <a:p>
+                      <a:r>
+                        <a:rPr lang="en-US" dirty="0" smtClean="0"/>
+                        <a:t>not equal</a:t>
+                      </a:r>
+                      <a:endParaRPr lang="en-US" dirty="0"/>
+                    </a:p>
+                  </a:txBody>
+                  <a:tcPr/>
+                </a:tc>
+                <a:tc>
+                  <a:txBody>
+                    <a:bodyPr/>
+                    <a:lstStyle/>
+                    <a:p>
+                      <a:r>
+                        <a:rPr lang="en-US" dirty="0" smtClean="0"/>
+                        <a:t>x != 10</a:t>
+                      </a:r>
+                      <a:endParaRPr lang="en-US" dirty="0"/>
+                    </a:p>
+                  </a:txBody>
+                  <a:tcPr/>
+                </a:tc>
+                <a:extLst>
+                  <a:ext uri="{0D108BD9-81ED-4DB2-BD59-A6C34878D82A}">
+                    <a16:rowId xmlns:a16="http://schemas.microsoft.com/office/drawing/2014/main" val="3912950251"/>
+                  </a:ext>
+                </a:extLst>
+              </a:tr>
+              <a:tr h="364418">
+                <a:tc>
+                  <a:txBody>
+                    <a:bodyPr/>
+                    <a:lstStyle/>
+                    <a:p>
+                      <a:r>
+                        <a:rPr lang="en-US" dirty="0" smtClean="0"/>
+                        <a:t>!==</a:t>
+                      </a:r>
+                      <a:endParaRPr lang="en-US" dirty="0"/>
+                    </a:p>
+                  </a:txBody>
+                  <a:tcPr/>
+                </a:tc>
+                <a:tc>
+                  <a:txBody>
+                    <a:bodyPr/>
+                    <a:lstStyle/>
+                    <a:p>
+                      <a:r>
+                        <a:rPr lang="en-US" dirty="0" smtClean="0"/>
+                        <a:t>not equal to and not equal type</a:t>
+                      </a:r>
+                      <a:endParaRPr lang="en-US" dirty="0"/>
+                    </a:p>
+                  </a:txBody>
+                  <a:tcPr/>
+                </a:tc>
+                <a:tc>
+                  <a:txBody>
+                    <a:bodyPr/>
+                    <a:lstStyle/>
+                    <a:p>
+                      <a:r>
+                        <a:rPr lang="en-US" dirty="0" smtClean="0"/>
+                        <a:t>x !== “10”</a:t>
+                      </a:r>
+                      <a:endParaRPr lang="en-US" dirty="0"/>
+                    </a:p>
+                  </a:txBody>
+                  <a:tcPr/>
+                </a:tc>
+                <a:extLst>
+                  <a:ext uri="{0D108BD9-81ED-4DB2-BD59-A6C34878D82A}">
+                    <a16:rowId xmlns:a16="http://schemas.microsoft.com/office/drawing/2014/main" val="3095385837"/>
+                  </a:ext>
+                </a:extLst>
+              </a:tr>
+            </a:tbl>
+          </a:graphicData>
+        </a:graphic>
+      </p:graphicFrame>
+      <p:graphicFrame>
+        <p:nvGraphicFramePr>
+          <p:cNvPr id="6" name="Table 5"/>
+          <p:cNvGraphicFramePr>
+            <a:graphicFrameLocks noGrp="1"/>
+          </p:cNvGraphicFramePr>
+          <p:nvPr>
+            <p:extLst>
+              <p:ext uri="{D42A27DB-BD31-4B8C-83A1-F6EECF244321}">
+                <p14:modId xmlns:p14="http://schemas.microsoft.com/office/powerpoint/2010/main" val="209591726"/>
+              </p:ext>
+            </p:extLst>
+          </p:nvPr>
+        </p:nvGraphicFramePr>
+        <p:xfrm>
+          <a:off x="8811491" y="2398987"/>
+          <a:ext cx="2050473" cy="1828800"/>
+        </p:xfrm>
+        <a:graphic>
+          <a:graphicData uri="http://schemas.openxmlformats.org/drawingml/2006/table">
+            <a:tbl>
+              <a:tblPr firstRow="1" bandRow="1">
+                <a:tableStyleId>{F5AB1C69-6EDB-4FF4-983F-18BD219EF322}</a:tableStyleId>
+              </a:tblPr>
+              <a:tblGrid>
+                <a:gridCol w="2050473">
+                  <a:extLst>
+                    <a:ext uri="{9D8B030D-6E8A-4147-A177-3AD203B41FA5}">
+                      <a16:colId xmlns:a16="http://schemas.microsoft.com/office/drawing/2014/main" val="3768001086"/>
+                    </a:ext>
+                  </a:extLst>
+                </a:gridCol>
+              </a:tblGrid>
+              <a:tr h="359426">
+                <a:tc>
+                  <a:txBody>
+                    <a:bodyPr/>
+                    <a:lstStyle/>
+                    <a:p>
+                      <a:r>
+                        <a:rPr lang="en-US" dirty="0" smtClean="0"/>
+                        <a:t>Returns</a:t>
+                      </a:r>
+                      <a:endParaRPr lang="en-US" dirty="0"/>
+                    </a:p>
+                  </a:txBody>
+                  <a:tcPr/>
+                </a:tc>
+                <a:extLst>
+                  <a:ext uri="{0D108BD9-81ED-4DB2-BD59-A6C34878D82A}">
+                    <a16:rowId xmlns:a16="http://schemas.microsoft.com/office/drawing/2014/main" val="1773911138"/>
+                  </a:ext>
+                </a:extLst>
+              </a:tr>
+              <a:tr h="364418">
+                <a:tc>
+                  <a:txBody>
+                    <a:bodyPr/>
+                    <a:lstStyle/>
+                    <a:p>
+                      <a:r>
+                        <a:rPr lang="en-US" dirty="0" smtClean="0"/>
+                        <a:t>true</a:t>
+                      </a:r>
+                      <a:endParaRPr lang="en-US" dirty="0"/>
+                    </a:p>
+                  </a:txBody>
+                  <a:tcPr/>
+                </a:tc>
+                <a:extLst>
+                  <a:ext uri="{0D108BD9-81ED-4DB2-BD59-A6C34878D82A}">
+                    <a16:rowId xmlns:a16="http://schemas.microsoft.com/office/drawing/2014/main" val="4240436716"/>
+                  </a:ext>
+                </a:extLst>
+              </a:tr>
+              <a:tr h="364418">
+                <a:tc>
+                  <a:txBody>
+                    <a:bodyPr/>
+                    <a:lstStyle/>
+                    <a:p>
+                      <a:r>
+                        <a:rPr lang="en-US" dirty="0" smtClean="0"/>
+                        <a:t>false</a:t>
+                      </a:r>
+                      <a:endParaRPr lang="en-US" dirty="0"/>
+                    </a:p>
+                  </a:txBody>
+                  <a:tcPr/>
+                </a:tc>
+                <a:extLst>
+                  <a:ext uri="{0D108BD9-81ED-4DB2-BD59-A6C34878D82A}">
+                    <a16:rowId xmlns:a16="http://schemas.microsoft.com/office/drawing/2014/main" val="3152308193"/>
+                  </a:ext>
+                </a:extLst>
+              </a:tr>
+              <a:tr h="364418">
+                <a:tc>
+                  <a:txBody>
+                    <a:bodyPr/>
+                    <a:lstStyle/>
+                    <a:p>
+                      <a:r>
+                        <a:rPr lang="en-US" dirty="0" smtClean="0"/>
+                        <a:t>false</a:t>
+                      </a:r>
+                      <a:endParaRPr lang="en-US" dirty="0"/>
+                    </a:p>
+                  </a:txBody>
+                  <a:tcPr/>
+                </a:tc>
+                <a:extLst>
+                  <a:ext uri="{0D108BD9-81ED-4DB2-BD59-A6C34878D82A}">
+                    <a16:rowId xmlns:a16="http://schemas.microsoft.com/office/drawing/2014/main" val="842467801"/>
+                  </a:ext>
+                </a:extLst>
+              </a:tr>
+              <a:tr h="364418">
+                <a:tc>
+                  <a:txBody>
+                    <a:bodyPr/>
+                    <a:lstStyle/>
+                    <a:p>
+                      <a:r>
+                        <a:rPr lang="en-US" dirty="0" smtClean="0"/>
+                        <a:t>true</a:t>
+                      </a:r>
+                      <a:endParaRPr lang="en-US" dirty="0"/>
+                    </a:p>
+                  </a:txBody>
+                  <a:tcPr/>
+                </a:tc>
+                <a:extLst>
+                  <a:ext uri="{0D108BD9-81ED-4DB2-BD59-A6C34878D82A}">
+                    <a16:rowId xmlns:a16="http://schemas.microsoft.com/office/drawing/2014/main" val="2699007415"/>
+                  </a:ext>
+                </a:extLst>
+              </a:tr>
+            </a:tbl>
+          </a:graphicData>
+        </a:graphic>
+      </p:graphicFrame>
+      <p:graphicFrame>
+        <p:nvGraphicFramePr>
+          <p:cNvPr id="7" name="Table 6"/>
+          <p:cNvGraphicFramePr>
+            <a:graphicFrameLocks noGrp="1"/>
+          </p:cNvGraphicFramePr>
+          <p:nvPr>
+            <p:extLst>
+              <p:ext uri="{D42A27DB-BD31-4B8C-83A1-F6EECF244321}">
+                <p14:modId xmlns:p14="http://schemas.microsoft.com/office/powerpoint/2010/main" val="972773584"/>
+              </p:ext>
+            </p:extLst>
+          </p:nvPr>
+        </p:nvGraphicFramePr>
+        <p:xfrm>
+          <a:off x="979052" y="4375107"/>
+          <a:ext cx="9882912" cy="2207762"/>
+        </p:xfrm>
+        <a:graphic>
+          <a:graphicData uri="http://schemas.openxmlformats.org/drawingml/2006/table">
+            <a:tbl>
+              <a:tblPr firstRow="1" bandRow="1">
+                <a:tableStyleId>{5C22544A-7EE6-4342-B048-85BDC9FD1C3A}</a:tableStyleId>
+              </a:tblPr>
+              <a:tblGrid>
+                <a:gridCol w="2470728">
+                  <a:extLst>
+                    <a:ext uri="{9D8B030D-6E8A-4147-A177-3AD203B41FA5}">
+                      <a16:colId xmlns:a16="http://schemas.microsoft.com/office/drawing/2014/main" val="2091536462"/>
+                    </a:ext>
+                  </a:extLst>
+                </a:gridCol>
+                <a:gridCol w="2470728">
+                  <a:extLst>
+                    <a:ext uri="{9D8B030D-6E8A-4147-A177-3AD203B41FA5}">
+                      <a16:colId xmlns:a16="http://schemas.microsoft.com/office/drawing/2014/main" val="2112364431"/>
+                    </a:ext>
+                  </a:extLst>
+                </a:gridCol>
+                <a:gridCol w="2470728">
+                  <a:extLst>
+                    <a:ext uri="{9D8B030D-6E8A-4147-A177-3AD203B41FA5}">
+                      <a16:colId xmlns:a16="http://schemas.microsoft.com/office/drawing/2014/main" val="29891174"/>
+                    </a:ext>
+                  </a:extLst>
+                </a:gridCol>
+                <a:gridCol w="2470728">
+                  <a:extLst>
+                    <a:ext uri="{9D8B030D-6E8A-4147-A177-3AD203B41FA5}">
+                      <a16:colId xmlns:a16="http://schemas.microsoft.com/office/drawing/2014/main" val="241476665"/>
+                    </a:ext>
+                  </a:extLst>
+                </a:gridCol>
+              </a:tblGrid>
+              <a:tr h="0">
+                <a:tc>
+                  <a:txBody>
+                    <a:bodyPr/>
+                    <a:lstStyle/>
+                    <a:p>
+                      <a:r>
+                        <a:rPr lang="en-US" dirty="0" smtClean="0"/>
+                        <a:t>Operator</a:t>
+                      </a:r>
+                      <a:endParaRPr lang="en-US" dirty="0"/>
+                    </a:p>
+                  </a:txBody>
+                  <a:tcPr/>
+                </a:tc>
+                <a:tc>
+                  <a:txBody>
+                    <a:bodyPr/>
+                    <a:lstStyle/>
+                    <a:p>
+                      <a:r>
+                        <a:rPr lang="en-US" dirty="0" smtClean="0"/>
+                        <a:t>Description</a:t>
+                      </a:r>
+                      <a:endParaRPr lang="en-US" dirty="0"/>
+                    </a:p>
+                  </a:txBody>
+                  <a:tcPr/>
+                </a:tc>
+                <a:tc>
+                  <a:txBody>
+                    <a:bodyPr/>
+                    <a:lstStyle/>
+                    <a:p>
+                      <a:r>
+                        <a:rPr lang="en-US" dirty="0" smtClean="0"/>
+                        <a:t>Use</a:t>
+                      </a:r>
+                      <a:r>
+                        <a:rPr lang="en-US" baseline="0" dirty="0" smtClean="0"/>
+                        <a:t> Case</a:t>
+                      </a:r>
+                      <a:endParaRPr lang="en-US" dirty="0"/>
+                    </a:p>
+                  </a:txBody>
+                  <a:tcPr/>
+                </a:tc>
+                <a:tc>
+                  <a:txBody>
+                    <a:bodyPr/>
+                    <a:lstStyle/>
+                    <a:p>
+                      <a:r>
+                        <a:rPr lang="en-US" dirty="0" smtClean="0"/>
+                        <a:t>Returns</a:t>
+                      </a:r>
+                      <a:endParaRPr lang="en-US" dirty="0"/>
+                    </a:p>
+                  </a:txBody>
+                  <a:tcPr/>
+                </a:tc>
+                <a:extLst>
+                  <a:ext uri="{0D108BD9-81ED-4DB2-BD59-A6C34878D82A}">
+                    <a16:rowId xmlns:a16="http://schemas.microsoft.com/office/drawing/2014/main" val="3399790741"/>
+                  </a:ext>
+                </a:extLst>
+              </a:tr>
+              <a:tr h="317280">
+                <a:tc>
+                  <a:txBody>
+                    <a:bodyPr/>
+                    <a:lstStyle/>
+                    <a:p>
+                      <a:r>
+                        <a:rPr lang="en-US" dirty="0" smtClean="0"/>
+                        <a:t>&lt;</a:t>
+                      </a:r>
+                      <a:endParaRPr lang="en-US" dirty="0"/>
+                    </a:p>
+                  </a:txBody>
+                  <a:tcPr/>
+                </a:tc>
+                <a:tc>
+                  <a:txBody>
+                    <a:bodyPr/>
+                    <a:lstStyle/>
+                    <a:p>
+                      <a:r>
+                        <a:rPr lang="en-US" dirty="0" smtClean="0"/>
+                        <a:t>Less than</a:t>
+                      </a:r>
+                      <a:endParaRPr lang="en-US" dirty="0"/>
+                    </a:p>
+                  </a:txBody>
+                  <a:tcPr/>
+                </a:tc>
+                <a:tc>
+                  <a:txBody>
+                    <a:bodyPr/>
+                    <a:lstStyle/>
+                    <a:p>
+                      <a:r>
+                        <a:rPr lang="en-US" dirty="0" smtClean="0"/>
+                        <a:t>x</a:t>
+                      </a:r>
+                      <a:r>
+                        <a:rPr lang="en-US" baseline="0" dirty="0" smtClean="0"/>
+                        <a:t> &lt; 10</a:t>
+                      </a:r>
+                      <a:endParaRPr lang="en-US" dirty="0"/>
+                    </a:p>
+                  </a:txBody>
+                  <a:tcPr/>
+                </a:tc>
+                <a:tc>
+                  <a:txBody>
+                    <a:bodyPr/>
+                    <a:lstStyle/>
+                    <a:p>
+                      <a:r>
+                        <a:rPr lang="en-US" dirty="0" smtClean="0"/>
+                        <a:t>false</a:t>
+                      </a:r>
+                      <a:endParaRPr lang="en-US" dirty="0"/>
+                    </a:p>
+                  </a:txBody>
+                  <a:tcPr/>
+                </a:tc>
+                <a:extLst>
+                  <a:ext uri="{0D108BD9-81ED-4DB2-BD59-A6C34878D82A}">
+                    <a16:rowId xmlns:a16="http://schemas.microsoft.com/office/drawing/2014/main" val="539963883"/>
+                  </a:ext>
+                </a:extLst>
+              </a:tr>
+              <a:tr h="555241">
+                <a:tc>
+                  <a:txBody>
+                    <a:bodyPr/>
+                    <a:lstStyle/>
+                    <a:p>
+                      <a:r>
+                        <a:rPr lang="en-US" dirty="0" smtClean="0"/>
+                        <a:t>&lt;=</a:t>
+                      </a:r>
+                      <a:endParaRPr lang="en-US" dirty="0"/>
+                    </a:p>
+                  </a:txBody>
+                  <a:tcPr/>
+                </a:tc>
+                <a:tc>
+                  <a:txBody>
+                    <a:bodyPr/>
+                    <a:lstStyle/>
+                    <a:p>
+                      <a:r>
+                        <a:rPr lang="en-US" dirty="0" smtClean="0"/>
+                        <a:t>Less than or equal</a:t>
+                      </a:r>
+                      <a:endParaRPr lang="en-US" dirty="0"/>
+                    </a:p>
+                  </a:txBody>
+                  <a:tcPr/>
+                </a:tc>
+                <a:tc>
+                  <a:txBody>
+                    <a:bodyPr/>
+                    <a:lstStyle/>
+                    <a:p>
+                      <a:r>
+                        <a:rPr lang="en-US" dirty="0" smtClean="0"/>
+                        <a:t>x &lt;= 10</a:t>
+                      </a:r>
+                      <a:endParaRPr lang="en-US" dirty="0"/>
+                    </a:p>
+                  </a:txBody>
+                  <a:tcPr/>
+                </a:tc>
+                <a:tc>
+                  <a:txBody>
+                    <a:bodyPr/>
+                    <a:lstStyle/>
+                    <a:p>
+                      <a:r>
+                        <a:rPr lang="en-US" dirty="0" smtClean="0"/>
+                        <a:t>true</a:t>
+                      </a:r>
+                      <a:endParaRPr lang="en-US" dirty="0"/>
+                    </a:p>
+                  </a:txBody>
+                  <a:tcPr/>
+                </a:tc>
+                <a:extLst>
+                  <a:ext uri="{0D108BD9-81ED-4DB2-BD59-A6C34878D82A}">
+                    <a16:rowId xmlns:a16="http://schemas.microsoft.com/office/drawing/2014/main" val="2012912663"/>
+                  </a:ext>
+                </a:extLst>
+              </a:tr>
+              <a:tr h="317280">
+                <a:tc>
+                  <a:txBody>
+                    <a:bodyPr/>
+                    <a:lstStyle/>
+                    <a:p>
+                      <a:r>
+                        <a:rPr lang="en-US" dirty="0" smtClean="0"/>
+                        <a:t>&gt;</a:t>
+                      </a:r>
+                      <a:endParaRPr lang="en-US" dirty="0"/>
+                    </a:p>
+                  </a:txBody>
+                  <a:tcPr/>
+                </a:tc>
+                <a:tc>
+                  <a:txBody>
+                    <a:bodyPr/>
+                    <a:lstStyle/>
+                    <a:p>
+                      <a:r>
+                        <a:rPr lang="en-US" dirty="0" smtClean="0"/>
+                        <a:t>Greater than</a:t>
+                      </a:r>
+                      <a:endParaRPr lang="en-US" dirty="0"/>
+                    </a:p>
+                  </a:txBody>
+                  <a:tcPr/>
+                </a:tc>
+                <a:tc>
+                  <a:txBody>
+                    <a:bodyPr/>
+                    <a:lstStyle/>
+                    <a:p>
+                      <a:r>
+                        <a:rPr lang="en-US" dirty="0" smtClean="0"/>
+                        <a:t>x &gt; 10</a:t>
+                      </a:r>
+                      <a:endParaRPr lang="en-US" dirty="0"/>
+                    </a:p>
+                  </a:txBody>
+                  <a:tcPr/>
+                </a:tc>
+                <a:tc>
+                  <a:txBody>
+                    <a:bodyPr/>
+                    <a:lstStyle/>
+                    <a:p>
+                      <a:r>
+                        <a:rPr lang="en-US" dirty="0" smtClean="0"/>
+                        <a:t>false</a:t>
+                      </a:r>
+                      <a:endParaRPr lang="en-US" dirty="0"/>
+                    </a:p>
+                  </a:txBody>
+                  <a:tcPr/>
+                </a:tc>
+                <a:extLst>
+                  <a:ext uri="{0D108BD9-81ED-4DB2-BD59-A6C34878D82A}">
+                    <a16:rowId xmlns:a16="http://schemas.microsoft.com/office/drawing/2014/main" val="650467539"/>
+                  </a:ext>
+                </a:extLst>
+              </a:tr>
+              <a:tr h="555241">
+                <a:tc>
+                  <a:txBody>
+                    <a:bodyPr/>
+                    <a:lstStyle/>
+                    <a:p>
+                      <a:r>
+                        <a:rPr lang="en-US" dirty="0" smtClean="0"/>
+                        <a:t>&gt;=</a:t>
+                      </a:r>
+                      <a:endParaRPr lang="en-US" dirty="0"/>
+                    </a:p>
+                  </a:txBody>
+                  <a:tcPr/>
+                </a:tc>
+                <a:tc>
+                  <a:txBody>
+                    <a:bodyPr/>
+                    <a:lstStyle/>
+                    <a:p>
+                      <a:r>
+                        <a:rPr lang="en-US" dirty="0" smtClean="0"/>
+                        <a:t>Greater than or equal</a:t>
+                      </a:r>
+                      <a:endParaRPr lang="en-US" dirty="0"/>
+                    </a:p>
+                  </a:txBody>
+                  <a:tcPr/>
+                </a:tc>
+                <a:tc>
+                  <a:txBody>
+                    <a:bodyPr/>
+                    <a:lstStyle/>
+                    <a:p>
+                      <a:r>
+                        <a:rPr lang="en-US" dirty="0" smtClean="0"/>
+                        <a:t>x &gt;= 10</a:t>
+                      </a:r>
+                      <a:endParaRPr lang="en-US" dirty="0"/>
+                    </a:p>
+                  </a:txBody>
+                  <a:tcPr/>
+                </a:tc>
+                <a:tc>
+                  <a:txBody>
+                    <a:bodyPr/>
+                    <a:lstStyle/>
+                    <a:p>
+                      <a:r>
+                        <a:rPr lang="en-US" dirty="0" smtClean="0"/>
+                        <a:t>true</a:t>
+                      </a:r>
+                      <a:endParaRPr lang="en-US" dirty="0"/>
+                    </a:p>
+                  </a:txBody>
+                  <a:tcPr/>
+                </a:tc>
+                <a:extLst>
+                  <a:ext uri="{0D108BD9-81ED-4DB2-BD59-A6C34878D82A}">
+                    <a16:rowId xmlns:a16="http://schemas.microsoft.com/office/drawing/2014/main" val="807040273"/>
+                  </a:ext>
+                </a:extLst>
+              </a:tr>
+            </a:tbl>
+          </a:graphicData>
+        </a:graphic>
+      </p:graphicFrame>
+    </p:spTree>
+    <p:extLst>
+      <p:ext uri="{BB962C8B-B14F-4D97-AF65-F5344CB8AC3E}">
+        <p14:creationId xmlns:p14="http://schemas.microsoft.com/office/powerpoint/2010/main" val="1124037420"/>
+      </p:ext>
+    </p:extLst>
+  </p:cSld>
+  <p:clrMapOvr>
+    <a:masterClrMapping/>
+  </p:clrMapOvr>
+</p:sld>
+</file>
+
 <file path=ppt/slides/slide2.xml><?xml version="1.0" encoding="utf-8"?>
 <p:sld xmlns:a="http://schemas.openxmlformats.org/drawingml/2006/main" xmlns:r="http://schemas.openxmlformats.org/officeDocument/2006/relationships" xmlns:p="http://schemas.openxmlformats.org/presentationml/2006/main">
   <p:cSld>
@@ -5265,6 +6236,400 @@
     <p:extLst>
       <p:ext uri="{BB962C8B-B14F-4D97-AF65-F5344CB8AC3E}">
         <p14:creationId xmlns:p14="http://schemas.microsoft.com/office/powerpoint/2010/main" val="935442073"/>
+      </p:ext>
+    </p:extLst>
+  </p:cSld>
+  <p:clrMapOvr>
+    <a:masterClrMapping/>
+  </p:clrMapOvr>
+</p:sld>
+</file>
+
+<file path=ppt/slides/slide20.xml><?xml version="1.0" encoding="utf-8"?>
+<p:sld xmlns:a="http://schemas.openxmlformats.org/drawingml/2006/main" xmlns:r="http://schemas.openxmlformats.org/officeDocument/2006/relationships" xmlns:p="http://schemas.openxmlformats.org/presentationml/2006/main">
+  <p:cSld>
+    <p:spTree>
+      <p:nvGrpSpPr>
+        <p:cNvPr id="1" name=""/>
+        <p:cNvGrpSpPr/>
+        <p:nvPr/>
+      </p:nvGrpSpPr>
+      <p:grpSpPr>
+        <a:xfrm>
+          <a:off x="0" y="0"/>
+          <a:ext cx="0" cy="0"/>
+          <a:chOff x="0" y="0"/>
+          <a:chExt cx="0" cy="0"/>
+        </a:xfrm>
+      </p:grpSpPr>
+      <p:sp>
+        <p:nvSpPr>
+          <p:cNvPr id="3" name="Content Placeholder 2"/>
+          <p:cNvSpPr>
+            <a:spLocks noGrp="1"/>
+          </p:cNvSpPr>
+          <p:nvPr>
+            <p:ph idx="1"/>
+          </p:nvPr>
+        </p:nvSpPr>
+        <p:spPr>
+          <a:xfrm>
+            <a:off x="838200" y="290945"/>
+            <a:ext cx="10515600" cy="6289964"/>
+          </a:xfrm>
+        </p:spPr>
+        <p:txBody>
+          <a:bodyPr>
+            <a:normAutofit fontScale="55000" lnSpcReduction="20000"/>
+          </a:bodyPr>
+          <a:lstStyle/>
+          <a:p>
+            <a:pPr marL="0" indent="0">
+              <a:buNone/>
+            </a:pPr>
+            <a:r>
+              <a:rPr lang="en-US" b="1" dirty="0" smtClean="0"/>
+              <a:t>Conditional Statements (if, else, else if)</a:t>
+            </a:r>
+          </a:p>
+          <a:p>
+            <a:pPr marL="0" indent="0">
+              <a:buNone/>
+            </a:pPr>
+            <a:r>
+              <a:rPr lang="en-US" sz="3200" dirty="0" smtClean="0"/>
+              <a:t>These are used to execute a block of code if it satisfies a condition</a:t>
+            </a:r>
+          </a:p>
+          <a:p>
+            <a:pPr marL="0" indent="0">
+              <a:buNone/>
+            </a:pPr>
+            <a:r>
+              <a:rPr lang="en-US" sz="3200" i="1" dirty="0">
+                <a:solidFill>
+                  <a:schemeClr val="accent2">
+                    <a:lumMod val="75000"/>
+                  </a:schemeClr>
+                </a:solidFill>
+              </a:rPr>
+              <a:t>if (condition) {</a:t>
+            </a:r>
+            <a:br>
+              <a:rPr lang="en-US" sz="3200" i="1" dirty="0">
+                <a:solidFill>
+                  <a:schemeClr val="accent2">
+                    <a:lumMod val="75000"/>
+                  </a:schemeClr>
+                </a:solidFill>
+              </a:rPr>
+            </a:br>
+            <a:r>
+              <a:rPr lang="en-US" sz="3200" i="1" dirty="0">
+                <a:solidFill>
+                  <a:schemeClr val="accent2">
+                    <a:lumMod val="75000"/>
+                  </a:schemeClr>
+                </a:solidFill>
+              </a:rPr>
+              <a:t>  //  block of code to be executed if the condition is true</a:t>
+            </a:r>
+            <a:br>
+              <a:rPr lang="en-US" sz="3200" i="1" dirty="0">
+                <a:solidFill>
+                  <a:schemeClr val="accent2">
+                    <a:lumMod val="75000"/>
+                  </a:schemeClr>
+                </a:solidFill>
+              </a:rPr>
+            </a:br>
+            <a:r>
+              <a:rPr lang="en-US" sz="3200" i="1" dirty="0" smtClean="0">
+                <a:solidFill>
+                  <a:schemeClr val="accent2">
+                    <a:lumMod val="75000"/>
+                  </a:schemeClr>
+                </a:solidFill>
+              </a:rPr>
+              <a:t>}</a:t>
+            </a:r>
+            <a:endParaRPr lang="en-US" sz="3200" i="1" dirty="0">
+              <a:solidFill>
+                <a:schemeClr val="accent2">
+                  <a:lumMod val="75000"/>
+                </a:schemeClr>
+              </a:solidFill>
+            </a:endParaRPr>
+          </a:p>
+          <a:p>
+            <a:pPr marL="0" indent="0">
+              <a:buNone/>
+            </a:pPr>
+            <a:endParaRPr lang="en-US" sz="3200" b="1" dirty="0" smtClean="0"/>
+          </a:p>
+          <a:p>
+            <a:pPr marL="0" indent="0">
+              <a:buNone/>
+            </a:pPr>
+            <a:r>
+              <a:rPr lang="en-US" sz="3200" i="1" dirty="0">
+                <a:solidFill>
+                  <a:schemeClr val="accent6"/>
+                </a:solidFill>
+              </a:rPr>
+              <a:t>if (condition) {</a:t>
+            </a:r>
+            <a:br>
+              <a:rPr lang="en-US" sz="3200" i="1" dirty="0">
+                <a:solidFill>
+                  <a:schemeClr val="accent6"/>
+                </a:solidFill>
+              </a:rPr>
+            </a:br>
+            <a:r>
+              <a:rPr lang="en-US" sz="3200" i="1" dirty="0">
+                <a:solidFill>
+                  <a:schemeClr val="accent6"/>
+                </a:solidFill>
+              </a:rPr>
+              <a:t>  //  block of code to be executed if the condition is true</a:t>
+            </a:r>
+            <a:br>
+              <a:rPr lang="en-US" sz="3200" i="1" dirty="0">
+                <a:solidFill>
+                  <a:schemeClr val="accent6"/>
+                </a:solidFill>
+              </a:rPr>
+            </a:br>
+            <a:r>
+              <a:rPr lang="en-US" sz="3200" i="1" dirty="0" smtClean="0">
+                <a:solidFill>
+                  <a:schemeClr val="accent6"/>
+                </a:solidFill>
+              </a:rPr>
+              <a:t>}</a:t>
+            </a:r>
+          </a:p>
+          <a:p>
+            <a:pPr marL="0" indent="0">
+              <a:buNone/>
+            </a:pPr>
+            <a:r>
+              <a:rPr lang="en-US" sz="3200" i="1" dirty="0">
+                <a:solidFill>
+                  <a:schemeClr val="accent6"/>
+                </a:solidFill>
+              </a:rPr>
+              <a:t>e</a:t>
+            </a:r>
+            <a:r>
+              <a:rPr lang="en-US" sz="3200" i="1" dirty="0" smtClean="0">
+                <a:solidFill>
+                  <a:schemeClr val="accent6"/>
+                </a:solidFill>
+              </a:rPr>
+              <a:t>lse{</a:t>
+            </a:r>
+          </a:p>
+          <a:p>
+            <a:pPr marL="0" indent="0">
+              <a:buNone/>
+            </a:pPr>
+            <a:r>
+              <a:rPr lang="en-US" sz="3200" i="1" dirty="0">
+                <a:solidFill>
+                  <a:schemeClr val="accent6"/>
+                </a:solidFill>
+              </a:rPr>
+              <a:t>//  block of code to be executed if the condition is true</a:t>
+            </a:r>
+            <a:endParaRPr lang="en-US" sz="3200" i="1" dirty="0" smtClean="0">
+              <a:solidFill>
+                <a:schemeClr val="accent6"/>
+              </a:solidFill>
+            </a:endParaRPr>
+          </a:p>
+          <a:p>
+            <a:pPr marL="0" indent="0">
+              <a:buNone/>
+            </a:pPr>
+            <a:r>
+              <a:rPr lang="en-US" sz="3200" i="1" dirty="0" smtClean="0">
+                <a:solidFill>
+                  <a:schemeClr val="accent6"/>
+                </a:solidFill>
+              </a:rPr>
+              <a:t>}</a:t>
+            </a:r>
+          </a:p>
+          <a:p>
+            <a:pPr marL="0" indent="0">
+              <a:buNone/>
+            </a:pPr>
+            <a:endParaRPr lang="en-US" sz="3200" i="1" dirty="0">
+              <a:solidFill>
+                <a:schemeClr val="accent6"/>
+              </a:solidFill>
+            </a:endParaRPr>
+          </a:p>
+          <a:p>
+            <a:pPr marL="0" indent="0">
+              <a:buNone/>
+            </a:pPr>
+            <a:r>
+              <a:rPr lang="en-US" sz="3200" i="1" dirty="0">
+                <a:solidFill>
+                  <a:srgbClr val="0070C0"/>
+                </a:solidFill>
+              </a:rPr>
+              <a:t>if (condition) {</a:t>
+            </a:r>
+            <a:br>
+              <a:rPr lang="en-US" sz="3200" i="1" dirty="0">
+                <a:solidFill>
+                  <a:srgbClr val="0070C0"/>
+                </a:solidFill>
+              </a:rPr>
+            </a:br>
+            <a:r>
+              <a:rPr lang="en-US" sz="3200" i="1" dirty="0">
+                <a:solidFill>
+                  <a:srgbClr val="0070C0"/>
+                </a:solidFill>
+              </a:rPr>
+              <a:t>  //  block of code to be executed if the condition is true</a:t>
+            </a:r>
+            <a:br>
+              <a:rPr lang="en-US" sz="3200" i="1" dirty="0">
+                <a:solidFill>
+                  <a:srgbClr val="0070C0"/>
+                </a:solidFill>
+              </a:rPr>
+            </a:br>
+            <a:r>
+              <a:rPr lang="en-US" sz="3200" i="1" dirty="0" smtClean="0">
+                <a:solidFill>
+                  <a:srgbClr val="0070C0"/>
+                </a:solidFill>
+              </a:rPr>
+              <a:t>}</a:t>
+            </a:r>
+          </a:p>
+          <a:p>
+            <a:pPr marL="0" indent="0">
+              <a:buNone/>
+            </a:pPr>
+            <a:r>
+              <a:rPr lang="en-US" sz="3200" i="1" dirty="0">
+                <a:solidFill>
+                  <a:srgbClr val="0070C0"/>
+                </a:solidFill>
+              </a:rPr>
+              <a:t>e</a:t>
+            </a:r>
+            <a:r>
+              <a:rPr lang="en-US" sz="3200" i="1" dirty="0" smtClean="0">
+                <a:solidFill>
+                  <a:srgbClr val="0070C0"/>
+                </a:solidFill>
+              </a:rPr>
+              <a:t>lse if (condition){</a:t>
+            </a:r>
+          </a:p>
+          <a:p>
+            <a:pPr marL="0" indent="0">
+              <a:buNone/>
+            </a:pPr>
+            <a:r>
+              <a:rPr lang="en-US" sz="3200" i="1" dirty="0">
+                <a:solidFill>
+                  <a:srgbClr val="0070C0"/>
+                </a:solidFill>
+              </a:rPr>
+              <a:t>//  block of code to be executed if the condition is true</a:t>
+            </a:r>
+            <a:endParaRPr lang="en-US" sz="3200" i="1" dirty="0" smtClean="0">
+              <a:solidFill>
+                <a:srgbClr val="0070C0"/>
+              </a:solidFill>
+            </a:endParaRPr>
+          </a:p>
+          <a:p>
+            <a:pPr marL="0" indent="0">
+              <a:buNone/>
+            </a:pPr>
+            <a:r>
+              <a:rPr lang="en-US" sz="3200" i="1" dirty="0">
+                <a:solidFill>
+                  <a:srgbClr val="0070C0"/>
+                </a:solidFill>
+              </a:rPr>
+              <a:t>}</a:t>
+            </a:r>
+          </a:p>
+          <a:p>
+            <a:pPr marL="0" indent="0">
+              <a:buNone/>
+            </a:pPr>
+            <a:r>
+              <a:rPr lang="en-US" sz="3200" i="1" dirty="0">
+                <a:solidFill>
+                  <a:srgbClr val="0070C0"/>
+                </a:solidFill>
+              </a:rPr>
+              <a:t>else{</a:t>
+            </a:r>
+          </a:p>
+          <a:p>
+            <a:pPr marL="0" indent="0">
+              <a:buNone/>
+            </a:pPr>
+            <a:r>
+              <a:rPr lang="en-US" sz="3200" i="1" dirty="0">
+                <a:solidFill>
+                  <a:srgbClr val="0070C0"/>
+                </a:solidFill>
+              </a:rPr>
+              <a:t>//  block of code to be executed if the condition is true</a:t>
+            </a:r>
+          </a:p>
+          <a:p>
+            <a:pPr marL="0" indent="0">
+              <a:buNone/>
+            </a:pPr>
+            <a:r>
+              <a:rPr lang="en-US" sz="3200" i="1" dirty="0">
+                <a:solidFill>
+                  <a:srgbClr val="0070C0"/>
+                </a:solidFill>
+              </a:rPr>
+              <a:t>}</a:t>
+            </a:r>
+          </a:p>
+          <a:p>
+            <a:pPr marL="0" indent="0">
+              <a:buNone/>
+            </a:pPr>
+            <a:endParaRPr lang="en-US" b="1" dirty="0" smtClean="0"/>
+          </a:p>
+          <a:p>
+            <a:pPr marL="0" indent="0">
+              <a:buNone/>
+            </a:pPr>
+            <a:endParaRPr lang="en-US" b="1" dirty="0">
+              <a:solidFill>
+                <a:schemeClr val="bg2">
+                  <a:lumMod val="10000"/>
+                </a:schemeClr>
+              </a:solidFill>
+            </a:endParaRPr>
+          </a:p>
+        </p:txBody>
+      </p:sp>
+    </p:spTree>
+    <p:extLst>
+      <p:ext uri="{BB962C8B-B14F-4D97-AF65-F5344CB8AC3E}">
+        <p14:creationId xmlns:p14="http://schemas.microsoft.com/office/powerpoint/2010/main" val="4106464534"/>
       </p:ext>
     </p:extLst>
   </p:cSld>

--- a/xx/lecture2/javascript/javascript.pptx
+++ b/xx/lecture2/javascript/javascript.pptx
@@ -25,6 +25,8 @@
     <p:sldId id="273" r:id="rId19"/>
     <p:sldId id="274" r:id="rId20"/>
     <p:sldId id="275" r:id="rId21"/>
+    <p:sldId id="276" r:id="rId22"/>
+    <p:sldId id="277" r:id="rId23"/>
   </p:sldIdLst>
   <p:sldSz cx="12192000" cy="6858000"/>
   <p:notesSz cx="6858000" cy="9144000"/>
@@ -262,7 +264,7 @@
           <a:p>
             <a:fld id="{4C6BD7AD-248A-4614-9D7C-8273F8421C86}" type="datetimeFigureOut">
               <a:rPr lang="en-US" smtClean="0"/>
-              <a:t>10/11/2023</a:t>
+              <a:t>10/13/2023</a:t>
             </a:fld>
             <a:endParaRPr lang="en-US"/>
           </a:p>
@@ -432,7 +434,7 @@
           <a:p>
             <a:fld id="{4C6BD7AD-248A-4614-9D7C-8273F8421C86}" type="datetimeFigureOut">
               <a:rPr lang="en-US" smtClean="0"/>
-              <a:t>10/11/2023</a:t>
+              <a:t>10/13/2023</a:t>
             </a:fld>
             <a:endParaRPr lang="en-US"/>
           </a:p>
@@ -612,7 +614,7 @@
           <a:p>
             <a:fld id="{4C6BD7AD-248A-4614-9D7C-8273F8421C86}" type="datetimeFigureOut">
               <a:rPr lang="en-US" smtClean="0"/>
-              <a:t>10/11/2023</a:t>
+              <a:t>10/13/2023</a:t>
             </a:fld>
             <a:endParaRPr lang="en-US"/>
           </a:p>
@@ -782,7 +784,7 @@
           <a:p>
             <a:fld id="{4C6BD7AD-248A-4614-9D7C-8273F8421C86}" type="datetimeFigureOut">
               <a:rPr lang="en-US" smtClean="0"/>
-              <a:t>10/11/2023</a:t>
+              <a:t>10/13/2023</a:t>
             </a:fld>
             <a:endParaRPr lang="en-US"/>
           </a:p>
@@ -1028,7 +1030,7 @@
           <a:p>
             <a:fld id="{4C6BD7AD-248A-4614-9D7C-8273F8421C86}" type="datetimeFigureOut">
               <a:rPr lang="en-US" smtClean="0"/>
-              <a:t>10/11/2023</a:t>
+              <a:t>10/13/2023</a:t>
             </a:fld>
             <a:endParaRPr lang="en-US"/>
           </a:p>
@@ -1260,7 +1262,7 @@
           <a:p>
             <a:fld id="{4C6BD7AD-248A-4614-9D7C-8273F8421C86}" type="datetimeFigureOut">
               <a:rPr lang="en-US" smtClean="0"/>
-              <a:t>10/11/2023</a:t>
+              <a:t>10/13/2023</a:t>
             </a:fld>
             <a:endParaRPr lang="en-US"/>
           </a:p>
@@ -1627,7 +1629,7 @@
           <a:p>
             <a:fld id="{4C6BD7AD-248A-4614-9D7C-8273F8421C86}" type="datetimeFigureOut">
               <a:rPr lang="en-US" smtClean="0"/>
-              <a:t>10/11/2023</a:t>
+              <a:t>10/13/2023</a:t>
             </a:fld>
             <a:endParaRPr lang="en-US"/>
           </a:p>
@@ -1745,7 +1747,7 @@
           <a:p>
             <a:fld id="{4C6BD7AD-248A-4614-9D7C-8273F8421C86}" type="datetimeFigureOut">
               <a:rPr lang="en-US" smtClean="0"/>
-              <a:t>10/11/2023</a:t>
+              <a:t>10/13/2023</a:t>
             </a:fld>
             <a:endParaRPr lang="en-US"/>
           </a:p>
@@ -1840,7 +1842,7 @@
           <a:p>
             <a:fld id="{4C6BD7AD-248A-4614-9D7C-8273F8421C86}" type="datetimeFigureOut">
               <a:rPr lang="en-US" smtClean="0"/>
-              <a:t>10/11/2023</a:t>
+              <a:t>10/13/2023</a:t>
             </a:fld>
             <a:endParaRPr lang="en-US"/>
           </a:p>
@@ -2117,7 +2119,7 @@
           <a:p>
             <a:fld id="{4C6BD7AD-248A-4614-9D7C-8273F8421C86}" type="datetimeFigureOut">
               <a:rPr lang="en-US" smtClean="0"/>
-              <a:t>10/11/2023</a:t>
+              <a:t>10/13/2023</a:t>
             </a:fld>
             <a:endParaRPr lang="en-US"/>
           </a:p>
@@ -2370,7 +2372,7 @@
           <a:p>
             <a:fld id="{4C6BD7AD-248A-4614-9D7C-8273F8421C86}" type="datetimeFigureOut">
               <a:rPr lang="en-US" smtClean="0"/>
-              <a:t>10/11/2023</a:t>
+              <a:t>10/13/2023</a:t>
             </a:fld>
             <a:endParaRPr lang="en-US"/>
           </a:p>
@@ -2583,7 +2585,7 @@
           <a:p>
             <a:fld id="{4C6BD7AD-248A-4614-9D7C-8273F8421C86}" type="datetimeFigureOut">
               <a:rPr lang="en-US" smtClean="0"/>
-              <a:t>10/11/2023</a:t>
+              <a:t>10/13/2023</a:t>
             </a:fld>
             <a:endParaRPr lang="en-US"/>
           </a:p>
@@ -5122,15 +5124,7 @@
             </a:r>
             <a:r>
               <a:rPr lang="en-US" sz="2400" dirty="0" smtClean="0"/>
-              <a:t>determine if a logical </a:t>
-            </a:r>
-            <a:r>
-              <a:rPr lang="en-US" sz="2400" dirty="0" smtClean="0"/>
-              <a:t>statement </a:t>
-            </a:r>
-            <a:r>
-              <a:rPr lang="en-US" sz="2400" dirty="0" smtClean="0"/>
-              <a:t>satisfies a condition.</a:t>
+              <a:t>determine if a logical statement satisfies a condition.</a:t>
             </a:r>
           </a:p>
           <a:p>
@@ -6639,6 +6633,453 @@
 </p:sld>
 </file>
 
+<file path=ppt/slides/slide21.xml><?xml version="1.0" encoding="utf-8"?>
+<p:sld xmlns:a="http://schemas.openxmlformats.org/drawingml/2006/main" xmlns:r="http://schemas.openxmlformats.org/officeDocument/2006/relationships" xmlns:p="http://schemas.openxmlformats.org/presentationml/2006/main">
+  <p:cSld>
+    <p:spTree>
+      <p:nvGrpSpPr>
+        <p:cNvPr id="1" name=""/>
+        <p:cNvGrpSpPr/>
+        <p:nvPr/>
+      </p:nvGrpSpPr>
+      <p:grpSpPr>
+        <a:xfrm>
+          <a:off x="0" y="0"/>
+          <a:ext cx="0" cy="0"/>
+          <a:chOff x="0" y="0"/>
+          <a:chExt cx="0" cy="0"/>
+        </a:xfrm>
+      </p:grpSpPr>
+      <p:sp>
+        <p:nvSpPr>
+          <p:cNvPr id="3" name="Content Placeholder 2"/>
+          <p:cNvSpPr>
+            <a:spLocks noGrp="1"/>
+          </p:cNvSpPr>
+          <p:nvPr>
+            <p:ph idx="1"/>
+          </p:nvPr>
+        </p:nvSpPr>
+        <p:spPr>
+          <a:xfrm>
+            <a:off x="838200" y="318655"/>
+            <a:ext cx="10515600" cy="5858308"/>
+          </a:xfrm>
+        </p:spPr>
+        <p:txBody>
+          <a:bodyPr/>
+          <a:lstStyle/>
+          <a:p>
+            <a:pPr marL="0" indent="0">
+              <a:buNone/>
+            </a:pPr>
+            <a:r>
+              <a:rPr lang="en-US" b="1" dirty="0" smtClean="0"/>
+              <a:t>Switch Statement</a:t>
+            </a:r>
+          </a:p>
+          <a:p>
+            <a:pPr marL="0" indent="0">
+              <a:buNone/>
+            </a:pPr>
+            <a:r>
+              <a:rPr lang="en-US" sz="2000" dirty="0" smtClean="0"/>
+              <a:t>This is used to decide which block of code will be executed if it meet a condition</a:t>
+            </a:r>
+          </a:p>
+          <a:p>
+            <a:pPr marL="0" indent="0">
+              <a:buNone/>
+            </a:pPr>
+            <a:r>
+              <a:rPr lang="en-US" sz="2000" i="1" dirty="0" smtClean="0"/>
+              <a:t>switch(expression</a:t>
+            </a:r>
+            <a:r>
+              <a:rPr lang="en-US" sz="2000" i="1" dirty="0"/>
+              <a:t>) {</a:t>
+            </a:r>
+            <a:r>
+              <a:rPr lang="en-US" sz="2000" i="1" dirty="0"/>
+              <a:t/>
+            </a:r>
+            <a:br>
+              <a:rPr lang="en-US" sz="2000" i="1" dirty="0"/>
+            </a:br>
+            <a:r>
+              <a:rPr lang="en-US" sz="2000" i="1" dirty="0"/>
+              <a:t>  case x:</a:t>
+            </a:r>
+            <a:r>
+              <a:rPr lang="en-US" sz="2000" i="1" dirty="0"/>
+              <a:t/>
+            </a:r>
+            <a:br>
+              <a:rPr lang="en-US" sz="2000" i="1" dirty="0"/>
+            </a:br>
+            <a:r>
+              <a:rPr lang="en-US" sz="2000" i="1" dirty="0"/>
+              <a:t>    </a:t>
+            </a:r>
+            <a:r>
+              <a:rPr lang="en-US" sz="2000" i="1" dirty="0">
+                <a:solidFill>
+                  <a:schemeClr val="accent6"/>
+                </a:solidFill>
+              </a:rPr>
+              <a:t>// code block</a:t>
+            </a:r>
+            <a:r>
+              <a:rPr lang="en-US" sz="2000" i="1" dirty="0"/>
+              <a:t/>
+            </a:r>
+            <a:br>
+              <a:rPr lang="en-US" sz="2000" i="1" dirty="0"/>
+            </a:br>
+            <a:r>
+              <a:rPr lang="en-US" sz="2000" i="1" dirty="0"/>
+              <a:t>    break;</a:t>
+            </a:r>
+            <a:r>
+              <a:rPr lang="en-US" sz="2000" i="1" dirty="0"/>
+              <a:t/>
+            </a:r>
+            <a:br>
+              <a:rPr lang="en-US" sz="2000" i="1" dirty="0"/>
+            </a:br>
+            <a:r>
+              <a:rPr lang="en-US" sz="2000" i="1" dirty="0"/>
+              <a:t>  case y:</a:t>
+            </a:r>
+            <a:r>
+              <a:rPr lang="en-US" sz="2000" i="1" dirty="0"/>
+              <a:t/>
+            </a:r>
+            <a:br>
+              <a:rPr lang="en-US" sz="2000" i="1" dirty="0"/>
+            </a:br>
+            <a:r>
+              <a:rPr lang="en-US" sz="2000" i="1" dirty="0"/>
+              <a:t>    </a:t>
+            </a:r>
+            <a:r>
+              <a:rPr lang="en-US" sz="2000" i="1" dirty="0">
+                <a:solidFill>
+                  <a:schemeClr val="accent6"/>
+                </a:solidFill>
+              </a:rPr>
+              <a:t>// code block</a:t>
+            </a:r>
+            <a:r>
+              <a:rPr lang="en-US" sz="2000" i="1" dirty="0"/>
+              <a:t/>
+            </a:r>
+            <a:br>
+              <a:rPr lang="en-US" sz="2000" i="1" dirty="0"/>
+            </a:br>
+            <a:r>
+              <a:rPr lang="en-US" sz="2000" i="1" dirty="0"/>
+              <a:t>    break;</a:t>
+            </a:r>
+            <a:r>
+              <a:rPr lang="en-US" sz="2000" i="1" dirty="0"/>
+              <a:t/>
+            </a:r>
+            <a:br>
+              <a:rPr lang="en-US" sz="2000" i="1" dirty="0"/>
+            </a:br>
+            <a:r>
+              <a:rPr lang="en-US" sz="2000" i="1" dirty="0"/>
+              <a:t>  default:</a:t>
+            </a:r>
+            <a:r>
+              <a:rPr lang="en-US" sz="2000" i="1" dirty="0"/>
+              <a:t/>
+            </a:r>
+            <a:br>
+              <a:rPr lang="en-US" sz="2000" i="1" dirty="0"/>
+            </a:br>
+            <a:r>
+              <a:rPr lang="en-US" sz="2000" i="1" dirty="0"/>
+              <a:t>    </a:t>
+            </a:r>
+            <a:r>
+              <a:rPr lang="en-US" sz="2000" i="1" dirty="0">
+                <a:solidFill>
+                  <a:schemeClr val="accent6"/>
+                </a:solidFill>
+              </a:rPr>
+              <a:t>// code block</a:t>
+            </a:r>
+            <a:r>
+              <a:rPr lang="en-US" sz="2000" i="1" dirty="0"/>
+              <a:t/>
+            </a:r>
+            <a:br>
+              <a:rPr lang="en-US" sz="2000" i="1" dirty="0"/>
+            </a:br>
+            <a:r>
+              <a:rPr lang="en-US" sz="2000" i="1" dirty="0"/>
+              <a:t>}</a:t>
+            </a:r>
+            <a:endParaRPr lang="en-US" sz="2000" b="1" i="1" dirty="0"/>
+          </a:p>
+        </p:txBody>
+      </p:sp>
+    </p:spTree>
+    <p:extLst>
+      <p:ext uri="{BB962C8B-B14F-4D97-AF65-F5344CB8AC3E}">
+        <p14:creationId xmlns:p14="http://schemas.microsoft.com/office/powerpoint/2010/main" val="3107683931"/>
+      </p:ext>
+    </p:extLst>
+  </p:cSld>
+  <p:clrMapOvr>
+    <a:masterClrMapping/>
+  </p:clrMapOvr>
+</p:sld>
+</file>
+
+<file path=ppt/slides/slide22.xml><?xml version="1.0" encoding="utf-8"?>
+<p:sld xmlns:a="http://schemas.openxmlformats.org/drawingml/2006/main" xmlns:r="http://schemas.openxmlformats.org/officeDocument/2006/relationships" xmlns:p="http://schemas.openxmlformats.org/presentationml/2006/main">
+  <p:cSld>
+    <p:spTree>
+      <p:nvGrpSpPr>
+        <p:cNvPr id="1" name=""/>
+        <p:cNvGrpSpPr/>
+        <p:nvPr/>
+      </p:nvGrpSpPr>
+      <p:grpSpPr>
+        <a:xfrm>
+          <a:off x="0" y="0"/>
+          <a:ext cx="0" cy="0"/>
+          <a:chOff x="0" y="0"/>
+          <a:chExt cx="0" cy="0"/>
+        </a:xfrm>
+      </p:grpSpPr>
+      <p:sp>
+        <p:nvSpPr>
+          <p:cNvPr id="3" name="Content Placeholder 2"/>
+          <p:cNvSpPr>
+            <a:spLocks noGrp="1"/>
+          </p:cNvSpPr>
+          <p:nvPr>
+            <p:ph idx="1"/>
+          </p:nvPr>
+        </p:nvSpPr>
+        <p:spPr>
+          <a:xfrm>
+            <a:off x="838200" y="360218"/>
+            <a:ext cx="10515600" cy="5816745"/>
+          </a:xfrm>
+        </p:spPr>
+        <p:txBody>
+          <a:bodyPr>
+            <a:normAutofit/>
+          </a:bodyPr>
+          <a:lstStyle/>
+          <a:p>
+            <a:pPr marL="0" indent="0">
+              <a:buNone/>
+            </a:pPr>
+            <a:r>
+              <a:rPr lang="en-US" b="1" dirty="0" smtClean="0"/>
+              <a:t>JavaScript For Loop</a:t>
+            </a:r>
+          </a:p>
+          <a:p>
+            <a:pPr marL="0" indent="0">
+              <a:buNone/>
+            </a:pPr>
+            <a:r>
+              <a:rPr lang="en-US" sz="2400" dirty="0" smtClean="0"/>
+              <a:t>For Loop is used to iterate over a block of code </a:t>
+            </a:r>
+          </a:p>
+          <a:p>
+            <a:pPr marL="0" indent="0">
+              <a:buNone/>
+            </a:pPr>
+            <a:r>
+              <a:rPr lang="en-US" sz="2400" i="1" dirty="0"/>
+              <a:t>for </a:t>
+            </a:r>
+            <a:r>
+              <a:rPr lang="en-US" sz="2400" i="1" dirty="0" smtClean="0"/>
+              <a:t>(initialize; condition; increment) </a:t>
+            </a:r>
+            <a:r>
+              <a:rPr lang="en-US" sz="2400" i="1" dirty="0"/>
+              <a:t>{</a:t>
+            </a:r>
+            <a:r>
+              <a:rPr lang="en-US" sz="2400" i="1" dirty="0"/>
+              <a:t/>
+            </a:r>
+            <a:br>
+              <a:rPr lang="en-US" sz="2400" i="1" dirty="0"/>
+            </a:br>
+            <a:r>
+              <a:rPr lang="en-US" sz="2400" i="1" dirty="0"/>
+              <a:t>	</a:t>
+            </a:r>
+            <a:r>
+              <a:rPr lang="en-US" sz="2400" i="1" dirty="0" smtClean="0">
+                <a:solidFill>
+                  <a:schemeClr val="accent6"/>
+                </a:solidFill>
+              </a:rPr>
+              <a:t>//code block</a:t>
+            </a:r>
+            <a:r>
+              <a:rPr lang="en-US" sz="2400" i="1" dirty="0"/>
+              <a:t/>
+            </a:r>
+            <a:br>
+              <a:rPr lang="en-US" sz="2400" i="1" dirty="0"/>
+            </a:br>
+            <a:r>
+              <a:rPr lang="en-US" sz="2400" i="1" dirty="0" smtClean="0"/>
+              <a:t>}</a:t>
+            </a:r>
+            <a:endParaRPr lang="en-US" sz="2400" i="1" dirty="0"/>
+          </a:p>
+          <a:p>
+            <a:pPr marL="0" indent="0">
+              <a:buNone/>
+            </a:pPr>
+            <a:r>
+              <a:rPr lang="en-US" sz="2400" dirty="0" smtClean="0"/>
+              <a:t>let </a:t>
+            </a:r>
+            <a:r>
+              <a:rPr lang="en-US" sz="2400" dirty="0" err="1" smtClean="0"/>
+              <a:t>num</a:t>
+            </a:r>
+            <a:r>
+              <a:rPr lang="en-US" sz="2400" dirty="0" smtClean="0"/>
+              <a:t> = [2,4,6,8,10]</a:t>
+            </a:r>
+            <a:endParaRPr lang="en-US" sz="2400" dirty="0"/>
+          </a:p>
+          <a:p>
+            <a:pPr marL="0" indent="0">
+              <a:buNone/>
+            </a:pPr>
+            <a:r>
+              <a:rPr lang="en-US" sz="2000" i="1" dirty="0" smtClean="0"/>
+              <a:t> </a:t>
+            </a:r>
+            <a:r>
+              <a:rPr lang="en-US" sz="2000" i="1" dirty="0"/>
+              <a:t>for (let </a:t>
+            </a:r>
+            <a:r>
+              <a:rPr lang="en-US" sz="2000" i="1" dirty="0" err="1"/>
+              <a:t>i</a:t>
+            </a:r>
+            <a:r>
+              <a:rPr lang="en-US" sz="2000" i="1" dirty="0"/>
+              <a:t>=0; </a:t>
+            </a:r>
+            <a:r>
+              <a:rPr lang="en-US" sz="2000" i="1" dirty="0" err="1"/>
+              <a:t>i</a:t>
+            </a:r>
+            <a:r>
+              <a:rPr lang="en-US" sz="2000" i="1" dirty="0"/>
+              <a:t> &lt; </a:t>
+            </a:r>
+            <a:r>
+              <a:rPr lang="en-US" sz="2000" i="1" dirty="0" err="1" smtClean="0"/>
+              <a:t>num.length</a:t>
+            </a:r>
+            <a:r>
+              <a:rPr lang="en-US" sz="2000" i="1" dirty="0"/>
+              <a:t>; </a:t>
+            </a:r>
+            <a:r>
+              <a:rPr lang="en-US" sz="2000" i="1" dirty="0" err="1" smtClean="0"/>
+              <a:t>i</a:t>
+            </a:r>
+            <a:r>
+              <a:rPr lang="en-US" sz="2000" i="1" dirty="0" smtClean="0"/>
+              <a:t>++){</a:t>
+            </a:r>
+          </a:p>
+          <a:p>
+            <a:pPr marL="0" indent="0">
+              <a:buNone/>
+            </a:pPr>
+            <a:r>
+              <a:rPr lang="en-US" sz="2000" i="1" dirty="0"/>
+              <a:t>	</a:t>
+            </a:r>
+            <a:r>
+              <a:rPr lang="en-US" sz="2000" i="1" dirty="0" smtClean="0"/>
+              <a:t>let num2 = </a:t>
+            </a:r>
+            <a:r>
+              <a:rPr lang="en-US" sz="2000" i="1" dirty="0" err="1" smtClean="0"/>
+              <a:t>num</a:t>
+            </a:r>
+            <a:r>
+              <a:rPr lang="en-US" sz="2000" i="1" dirty="0" smtClean="0"/>
+              <a:t>[</a:t>
+            </a:r>
+            <a:r>
+              <a:rPr lang="en-US" sz="2000" i="1" dirty="0" err="1" smtClean="0"/>
+              <a:t>i</a:t>
+            </a:r>
+            <a:r>
+              <a:rPr lang="en-US" sz="2000" i="1" dirty="0" smtClean="0"/>
+              <a:t>] * 2;</a:t>
+            </a:r>
+          </a:p>
+          <a:p>
+            <a:pPr marL="0" indent="0">
+              <a:buNone/>
+            </a:pPr>
+            <a:r>
+              <a:rPr lang="en-US" sz="2000" i="1" dirty="0"/>
+              <a:t>	</a:t>
+            </a:r>
+            <a:r>
+              <a:rPr lang="en-US" sz="2000" i="1" dirty="0" smtClean="0"/>
+              <a:t>console.log(num2)</a:t>
+            </a:r>
+            <a:endParaRPr lang="en-US" sz="2000" i="1" dirty="0"/>
+          </a:p>
+          <a:p>
+            <a:pPr marL="0" indent="0">
+              <a:buNone/>
+            </a:pPr>
+            <a:r>
+              <a:rPr lang="en-US" sz="2000" i="1" dirty="0" smtClean="0"/>
+              <a:t>}</a:t>
+            </a:r>
+            <a:endParaRPr lang="en-US" sz="2000" i="1" dirty="0"/>
+          </a:p>
+          <a:p>
+            <a:pPr marL="0" indent="0">
+              <a:buNone/>
+            </a:pPr>
+            <a:endParaRPr lang="en-US" sz="2400" dirty="0"/>
+          </a:p>
+        </p:txBody>
+      </p:sp>
+    </p:spTree>
+    <p:extLst>
+      <p:ext uri="{BB962C8B-B14F-4D97-AF65-F5344CB8AC3E}">
+        <p14:creationId xmlns:p14="http://schemas.microsoft.com/office/powerpoint/2010/main" val="3503945163"/>
+      </p:ext>
+    </p:extLst>
+  </p:cSld>
+  <p:clrMapOvr>
+    <a:masterClrMapping/>
+  </p:clrMapOvr>
+</p:sld>
+</file>
+
 <file path=ppt/slides/slide3.xml><?xml version="1.0" encoding="utf-8"?>
 <p:sld xmlns:a="http://schemas.openxmlformats.org/drawingml/2006/main" xmlns:r="http://schemas.openxmlformats.org/officeDocument/2006/relationships" xmlns:p="http://schemas.openxmlformats.org/presentationml/2006/main">
   <p:cSld>

--- a/xx/lecture2/javascript/javascript.pptx
+++ b/xx/lecture2/javascript/javascript.pptx
@@ -27,6 +27,10 @@
     <p:sldId id="275" r:id="rId21"/>
     <p:sldId id="276" r:id="rId22"/>
     <p:sldId id="277" r:id="rId23"/>
+    <p:sldId id="279" r:id="rId24"/>
+    <p:sldId id="280" r:id="rId25"/>
+    <p:sldId id="281" r:id="rId26"/>
+    <p:sldId id="282" r:id="rId27"/>
   </p:sldIdLst>
   <p:sldSz cx="12192000" cy="6858000"/>
   <p:notesSz cx="6858000" cy="9144000"/>
@@ -264,7 +268,7 @@
           <a:p>
             <a:fld id="{4C6BD7AD-248A-4614-9D7C-8273F8421C86}" type="datetimeFigureOut">
               <a:rPr lang="en-US" smtClean="0"/>
-              <a:t>10/13/2023</a:t>
+              <a:t>10/25/2023</a:t>
             </a:fld>
             <a:endParaRPr lang="en-US"/>
           </a:p>
@@ -434,7 +438,7 @@
           <a:p>
             <a:fld id="{4C6BD7AD-248A-4614-9D7C-8273F8421C86}" type="datetimeFigureOut">
               <a:rPr lang="en-US" smtClean="0"/>
-              <a:t>10/13/2023</a:t>
+              <a:t>10/25/2023</a:t>
             </a:fld>
             <a:endParaRPr lang="en-US"/>
           </a:p>
@@ -614,7 +618,7 @@
           <a:p>
             <a:fld id="{4C6BD7AD-248A-4614-9D7C-8273F8421C86}" type="datetimeFigureOut">
               <a:rPr lang="en-US" smtClean="0"/>
-              <a:t>10/13/2023</a:t>
+              <a:t>10/25/2023</a:t>
             </a:fld>
             <a:endParaRPr lang="en-US"/>
           </a:p>
@@ -784,7 +788,7 @@
           <a:p>
             <a:fld id="{4C6BD7AD-248A-4614-9D7C-8273F8421C86}" type="datetimeFigureOut">
               <a:rPr lang="en-US" smtClean="0"/>
-              <a:t>10/13/2023</a:t>
+              <a:t>10/25/2023</a:t>
             </a:fld>
             <a:endParaRPr lang="en-US"/>
           </a:p>
@@ -1030,7 +1034,7 @@
           <a:p>
             <a:fld id="{4C6BD7AD-248A-4614-9D7C-8273F8421C86}" type="datetimeFigureOut">
               <a:rPr lang="en-US" smtClean="0"/>
-              <a:t>10/13/2023</a:t>
+              <a:t>10/25/2023</a:t>
             </a:fld>
             <a:endParaRPr lang="en-US"/>
           </a:p>
@@ -1262,7 +1266,7 @@
           <a:p>
             <a:fld id="{4C6BD7AD-248A-4614-9D7C-8273F8421C86}" type="datetimeFigureOut">
               <a:rPr lang="en-US" smtClean="0"/>
-              <a:t>10/13/2023</a:t>
+              <a:t>10/25/2023</a:t>
             </a:fld>
             <a:endParaRPr lang="en-US"/>
           </a:p>
@@ -1629,7 +1633,7 @@
           <a:p>
             <a:fld id="{4C6BD7AD-248A-4614-9D7C-8273F8421C86}" type="datetimeFigureOut">
               <a:rPr lang="en-US" smtClean="0"/>
-              <a:t>10/13/2023</a:t>
+              <a:t>10/25/2023</a:t>
             </a:fld>
             <a:endParaRPr lang="en-US"/>
           </a:p>
@@ -1747,7 +1751,7 @@
           <a:p>
             <a:fld id="{4C6BD7AD-248A-4614-9D7C-8273F8421C86}" type="datetimeFigureOut">
               <a:rPr lang="en-US" smtClean="0"/>
-              <a:t>10/13/2023</a:t>
+              <a:t>10/25/2023</a:t>
             </a:fld>
             <a:endParaRPr lang="en-US"/>
           </a:p>
@@ -1842,7 +1846,7 @@
           <a:p>
             <a:fld id="{4C6BD7AD-248A-4614-9D7C-8273F8421C86}" type="datetimeFigureOut">
               <a:rPr lang="en-US" smtClean="0"/>
-              <a:t>10/13/2023</a:t>
+              <a:t>10/25/2023</a:t>
             </a:fld>
             <a:endParaRPr lang="en-US"/>
           </a:p>
@@ -2119,7 +2123,7 @@
           <a:p>
             <a:fld id="{4C6BD7AD-248A-4614-9D7C-8273F8421C86}" type="datetimeFigureOut">
               <a:rPr lang="en-US" smtClean="0"/>
-              <a:t>10/13/2023</a:t>
+              <a:t>10/25/2023</a:t>
             </a:fld>
             <a:endParaRPr lang="en-US"/>
           </a:p>
@@ -2372,7 +2376,7 @@
           <a:p>
             <a:fld id="{4C6BD7AD-248A-4614-9D7C-8273F8421C86}" type="datetimeFigureOut">
               <a:rPr lang="en-US" smtClean="0"/>
-              <a:t>10/13/2023</a:t>
+              <a:t>10/25/2023</a:t>
             </a:fld>
             <a:endParaRPr lang="en-US"/>
           </a:p>
@@ -2585,7 +2589,7 @@
           <a:p>
             <a:fld id="{4C6BD7AD-248A-4614-9D7C-8273F8421C86}" type="datetimeFigureOut">
               <a:rPr lang="en-US" smtClean="0"/>
-              <a:t>10/13/2023</a:t>
+              <a:t>10/25/2023</a:t>
             </a:fld>
             <a:endParaRPr lang="en-US"/>
           </a:p>
@@ -3611,7 +3615,7 @@
               <a:buNone/>
             </a:pPr>
             <a:r>
-              <a:rPr lang="en-US" sz="2400" i="1" dirty="0" err="1" smtClean="0"/>
+              <a:rPr lang="en-US" sz="2400" i="1" dirty="0" smtClean="0"/>
               <a:t>const</a:t>
             </a:r>
             <a:r>
@@ -3650,16 +3654,12 @@
               <a:buNone/>
             </a:pPr>
             <a:r>
-              <a:rPr lang="en-US" sz="2400" i="1" dirty="0" err="1"/>
+              <a:rPr lang="en-US" sz="2400" i="1" dirty="0"/>
               <a:t>c</a:t>
             </a:r>
             <a:r>
-              <a:rPr lang="en-US" sz="2400" i="1" dirty="0" err="1" smtClean="0"/>
-              <a:t>onst</a:t>
-            </a:r>
-            <a:r>
               <a:rPr lang="en-US" sz="2400" i="1" dirty="0" smtClean="0"/>
-              <a:t> </a:t>
+              <a:t>onst </a:t>
             </a:r>
             <a:r>
               <a:rPr lang="en-US" sz="2400" i="1" dirty="0" err="1" smtClean="0"/>
@@ -6699,20 +6699,12 @@
               <a:rPr lang="en-US" sz="2000" i="1" dirty="0"/>
               <a:t>) {</a:t>
             </a:r>
-            <a:r>
-              <a:rPr lang="en-US" sz="2000" i="1" dirty="0"/>
-              <a:t/>
-            </a:r>
             <a:br>
               <a:rPr lang="en-US" sz="2000" i="1" dirty="0"/>
             </a:br>
             <a:r>
               <a:rPr lang="en-US" sz="2000" i="1" dirty="0"/>
               <a:t>  case x:</a:t>
-            </a:r>
-            <a:r>
-              <a:rPr lang="en-US" sz="2000" i="1" dirty="0"/>
-              <a:t/>
             </a:r>
             <a:br>
               <a:rPr lang="en-US" sz="2000" i="1" dirty="0"/>
@@ -6740,20 +6732,12 @@
               <a:rPr lang="en-US" sz="2000" i="1" dirty="0"/>
               <a:t>    break;</a:t>
             </a:r>
-            <a:r>
-              <a:rPr lang="en-US" sz="2000" i="1" dirty="0"/>
-              <a:t/>
-            </a:r>
             <a:br>
               <a:rPr lang="en-US" sz="2000" i="1" dirty="0"/>
             </a:br>
             <a:r>
               <a:rPr lang="en-US" sz="2000" i="1" dirty="0"/>
               <a:t>  case y:</a:t>
-            </a:r>
-            <a:r>
-              <a:rPr lang="en-US" sz="2000" i="1" dirty="0"/>
-              <a:t/>
             </a:r>
             <a:br>
               <a:rPr lang="en-US" sz="2000" i="1" dirty="0"/>
@@ -6781,20 +6765,12 @@
               <a:rPr lang="en-US" sz="2000" i="1" dirty="0"/>
               <a:t>    break;</a:t>
             </a:r>
-            <a:r>
-              <a:rPr lang="en-US" sz="2000" i="1" dirty="0"/>
-              <a:t/>
-            </a:r>
             <a:br>
               <a:rPr lang="en-US" sz="2000" i="1" dirty="0"/>
             </a:br>
             <a:r>
               <a:rPr lang="en-US" sz="2000" i="1" dirty="0"/>
               <a:t>  default:</a:t>
-            </a:r>
-            <a:r>
-              <a:rPr lang="en-US" sz="2000" i="1" dirty="0"/>
-              <a:t/>
             </a:r>
             <a:br>
               <a:rPr lang="en-US" sz="2000" i="1" dirty="0"/>
@@ -6911,10 +6887,6 @@
               <a:rPr lang="en-US" sz="2400" i="1" dirty="0"/>
               <a:t>{</a:t>
             </a:r>
-            <a:r>
-              <a:rPr lang="en-US" sz="2400" i="1" dirty="0"/>
-              <a:t/>
-            </a:r>
             <a:br>
               <a:rPr lang="en-US" sz="2400" i="1" dirty="0"/>
             </a:br>
@@ -7071,6 +7043,924 @@
     <p:extLst>
       <p:ext uri="{BB962C8B-B14F-4D97-AF65-F5344CB8AC3E}">
         <p14:creationId xmlns:p14="http://schemas.microsoft.com/office/powerpoint/2010/main" val="3503945163"/>
+      </p:ext>
+    </p:extLst>
+  </p:cSld>
+  <p:clrMapOvr>
+    <a:masterClrMapping/>
+  </p:clrMapOvr>
+</p:sld>
+</file>
+
+<file path=ppt/slides/slide23.xml><?xml version="1.0" encoding="utf-8"?>
+<p:sld xmlns:a="http://schemas.openxmlformats.org/drawingml/2006/main" xmlns:r="http://schemas.openxmlformats.org/officeDocument/2006/relationships" xmlns:p="http://schemas.openxmlformats.org/presentationml/2006/main">
+  <p:cSld>
+    <p:spTree>
+      <p:nvGrpSpPr>
+        <p:cNvPr id="1" name=""/>
+        <p:cNvGrpSpPr/>
+        <p:nvPr/>
+      </p:nvGrpSpPr>
+      <p:grpSpPr>
+        <a:xfrm>
+          <a:off x="0" y="0"/>
+          <a:ext cx="0" cy="0"/>
+          <a:chOff x="0" y="0"/>
+          <a:chExt cx="0" cy="0"/>
+        </a:xfrm>
+      </p:grpSpPr>
+      <p:sp>
+        <p:nvSpPr>
+          <p:cNvPr id="3" name="Content Placeholder 2"/>
+          <p:cNvSpPr>
+            <a:spLocks noGrp="1"/>
+          </p:cNvSpPr>
+          <p:nvPr>
+            <p:ph idx="1"/>
+          </p:nvPr>
+        </p:nvSpPr>
+        <p:spPr>
+          <a:xfrm>
+            <a:off x="838200" y="263236"/>
+            <a:ext cx="10515600" cy="5913727"/>
+          </a:xfrm>
+        </p:spPr>
+        <p:txBody>
+          <a:bodyPr>
+            <a:normAutofit lnSpcReduction="10000"/>
+          </a:bodyPr>
+          <a:lstStyle/>
+          <a:p>
+            <a:pPr marL="0" indent="0">
+              <a:buNone/>
+            </a:pPr>
+            <a:r>
+              <a:rPr lang="en-US" dirty="0" smtClean="0"/>
+              <a:t>JavaScript Function</a:t>
+            </a:r>
+          </a:p>
+          <a:p>
+            <a:pPr marL="0" indent="0">
+              <a:buNone/>
+            </a:pPr>
+            <a:r>
+              <a:rPr lang="en-US" sz="2400" dirty="0" smtClean="0"/>
+              <a:t>They are defined with the keyword </a:t>
+            </a:r>
+            <a:r>
+              <a:rPr lang="en-US" sz="2400" b="1" dirty="0" smtClean="0"/>
+              <a:t>function. </a:t>
+            </a:r>
+            <a:r>
+              <a:rPr lang="en-US" sz="2400" dirty="0" smtClean="0"/>
+              <a:t>They can be used via a function</a:t>
+            </a:r>
+            <a:r>
+              <a:rPr lang="en-US" sz="2400" dirty="0"/>
+              <a:t> </a:t>
+            </a:r>
+            <a:r>
+              <a:rPr lang="en-US" sz="2400" b="1" dirty="0"/>
+              <a:t>declaration</a:t>
+            </a:r>
+            <a:r>
+              <a:rPr lang="en-US" sz="2400" dirty="0"/>
+              <a:t> or a function </a:t>
+            </a:r>
+            <a:r>
+              <a:rPr lang="en-US" sz="2400" b="1" dirty="0"/>
+              <a:t>expression</a:t>
+            </a:r>
+            <a:r>
+              <a:rPr lang="en-US" sz="2400" dirty="0" smtClean="0"/>
+              <a:t>.</a:t>
+            </a:r>
+          </a:p>
+          <a:p>
+            <a:pPr marL="0" indent="0">
+              <a:buNone/>
+            </a:pPr>
+            <a:r>
+              <a:rPr lang="en-US" sz="2400" b="1" dirty="0" smtClean="0"/>
+              <a:t>Function Declaration</a:t>
+            </a:r>
+          </a:p>
+          <a:p>
+            <a:pPr marL="0" indent="0">
+              <a:buNone/>
+            </a:pPr>
+            <a:r>
+              <a:rPr lang="en-US" sz="2400" i="1" dirty="0"/>
+              <a:t>function functionName(parameters) {</a:t>
+            </a:r>
+            <a:br>
+              <a:rPr lang="en-US" sz="2400" i="1" dirty="0"/>
+            </a:br>
+            <a:r>
+              <a:rPr lang="en-US" sz="2400" i="1" dirty="0"/>
+              <a:t>  // code to be executed</a:t>
+            </a:r>
+            <a:br>
+              <a:rPr lang="en-US" sz="2400" i="1" dirty="0"/>
+            </a:br>
+            <a:r>
+              <a:rPr lang="en-US" sz="2400" i="1" dirty="0" smtClean="0"/>
+              <a:t>}</a:t>
+            </a:r>
+          </a:p>
+          <a:p>
+            <a:pPr marL="0" indent="0">
+              <a:buNone/>
+            </a:pPr>
+            <a:r>
+              <a:rPr lang="en-US" sz="2400" i="1" dirty="0" smtClean="0"/>
+              <a:t>A function is not executed immediately until it is called (invoked).</a:t>
+            </a:r>
+          </a:p>
+          <a:p>
+            <a:pPr marL="0" indent="0">
+              <a:buNone/>
+            </a:pPr>
+            <a:endParaRPr lang="en-US" sz="2400" i="1" dirty="0"/>
+          </a:p>
+          <a:p>
+            <a:pPr marL="0" indent="0">
+              <a:buNone/>
+            </a:pPr>
+            <a:r>
+              <a:rPr lang="en-US" sz="2400" b="1" i="1" dirty="0" smtClean="0"/>
+              <a:t>Function Expression</a:t>
+            </a:r>
+          </a:p>
+          <a:p>
+            <a:pPr marL="0" indent="0">
+              <a:buNone/>
+            </a:pPr>
+            <a:r>
+              <a:rPr lang="en-US" sz="2400" dirty="0"/>
+              <a:t>function expression </a:t>
+            </a:r>
+            <a:r>
+              <a:rPr lang="en-US" sz="2400" dirty="0" smtClean="0"/>
+              <a:t>are stored </a:t>
+            </a:r>
+            <a:r>
+              <a:rPr lang="en-US" sz="2400" dirty="0"/>
+              <a:t>in a variable, </a:t>
+            </a:r>
+            <a:r>
+              <a:rPr lang="en-US" sz="2400" dirty="0" smtClean="0"/>
+              <a:t>and the </a:t>
+            </a:r>
+            <a:r>
+              <a:rPr lang="en-US" sz="2400" dirty="0"/>
+              <a:t>variable can be used as a </a:t>
+            </a:r>
+            <a:r>
+              <a:rPr lang="en-US" sz="2400" dirty="0" smtClean="0"/>
+              <a:t>function</a:t>
+            </a:r>
+          </a:p>
+          <a:p>
+            <a:pPr marL="0" indent="0">
+              <a:buNone/>
+            </a:pPr>
+            <a:r>
+              <a:rPr lang="en-US" sz="2400" i="1" dirty="0" smtClean="0"/>
+              <a:t>let</a:t>
+            </a:r>
+            <a:r>
+              <a:rPr lang="en-US" sz="2400" i="1" dirty="0"/>
+              <a:t> x = </a:t>
+            </a:r>
+            <a:r>
+              <a:rPr lang="en-US" sz="2400" i="1" dirty="0" smtClean="0"/>
+              <a:t>function (a, b) {return a * b};</a:t>
+            </a:r>
+          </a:p>
+          <a:p>
+            <a:pPr marL="0" indent="0">
+              <a:buNone/>
+            </a:pPr>
+            <a:r>
+              <a:rPr lang="en-US" sz="2400" dirty="0" smtClean="0"/>
+              <a:t>Functions stored in variables do not need function names. They are always invoked using the variable name.</a:t>
+            </a:r>
+            <a:endParaRPr lang="en-US" sz="2400" b="1" i="1" dirty="0" smtClean="0"/>
+          </a:p>
+        </p:txBody>
+      </p:sp>
+    </p:spTree>
+    <p:extLst>
+      <p:ext uri="{BB962C8B-B14F-4D97-AF65-F5344CB8AC3E}">
+        <p14:creationId xmlns:p14="http://schemas.microsoft.com/office/powerpoint/2010/main" val="345399326"/>
+      </p:ext>
+    </p:extLst>
+  </p:cSld>
+  <p:clrMapOvr>
+    <a:masterClrMapping/>
+  </p:clrMapOvr>
+</p:sld>
+</file>
+
+<file path=ppt/slides/slide24.xml><?xml version="1.0" encoding="utf-8"?>
+<p:sld xmlns:a="http://schemas.openxmlformats.org/drawingml/2006/main" xmlns:r="http://schemas.openxmlformats.org/officeDocument/2006/relationships" xmlns:p="http://schemas.openxmlformats.org/presentationml/2006/main">
+  <p:cSld>
+    <p:spTree>
+      <p:nvGrpSpPr>
+        <p:cNvPr id="1" name=""/>
+        <p:cNvGrpSpPr/>
+        <p:nvPr/>
+      </p:nvGrpSpPr>
+      <p:grpSpPr>
+        <a:xfrm>
+          <a:off x="0" y="0"/>
+          <a:ext cx="0" cy="0"/>
+          <a:chOff x="0" y="0"/>
+          <a:chExt cx="0" cy="0"/>
+        </a:xfrm>
+      </p:grpSpPr>
+      <p:sp>
+        <p:nvSpPr>
+          <p:cNvPr id="3" name="Content Placeholder 2"/>
+          <p:cNvSpPr>
+            <a:spLocks noGrp="1"/>
+          </p:cNvSpPr>
+          <p:nvPr>
+            <p:ph idx="1"/>
+          </p:nvPr>
+        </p:nvSpPr>
+        <p:spPr>
+          <a:xfrm>
+            <a:off x="838200" y="249382"/>
+            <a:ext cx="10515600" cy="5927581"/>
+          </a:xfrm>
+        </p:spPr>
+        <p:txBody>
+          <a:bodyPr>
+            <a:normAutofit lnSpcReduction="10000"/>
+          </a:bodyPr>
+          <a:lstStyle/>
+          <a:p>
+            <a:pPr marL="0" indent="0">
+              <a:buNone/>
+            </a:pPr>
+            <a:r>
+              <a:rPr lang="en-US" b="1" dirty="0" smtClean="0"/>
+              <a:t>Self-Invoking Functions</a:t>
+            </a:r>
+          </a:p>
+          <a:p>
+            <a:pPr marL="0" indent="0">
+              <a:buNone/>
+            </a:pPr>
+            <a:r>
+              <a:rPr lang="en-US" sz="2400" dirty="0"/>
+              <a:t>Function expressions can be made "self-invoking".</a:t>
+            </a:r>
+          </a:p>
+          <a:p>
+            <a:pPr marL="0" indent="0">
+              <a:buNone/>
+            </a:pPr>
+            <a:r>
+              <a:rPr lang="en-US" sz="2400" dirty="0"/>
+              <a:t>A </a:t>
+            </a:r>
+            <a:r>
+              <a:rPr lang="en-US" sz="2400" dirty="0" smtClean="0"/>
+              <a:t>function expression can be self-invoked if it is followed by a bracket.</a:t>
+            </a:r>
+          </a:p>
+          <a:p>
+            <a:pPr marL="0" indent="0">
+              <a:buNone/>
+            </a:pPr>
+            <a:r>
+              <a:rPr lang="en-US" i="1" dirty="0"/>
+              <a:t>(function () {</a:t>
+            </a:r>
+            <a:r>
+              <a:rPr lang="en-US" sz="2400" i="1" dirty="0"/>
+              <a:t/>
+            </a:r>
+            <a:br>
+              <a:rPr lang="en-US" sz="2400" i="1" dirty="0"/>
+            </a:br>
+            <a:r>
+              <a:rPr lang="en-US" i="1" dirty="0"/>
+              <a:t>  let x = </a:t>
+            </a:r>
+            <a:r>
+              <a:rPr lang="en-US" i="1" dirty="0" smtClean="0"/>
+              <a:t>“Good morning!!!"; </a:t>
+            </a:r>
+            <a:r>
+              <a:rPr lang="en-US" i="1" dirty="0"/>
+              <a:t> </a:t>
+            </a:r>
+            <a:r>
+              <a:rPr lang="en-US" i="1" dirty="0">
+                <a:solidFill>
+                  <a:schemeClr val="accent6"/>
+                </a:solidFill>
+              </a:rPr>
+              <a:t>// </a:t>
+            </a:r>
+            <a:r>
+              <a:rPr lang="en-US" i="1" dirty="0" smtClean="0">
+                <a:solidFill>
+                  <a:schemeClr val="accent6"/>
+                </a:solidFill>
+              </a:rPr>
+              <a:t>self-invoking</a:t>
+            </a:r>
+            <a:r>
+              <a:rPr lang="en-US" i="1" dirty="0"/>
+              <a:t/>
+            </a:r>
+            <a:br>
+              <a:rPr lang="en-US" i="1" dirty="0"/>
+            </a:br>
+            <a:r>
+              <a:rPr lang="en-US" i="1" dirty="0" smtClean="0"/>
+              <a:t>})();</a:t>
+            </a:r>
+          </a:p>
+          <a:p>
+            <a:pPr marL="0" indent="0">
+              <a:buNone/>
+            </a:pPr>
+            <a:endParaRPr lang="en-US" sz="2400" i="1" dirty="0"/>
+          </a:p>
+          <a:p>
+            <a:pPr marL="0" indent="0">
+              <a:buNone/>
+            </a:pPr>
+            <a:r>
+              <a:rPr lang="en-US" sz="2400" b="1" i="1" dirty="0" smtClean="0"/>
+              <a:t>Functions as Values and Expressions</a:t>
+            </a:r>
+          </a:p>
+          <a:p>
+            <a:pPr marL="0" indent="0">
+              <a:buNone/>
+            </a:pPr>
+            <a:r>
+              <a:rPr lang="en-US" sz="2400" i="1" dirty="0"/>
+              <a:t>function </a:t>
+            </a:r>
+            <a:r>
+              <a:rPr lang="en-US" sz="2400" i="1" dirty="0" err="1"/>
+              <a:t>myFunction</a:t>
+            </a:r>
+            <a:r>
+              <a:rPr lang="en-US" sz="2400" i="1" dirty="0"/>
+              <a:t>(</a:t>
+            </a:r>
+            <a:r>
+              <a:rPr lang="en-US" sz="2400" i="1" dirty="0" err="1"/>
+              <a:t>x,y</a:t>
+            </a:r>
+            <a:r>
+              <a:rPr lang="en-US" sz="2400" i="1" dirty="0"/>
+              <a:t>){</a:t>
+            </a:r>
+          </a:p>
+          <a:p>
+            <a:pPr marL="0" indent="0">
+              <a:buNone/>
+            </a:pPr>
+            <a:r>
+              <a:rPr lang="en-US" sz="2400" i="1" dirty="0"/>
+              <a:t>    return x*y;</a:t>
+            </a:r>
+          </a:p>
+          <a:p>
+            <a:pPr marL="0" indent="0">
+              <a:buNone/>
+            </a:pPr>
+            <a:r>
+              <a:rPr lang="en-US" sz="2400" i="1" dirty="0" smtClean="0"/>
+              <a:t>}</a:t>
+            </a:r>
+          </a:p>
+          <a:p>
+            <a:pPr marL="0" indent="0">
+              <a:buNone/>
+            </a:pPr>
+            <a:r>
+              <a:rPr lang="en-US" sz="2400" i="1" dirty="0"/>
+              <a:t/>
+            </a:r>
+            <a:br>
+              <a:rPr lang="en-US" sz="2400" i="1" dirty="0"/>
+            </a:br>
+            <a:r>
+              <a:rPr lang="en-US" sz="2400" i="1" dirty="0"/>
+              <a:t>let x = </a:t>
+            </a:r>
+            <a:r>
+              <a:rPr lang="en-US" sz="2400" i="1" dirty="0" err="1" smtClean="0"/>
+              <a:t>myFunction</a:t>
+            </a:r>
+            <a:r>
+              <a:rPr lang="en-US" sz="2400" i="1" dirty="0" smtClean="0"/>
+              <a:t>(4,5); </a:t>
+            </a:r>
+            <a:r>
+              <a:rPr lang="en-US" sz="2400" i="1" dirty="0" smtClean="0">
+                <a:solidFill>
+                  <a:schemeClr val="accent6"/>
+                </a:solidFill>
+              </a:rPr>
+              <a:t>// as values</a:t>
+            </a:r>
+          </a:p>
+          <a:p>
+            <a:pPr marL="0" indent="0">
+              <a:buNone/>
+            </a:pPr>
+            <a:r>
+              <a:rPr lang="en-US" sz="2400" i="1" dirty="0"/>
+              <a:t>l</a:t>
+            </a:r>
+            <a:r>
+              <a:rPr lang="en-US" sz="2400" i="1" dirty="0" smtClean="0"/>
+              <a:t>et y = </a:t>
+            </a:r>
+            <a:r>
+              <a:rPr lang="en-US" sz="2400" i="1" dirty="0" err="1" smtClean="0"/>
+              <a:t>myFunction</a:t>
+            </a:r>
+            <a:r>
+              <a:rPr lang="en-US" sz="2400" i="1" dirty="0" smtClean="0"/>
+              <a:t>(4,5) * 10;</a:t>
+            </a:r>
+            <a:r>
+              <a:rPr lang="en-US" sz="2400" i="1" dirty="0" smtClean="0">
+                <a:solidFill>
+                  <a:schemeClr val="accent6"/>
+                </a:solidFill>
+              </a:rPr>
+              <a:t> // as expression</a:t>
+            </a:r>
+            <a:endParaRPr lang="en-US" sz="2400" i="1" dirty="0">
+              <a:solidFill>
+                <a:schemeClr val="accent6"/>
+              </a:solidFill>
+            </a:endParaRPr>
+          </a:p>
+          <a:p>
+            <a:pPr marL="0" indent="0">
+              <a:buNone/>
+            </a:pPr>
+            <a:endParaRPr lang="en-US" sz="2400" b="1" i="1" dirty="0" smtClean="0"/>
+          </a:p>
+        </p:txBody>
+      </p:sp>
+    </p:spTree>
+    <p:extLst>
+      <p:ext uri="{BB962C8B-B14F-4D97-AF65-F5344CB8AC3E}">
+        <p14:creationId xmlns:p14="http://schemas.microsoft.com/office/powerpoint/2010/main" val="2217033005"/>
+      </p:ext>
+    </p:extLst>
+  </p:cSld>
+  <p:clrMapOvr>
+    <a:masterClrMapping/>
+  </p:clrMapOvr>
+</p:sld>
+</file>
+
+<file path=ppt/slides/slide25.xml><?xml version="1.0" encoding="utf-8"?>
+<p:sld xmlns:a="http://schemas.openxmlformats.org/drawingml/2006/main" xmlns:r="http://schemas.openxmlformats.org/officeDocument/2006/relationships" xmlns:p="http://schemas.openxmlformats.org/presentationml/2006/main">
+  <p:cSld>
+    <p:spTree>
+      <p:nvGrpSpPr>
+        <p:cNvPr id="1" name=""/>
+        <p:cNvGrpSpPr/>
+        <p:nvPr/>
+      </p:nvGrpSpPr>
+      <p:grpSpPr>
+        <a:xfrm>
+          <a:off x="0" y="0"/>
+          <a:ext cx="0" cy="0"/>
+          <a:chOff x="0" y="0"/>
+          <a:chExt cx="0" cy="0"/>
+        </a:xfrm>
+      </p:grpSpPr>
+      <p:sp>
+        <p:nvSpPr>
+          <p:cNvPr id="3" name="Content Placeholder 2"/>
+          <p:cNvSpPr>
+            <a:spLocks noGrp="1"/>
+          </p:cNvSpPr>
+          <p:nvPr>
+            <p:ph idx="1"/>
+          </p:nvPr>
+        </p:nvSpPr>
+        <p:spPr>
+          <a:xfrm>
+            <a:off x="838200" y="221673"/>
+            <a:ext cx="10515600" cy="5955290"/>
+          </a:xfrm>
+        </p:spPr>
+        <p:txBody>
+          <a:bodyPr>
+            <a:normAutofit fontScale="77500" lnSpcReduction="20000"/>
+          </a:bodyPr>
+          <a:lstStyle/>
+          <a:p>
+            <a:pPr marL="0" indent="0">
+              <a:buNone/>
+            </a:pPr>
+            <a:r>
+              <a:rPr lang="en-US" b="1" dirty="0" smtClean="0"/>
+              <a:t>Function Default parameters</a:t>
+            </a:r>
+          </a:p>
+          <a:p>
+            <a:pPr marL="0" indent="0">
+              <a:buNone/>
+            </a:pPr>
+            <a:r>
+              <a:rPr lang="en-US" sz="2400" dirty="0" smtClean="0"/>
+              <a:t>Functions can be declared to have default values in case they are not provided when invoked.</a:t>
+            </a:r>
+          </a:p>
+          <a:p>
+            <a:pPr marL="0" indent="0">
+              <a:buNone/>
+            </a:pPr>
+            <a:r>
+              <a:rPr lang="en-US" sz="2400" i="1" dirty="0" smtClean="0"/>
+              <a:t>function</a:t>
+            </a:r>
+            <a:r>
+              <a:rPr lang="en-US" sz="2400" i="1" dirty="0"/>
+              <a:t> myFunction(x, y = 4</a:t>
+            </a:r>
+            <a:r>
+              <a:rPr lang="en-US" sz="2400" i="1" dirty="0" smtClean="0"/>
+              <a:t>) </a:t>
+            </a:r>
+            <a:r>
+              <a:rPr lang="en-US" sz="2400" i="1" dirty="0"/>
+              <a:t>{</a:t>
+            </a:r>
+            <a:br>
+              <a:rPr lang="en-US" sz="2400" i="1" dirty="0"/>
+            </a:br>
+            <a:r>
+              <a:rPr lang="en-US" sz="2400" i="1" dirty="0"/>
+              <a:t>  return x + y;</a:t>
+            </a:r>
+            <a:br>
+              <a:rPr lang="en-US" sz="2400" i="1" dirty="0"/>
+            </a:br>
+            <a:r>
+              <a:rPr lang="en-US" sz="2400" i="1" dirty="0"/>
+              <a:t>}</a:t>
+            </a:r>
+            <a:br>
+              <a:rPr lang="en-US" sz="2400" i="1" dirty="0"/>
+            </a:br>
+            <a:r>
+              <a:rPr lang="en-US" sz="2400" i="1" dirty="0" smtClean="0"/>
+              <a:t>myFunction(10); </a:t>
+            </a:r>
+            <a:r>
+              <a:rPr lang="en-US" sz="2400" dirty="0" smtClean="0">
+                <a:solidFill>
+                  <a:schemeClr val="accent6"/>
+                </a:solidFill>
+              </a:rPr>
+              <a:t>//called without second parameter</a:t>
+            </a:r>
+          </a:p>
+          <a:p>
+            <a:pPr marL="0" indent="0">
+              <a:buNone/>
+            </a:pPr>
+            <a:endParaRPr lang="en-US" sz="2400" dirty="0">
+              <a:solidFill>
+                <a:schemeClr val="accent6"/>
+              </a:solidFill>
+            </a:endParaRPr>
+          </a:p>
+          <a:p>
+            <a:pPr marL="0" indent="0">
+              <a:buNone/>
+            </a:pPr>
+            <a:r>
+              <a:rPr lang="en-US" b="1" dirty="0" smtClean="0"/>
+              <a:t>Function Rest Parameter</a:t>
+            </a:r>
+          </a:p>
+          <a:p>
+            <a:pPr marL="0" indent="0">
+              <a:buNone/>
+            </a:pPr>
+            <a:r>
+              <a:rPr lang="en-US" dirty="0"/>
+              <a:t>The rest parameter (...) allows a function to treat an indefinite number of arguments as an array</a:t>
+            </a:r>
+            <a:endParaRPr lang="en-US" b="1" dirty="0" smtClean="0"/>
+          </a:p>
+          <a:p>
+            <a:pPr marL="0" indent="0">
+              <a:buNone/>
+            </a:pPr>
+            <a:r>
+              <a:rPr lang="en-US" i="1" dirty="0"/>
+              <a:t>  function sum(...args) {</a:t>
+            </a:r>
+          </a:p>
+          <a:p>
+            <a:pPr marL="0" indent="0">
+              <a:buNone/>
+            </a:pPr>
+            <a:r>
+              <a:rPr lang="en-US" i="1" dirty="0"/>
+              <a:t>    let sum = 0;</a:t>
+            </a:r>
+          </a:p>
+          <a:p>
+            <a:pPr marL="0" indent="0">
+              <a:buNone/>
+            </a:pPr>
+            <a:r>
+              <a:rPr lang="en-US" i="1" dirty="0"/>
+              <a:t>    for (let </a:t>
+            </a:r>
+            <a:r>
+              <a:rPr lang="en-US" i="1" dirty="0" err="1"/>
+              <a:t>arg</a:t>
+            </a:r>
+            <a:r>
+              <a:rPr lang="en-US" i="1" dirty="0"/>
+              <a:t> of args) sum += </a:t>
+            </a:r>
+            <a:r>
+              <a:rPr lang="en-US" i="1" dirty="0" err="1"/>
+              <a:t>arg</a:t>
+            </a:r>
+            <a:r>
+              <a:rPr lang="en-US" i="1" dirty="0"/>
+              <a:t>;</a:t>
+            </a:r>
+          </a:p>
+          <a:p>
+            <a:pPr marL="0" indent="0">
+              <a:buNone/>
+            </a:pPr>
+            <a:r>
+              <a:rPr lang="en-US" i="1" dirty="0"/>
+              <a:t>    return sum;</a:t>
+            </a:r>
+          </a:p>
+          <a:p>
+            <a:pPr marL="0" indent="0">
+              <a:buNone/>
+            </a:pPr>
+            <a:r>
+              <a:rPr lang="en-US" i="1" dirty="0"/>
+              <a:t>  }</a:t>
+            </a:r>
+          </a:p>
+          <a:p>
+            <a:pPr marL="0" indent="0">
+              <a:buNone/>
+            </a:pPr>
+            <a:r>
+              <a:rPr lang="en-US" i="1" dirty="0"/>
+              <a:t>  </a:t>
+            </a:r>
+          </a:p>
+          <a:p>
+            <a:pPr marL="0" indent="0">
+              <a:buNone/>
+            </a:pPr>
+            <a:r>
+              <a:rPr lang="en-US" i="1" dirty="0"/>
+              <a:t>  let </a:t>
+            </a:r>
+            <a:r>
+              <a:rPr lang="en-US" i="1" dirty="0" smtClean="0"/>
+              <a:t>p </a:t>
+            </a:r>
+            <a:r>
+              <a:rPr lang="en-US" i="1" dirty="0"/>
+              <a:t>= </a:t>
+            </a:r>
+            <a:r>
+              <a:rPr lang="en-US" i="1" dirty="0" smtClean="0"/>
+              <a:t>sum(5, </a:t>
+            </a:r>
+            <a:r>
+              <a:rPr lang="en-US" i="1" dirty="0"/>
+              <a:t>7</a:t>
+            </a:r>
+            <a:r>
+              <a:rPr lang="en-US" i="1" dirty="0" smtClean="0"/>
+              <a:t>, 14, </a:t>
+            </a:r>
+            <a:r>
+              <a:rPr lang="en-US" i="1" dirty="0"/>
+              <a:t>3</a:t>
+            </a:r>
+            <a:r>
+              <a:rPr lang="en-US" i="1" dirty="0" smtClean="0"/>
+              <a:t>5</a:t>
+            </a:r>
+            <a:r>
+              <a:rPr lang="en-US" i="1" dirty="0"/>
+              <a:t>, </a:t>
+            </a:r>
+            <a:r>
+              <a:rPr lang="en-US" i="1" dirty="0" smtClean="0"/>
+              <a:t>29</a:t>
+            </a:r>
+            <a:r>
+              <a:rPr lang="en-US" i="1" dirty="0"/>
+              <a:t>, </a:t>
+            </a:r>
+            <a:r>
+              <a:rPr lang="en-US" i="1" dirty="0" smtClean="0"/>
+              <a:t>10, 21);</a:t>
+            </a:r>
+            <a:endParaRPr lang="en-US" i="1" dirty="0"/>
+          </a:p>
+          <a:p>
+            <a:pPr marL="0" indent="0">
+              <a:buNone/>
+            </a:pPr>
+            <a:r>
+              <a:rPr lang="en-US" i="1" dirty="0"/>
+              <a:t>  </a:t>
+            </a:r>
+            <a:r>
+              <a:rPr lang="en-US" i="1" dirty="0" smtClean="0"/>
+              <a:t>console.log(p)</a:t>
+            </a:r>
+            <a:endParaRPr lang="en-US" i="1" dirty="0"/>
+          </a:p>
+          <a:p>
+            <a:pPr marL="0" indent="0">
+              <a:buNone/>
+            </a:pPr>
+            <a:endParaRPr lang="en-US" sz="2400" b="1" dirty="0"/>
+          </a:p>
+        </p:txBody>
+      </p:sp>
+    </p:spTree>
+    <p:extLst>
+      <p:ext uri="{BB962C8B-B14F-4D97-AF65-F5344CB8AC3E}">
+        <p14:creationId xmlns:p14="http://schemas.microsoft.com/office/powerpoint/2010/main" val="2244020313"/>
+      </p:ext>
+    </p:extLst>
+  </p:cSld>
+  <p:clrMapOvr>
+    <a:masterClrMapping/>
+  </p:clrMapOvr>
+</p:sld>
+</file>
+
+<file path=ppt/slides/slide26.xml><?xml version="1.0" encoding="utf-8"?>
+<p:sld xmlns:a="http://schemas.openxmlformats.org/drawingml/2006/main" xmlns:r="http://schemas.openxmlformats.org/officeDocument/2006/relationships" xmlns:p="http://schemas.openxmlformats.org/presentationml/2006/main">
+  <p:cSld>
+    <p:spTree>
+      <p:nvGrpSpPr>
+        <p:cNvPr id="1" name=""/>
+        <p:cNvGrpSpPr/>
+        <p:nvPr/>
+      </p:nvGrpSpPr>
+      <p:grpSpPr>
+        <a:xfrm>
+          <a:off x="0" y="0"/>
+          <a:ext cx="0" cy="0"/>
+          <a:chOff x="0" y="0"/>
+          <a:chExt cx="0" cy="0"/>
+        </a:xfrm>
+      </p:grpSpPr>
+      <p:sp>
+        <p:nvSpPr>
+          <p:cNvPr id="3" name="Content Placeholder 2"/>
+          <p:cNvSpPr>
+            <a:spLocks noGrp="1"/>
+          </p:cNvSpPr>
+          <p:nvPr>
+            <p:ph idx="1"/>
+          </p:nvPr>
+        </p:nvSpPr>
+        <p:spPr>
+          <a:xfrm>
+            <a:off x="838200" y="332509"/>
+            <a:ext cx="10515600" cy="5844454"/>
+          </a:xfrm>
+        </p:spPr>
+        <p:txBody>
+          <a:bodyPr/>
+          <a:lstStyle/>
+          <a:p>
+            <a:pPr marL="0" indent="0">
+              <a:buNone/>
+            </a:pPr>
+            <a:r>
+              <a:rPr lang="en-US" b="1" dirty="0" smtClean="0"/>
+              <a:t>Function as Object Methods</a:t>
+            </a:r>
+          </a:p>
+          <a:p>
+            <a:pPr marL="0" indent="0">
+              <a:buNone/>
+            </a:pPr>
+            <a:r>
+              <a:rPr lang="en-US" sz="2400" dirty="0" smtClean="0"/>
+              <a:t>Functions can be defined as object methods</a:t>
+            </a:r>
+            <a:endParaRPr lang="en-US" sz="2400" dirty="0"/>
+          </a:p>
+          <a:p>
+            <a:pPr marL="0" indent="0">
+              <a:buNone/>
+            </a:pPr>
+            <a:r>
+              <a:rPr lang="en-US" sz="2400" i="1" dirty="0"/>
+              <a:t>const myObject = {</a:t>
+            </a:r>
+            <a:br>
+              <a:rPr lang="en-US" sz="2400" i="1" dirty="0"/>
+            </a:br>
+            <a:r>
+              <a:rPr lang="en-US" sz="2400" i="1" dirty="0"/>
+              <a:t>  firstName</a:t>
+            </a:r>
+            <a:r>
+              <a:rPr lang="en-US" sz="2400" i="1" dirty="0" smtClean="0"/>
+              <a:t>:“Mary",</a:t>
+            </a:r>
+            <a:r>
+              <a:rPr lang="en-US" sz="2400" i="1" dirty="0"/>
+              <a:t/>
+            </a:r>
+            <a:br>
+              <a:rPr lang="en-US" sz="2400" i="1" dirty="0"/>
+            </a:br>
+            <a:r>
+              <a:rPr lang="en-US" sz="2400" i="1" dirty="0"/>
+              <a:t>  lastName: </a:t>
+            </a:r>
+            <a:r>
+              <a:rPr lang="en-US" sz="2400" i="1" dirty="0" smtClean="0"/>
+              <a:t>“Oscar",</a:t>
+            </a:r>
+            <a:r>
+              <a:rPr lang="en-US" sz="2400" i="1" dirty="0"/>
+              <a:t/>
+            </a:r>
+            <a:br>
+              <a:rPr lang="en-US" sz="2400" i="1" dirty="0"/>
+            </a:br>
+            <a:r>
+              <a:rPr lang="en-US" sz="2400" i="1" dirty="0"/>
+              <a:t>  fullName: function () {</a:t>
+            </a:r>
+            <a:br>
+              <a:rPr lang="en-US" sz="2400" i="1" dirty="0"/>
+            </a:br>
+            <a:r>
+              <a:rPr lang="en-US" sz="2400" i="1" dirty="0"/>
+              <a:t>    return this.firstName + " " + this.lastName;</a:t>
+            </a:r>
+            <a:br>
+              <a:rPr lang="en-US" sz="2400" i="1" dirty="0"/>
+            </a:br>
+            <a:r>
+              <a:rPr lang="en-US" sz="2400" i="1" dirty="0"/>
+              <a:t>  }</a:t>
+            </a:r>
+            <a:br>
+              <a:rPr lang="en-US" sz="2400" i="1" dirty="0"/>
+            </a:br>
+            <a:r>
+              <a:rPr lang="en-US" sz="2400" i="1" dirty="0"/>
+              <a:t>}</a:t>
+            </a:r>
+            <a:br>
+              <a:rPr lang="en-US" sz="2400" i="1" dirty="0"/>
+            </a:br>
+            <a:r>
+              <a:rPr lang="en-US" sz="2400" i="1" dirty="0"/>
+              <a:t>myObject.fullName();</a:t>
+            </a:r>
+          </a:p>
+        </p:txBody>
+      </p:sp>
+    </p:spTree>
+    <p:extLst>
+      <p:ext uri="{BB962C8B-B14F-4D97-AF65-F5344CB8AC3E}">
+        <p14:creationId xmlns:p14="http://schemas.microsoft.com/office/powerpoint/2010/main" val="2611452905"/>
       </p:ext>
     </p:extLst>
   </p:cSld>
@@ -7490,10 +8380,9 @@
               <a:t> or </a:t>
             </a:r>
             <a:r>
-              <a:rPr lang="en-US" b="1" i="1" dirty="0" err="1" smtClean="0"/>
+              <a:rPr lang="en-US" b="1" i="1" dirty="0" smtClean="0"/>
               <a:t>const</a:t>
             </a:r>
-            <a:endParaRPr lang="en-US" b="1" i="1" dirty="0" smtClean="0"/>
           </a:p>
           <a:p>
             <a:pPr marL="0" indent="0">

--- a/xx/lecture2/javascript/javascript.pptx
+++ b/xx/lecture2/javascript/javascript.pptx
@@ -31,6 +31,11 @@
     <p:sldId id="280" r:id="rId25"/>
     <p:sldId id="281" r:id="rId26"/>
     <p:sldId id="282" r:id="rId27"/>
+    <p:sldId id="283" r:id="rId28"/>
+    <p:sldId id="284" r:id="rId29"/>
+    <p:sldId id="287" r:id="rId30"/>
+    <p:sldId id="288" r:id="rId31"/>
+    <p:sldId id="285" r:id="rId32"/>
   </p:sldIdLst>
   <p:sldSz cx="12192000" cy="6858000"/>
   <p:notesSz cx="6858000" cy="9144000"/>
@@ -268,7 +273,7 @@
           <a:p>
             <a:fld id="{4C6BD7AD-248A-4614-9D7C-8273F8421C86}" type="datetimeFigureOut">
               <a:rPr lang="en-US" smtClean="0"/>
-              <a:t>10/25/2023</a:t>
+              <a:t>10/27/2023</a:t>
             </a:fld>
             <a:endParaRPr lang="en-US"/>
           </a:p>
@@ -438,7 +443,7 @@
           <a:p>
             <a:fld id="{4C6BD7AD-248A-4614-9D7C-8273F8421C86}" type="datetimeFigureOut">
               <a:rPr lang="en-US" smtClean="0"/>
-              <a:t>10/25/2023</a:t>
+              <a:t>10/27/2023</a:t>
             </a:fld>
             <a:endParaRPr lang="en-US"/>
           </a:p>
@@ -618,7 +623,7 @@
           <a:p>
             <a:fld id="{4C6BD7AD-248A-4614-9D7C-8273F8421C86}" type="datetimeFigureOut">
               <a:rPr lang="en-US" smtClean="0"/>
-              <a:t>10/25/2023</a:t>
+              <a:t>10/27/2023</a:t>
             </a:fld>
             <a:endParaRPr lang="en-US"/>
           </a:p>
@@ -788,7 +793,7 @@
           <a:p>
             <a:fld id="{4C6BD7AD-248A-4614-9D7C-8273F8421C86}" type="datetimeFigureOut">
               <a:rPr lang="en-US" smtClean="0"/>
-              <a:t>10/25/2023</a:t>
+              <a:t>10/27/2023</a:t>
             </a:fld>
             <a:endParaRPr lang="en-US"/>
           </a:p>
@@ -1034,7 +1039,7 @@
           <a:p>
             <a:fld id="{4C6BD7AD-248A-4614-9D7C-8273F8421C86}" type="datetimeFigureOut">
               <a:rPr lang="en-US" smtClean="0"/>
-              <a:t>10/25/2023</a:t>
+              <a:t>10/27/2023</a:t>
             </a:fld>
             <a:endParaRPr lang="en-US"/>
           </a:p>
@@ -1266,7 +1271,7 @@
           <a:p>
             <a:fld id="{4C6BD7AD-248A-4614-9D7C-8273F8421C86}" type="datetimeFigureOut">
               <a:rPr lang="en-US" smtClean="0"/>
-              <a:t>10/25/2023</a:t>
+              <a:t>10/27/2023</a:t>
             </a:fld>
             <a:endParaRPr lang="en-US"/>
           </a:p>
@@ -1633,7 +1638,7 @@
           <a:p>
             <a:fld id="{4C6BD7AD-248A-4614-9D7C-8273F8421C86}" type="datetimeFigureOut">
               <a:rPr lang="en-US" smtClean="0"/>
-              <a:t>10/25/2023</a:t>
+              <a:t>10/27/2023</a:t>
             </a:fld>
             <a:endParaRPr lang="en-US"/>
           </a:p>
@@ -1751,7 +1756,7 @@
           <a:p>
             <a:fld id="{4C6BD7AD-248A-4614-9D7C-8273F8421C86}" type="datetimeFigureOut">
               <a:rPr lang="en-US" smtClean="0"/>
-              <a:t>10/25/2023</a:t>
+              <a:t>10/27/2023</a:t>
             </a:fld>
             <a:endParaRPr lang="en-US"/>
           </a:p>
@@ -1846,7 +1851,7 @@
           <a:p>
             <a:fld id="{4C6BD7AD-248A-4614-9D7C-8273F8421C86}" type="datetimeFigureOut">
               <a:rPr lang="en-US" smtClean="0"/>
-              <a:t>10/25/2023</a:t>
+              <a:t>10/27/2023</a:t>
             </a:fld>
             <a:endParaRPr lang="en-US"/>
           </a:p>
@@ -2123,7 +2128,7 @@
           <a:p>
             <a:fld id="{4C6BD7AD-248A-4614-9D7C-8273F8421C86}" type="datetimeFigureOut">
               <a:rPr lang="en-US" smtClean="0"/>
-              <a:t>10/25/2023</a:t>
+              <a:t>10/27/2023</a:t>
             </a:fld>
             <a:endParaRPr lang="en-US"/>
           </a:p>
@@ -2376,7 +2381,7 @@
           <a:p>
             <a:fld id="{4C6BD7AD-248A-4614-9D7C-8273F8421C86}" type="datetimeFigureOut">
               <a:rPr lang="en-US" smtClean="0"/>
-              <a:t>10/25/2023</a:t>
+              <a:t>10/27/2023</a:t>
             </a:fld>
             <a:endParaRPr lang="en-US"/>
           </a:p>
@@ -2589,7 +2594,7 @@
           <a:p>
             <a:fld id="{4C6BD7AD-248A-4614-9D7C-8273F8421C86}" type="datetimeFigureOut">
               <a:rPr lang="en-US" smtClean="0"/>
-              <a:t>10/25/2023</a:t>
+              <a:t>10/27/2023</a:t>
             </a:fld>
             <a:endParaRPr lang="en-US"/>
           </a:p>
@@ -7894,11 +7899,19 @@
             </a:br>
             <a:r>
               <a:rPr lang="en-US" sz="2400" i="1" dirty="0"/>
-              <a:t>  firstName</a:t>
+              <a:t>  </a:t>
+            </a:r>
+            <a:r>
+              <a:rPr lang="en-US" sz="2400" i="1" dirty="0" err="1"/>
+              <a:t>firstName</a:t>
+            </a:r>
+            <a:r>
+              <a:rPr lang="en-US" sz="2400" i="1" dirty="0" err="1" smtClean="0"/>
+              <a:t>:“Mary</a:t>
             </a:r>
             <a:r>
               <a:rPr lang="en-US" sz="2400" i="1" dirty="0" smtClean="0"/>
-              <a:t>:“Mary",</a:t>
+              <a:t>",</a:t>
             </a:r>
             <a:r>
               <a:rPr lang="en-US" sz="2400" i="1" dirty="0"/>
@@ -7961,6 +7974,680 @@
     <p:extLst>
       <p:ext uri="{BB962C8B-B14F-4D97-AF65-F5344CB8AC3E}">
         <p14:creationId xmlns:p14="http://schemas.microsoft.com/office/powerpoint/2010/main" val="2611452905"/>
+      </p:ext>
+    </p:extLst>
+  </p:cSld>
+  <p:clrMapOvr>
+    <a:masterClrMapping/>
+  </p:clrMapOvr>
+</p:sld>
+</file>
+
+<file path=ppt/slides/slide27.xml><?xml version="1.0" encoding="utf-8"?>
+<p:sld xmlns:a="http://schemas.openxmlformats.org/drawingml/2006/main" xmlns:r="http://schemas.openxmlformats.org/officeDocument/2006/relationships" xmlns:p="http://schemas.openxmlformats.org/presentationml/2006/main">
+  <p:cSld>
+    <p:spTree>
+      <p:nvGrpSpPr>
+        <p:cNvPr id="1" name=""/>
+        <p:cNvGrpSpPr/>
+        <p:nvPr/>
+      </p:nvGrpSpPr>
+      <p:grpSpPr>
+        <a:xfrm>
+          <a:off x="0" y="0"/>
+          <a:ext cx="0" cy="0"/>
+          <a:chOff x="0" y="0"/>
+          <a:chExt cx="0" cy="0"/>
+        </a:xfrm>
+      </p:grpSpPr>
+      <p:sp>
+        <p:nvSpPr>
+          <p:cNvPr id="3" name="Content Placeholder 2"/>
+          <p:cNvSpPr>
+            <a:spLocks noGrp="1"/>
+          </p:cNvSpPr>
+          <p:nvPr>
+            <p:ph idx="1"/>
+          </p:nvPr>
+        </p:nvSpPr>
+        <p:spPr>
+          <a:xfrm>
+            <a:off x="838200" y="318655"/>
+            <a:ext cx="10515600" cy="5858308"/>
+          </a:xfrm>
+        </p:spPr>
+        <p:txBody>
+          <a:bodyPr/>
+          <a:lstStyle/>
+          <a:p>
+            <a:pPr marL="0" indent="0">
+              <a:buNone/>
+            </a:pPr>
+            <a:r>
+              <a:rPr lang="en-US" b="1" dirty="0"/>
+              <a:t>JavaScript Arrow Function</a:t>
+            </a:r>
+          </a:p>
+          <a:p>
+            <a:pPr marL="0" indent="0">
+              <a:buNone/>
+            </a:pPr>
+            <a:r>
+              <a:rPr lang="en-US" dirty="0"/>
+              <a:t>Arrow functions allow us to write shorter function syntax:</a:t>
+            </a:r>
+          </a:p>
+          <a:p>
+            <a:pPr marL="0" indent="0">
+              <a:buNone/>
+            </a:pPr>
+            <a:r>
+              <a:rPr lang="en-US" dirty="0"/>
+              <a:t>let </a:t>
+            </a:r>
+            <a:r>
+              <a:rPr lang="en-US" dirty="0" err="1"/>
+              <a:t>myFunction</a:t>
+            </a:r>
+            <a:r>
+              <a:rPr lang="en-US" dirty="0"/>
+              <a:t> = x =&gt; x + 5; //one parameter</a:t>
+            </a:r>
+          </a:p>
+          <a:p>
+            <a:pPr marL="0" indent="0">
+              <a:buNone/>
+            </a:pPr>
+            <a:r>
+              <a:rPr lang="en-US" dirty="0"/>
+              <a:t>let </a:t>
+            </a:r>
+            <a:r>
+              <a:rPr lang="en-US" dirty="0" err="1"/>
+              <a:t>myFunction</a:t>
+            </a:r>
+            <a:r>
+              <a:rPr lang="en-US" dirty="0"/>
+              <a:t> = (</a:t>
+            </a:r>
+            <a:r>
+              <a:rPr lang="en-US" dirty="0" err="1"/>
+              <a:t>x,y</a:t>
+            </a:r>
+            <a:r>
+              <a:rPr lang="en-US" dirty="0"/>
+              <a:t>) =&gt; x + y; //multiple parameter inside bracket</a:t>
+            </a:r>
+          </a:p>
+          <a:p>
+            <a:pPr marL="0" indent="0">
+              <a:buNone/>
+            </a:pPr>
+            <a:r>
+              <a:rPr lang="en-US" dirty="0"/>
+              <a:t>let </a:t>
+            </a:r>
+            <a:r>
+              <a:rPr lang="en-US" dirty="0" err="1"/>
+              <a:t>myFunction</a:t>
+            </a:r>
+            <a:r>
+              <a:rPr lang="en-US" dirty="0"/>
+              <a:t> = () =&gt; "Hello World!"; //no parameter</a:t>
+            </a:r>
+          </a:p>
+        </p:txBody>
+      </p:sp>
+    </p:spTree>
+    <p:extLst>
+      <p:ext uri="{BB962C8B-B14F-4D97-AF65-F5344CB8AC3E}">
+        <p14:creationId xmlns:p14="http://schemas.microsoft.com/office/powerpoint/2010/main" val="1851948502"/>
+      </p:ext>
+    </p:extLst>
+  </p:cSld>
+  <p:clrMapOvr>
+    <a:masterClrMapping/>
+  </p:clrMapOvr>
+</p:sld>
+</file>
+
+<file path=ppt/slides/slide28.xml><?xml version="1.0" encoding="utf-8"?>
+<p:sld xmlns:a="http://schemas.openxmlformats.org/drawingml/2006/main" xmlns:r="http://schemas.openxmlformats.org/officeDocument/2006/relationships" xmlns:p="http://schemas.openxmlformats.org/presentationml/2006/main">
+  <p:cSld>
+    <p:spTree>
+      <p:nvGrpSpPr>
+        <p:cNvPr id="1" name=""/>
+        <p:cNvGrpSpPr/>
+        <p:nvPr/>
+      </p:nvGrpSpPr>
+      <p:grpSpPr>
+        <a:xfrm>
+          <a:off x="0" y="0"/>
+          <a:ext cx="0" cy="0"/>
+          <a:chOff x="0" y="0"/>
+          <a:chExt cx="0" cy="0"/>
+        </a:xfrm>
+      </p:grpSpPr>
+      <p:sp>
+        <p:nvSpPr>
+          <p:cNvPr id="3" name="Content Placeholder 2"/>
+          <p:cNvSpPr>
+            <a:spLocks noGrp="1"/>
+          </p:cNvSpPr>
+          <p:nvPr>
+            <p:ph idx="1"/>
+          </p:nvPr>
+        </p:nvSpPr>
+        <p:spPr>
+          <a:xfrm>
+            <a:off x="838200" y="374073"/>
+            <a:ext cx="10515600" cy="5802890"/>
+          </a:xfrm>
+        </p:spPr>
+        <p:txBody>
+          <a:bodyPr>
+            <a:normAutofit/>
+          </a:bodyPr>
+          <a:lstStyle/>
+          <a:p>
+            <a:pPr marL="0" indent="0">
+              <a:buNone/>
+            </a:pPr>
+            <a:r>
+              <a:rPr lang="en-US" b="1" dirty="0" smtClean="0"/>
+              <a:t>JavaScript Object</a:t>
+            </a:r>
+          </a:p>
+          <a:p>
+            <a:pPr marL="0" indent="0">
+              <a:buNone/>
+            </a:pPr>
+            <a:r>
+              <a:rPr lang="en-US" sz="2400" dirty="0"/>
+              <a:t>Object values are written as </a:t>
+            </a:r>
+            <a:r>
+              <a:rPr lang="en-US" sz="2400" b="1" dirty="0"/>
+              <a:t>name : value</a:t>
+            </a:r>
+            <a:r>
+              <a:rPr lang="en-US" sz="2400" dirty="0"/>
+              <a:t> pairs (name and value separated by a colon</a:t>
+            </a:r>
+            <a:r>
+              <a:rPr lang="en-US" sz="2400" dirty="0" smtClean="0"/>
+              <a:t>).</a:t>
+            </a:r>
+          </a:p>
+          <a:p>
+            <a:pPr marL="0" indent="0">
+              <a:buNone/>
+            </a:pPr>
+            <a:r>
+              <a:rPr lang="en-US" sz="2400" b="1" dirty="0" smtClean="0"/>
+              <a:t>Objects as literals</a:t>
+            </a:r>
+          </a:p>
+          <a:p>
+            <a:pPr marL="0" indent="0">
+              <a:buNone/>
+            </a:pPr>
+            <a:r>
+              <a:rPr lang="en-US" sz="2400" i="1" dirty="0"/>
+              <a:t>const person = {</a:t>
+            </a:r>
+            <a:r>
+              <a:rPr lang="en-US" sz="2400" i="1" dirty="0"/>
+              <a:t/>
+            </a:r>
+            <a:br>
+              <a:rPr lang="en-US" sz="2400" i="1" dirty="0"/>
+            </a:br>
+            <a:r>
+              <a:rPr lang="en-US" sz="2400" i="1" dirty="0"/>
+              <a:t>  firstName: "John",</a:t>
+            </a:r>
+            <a:r>
+              <a:rPr lang="en-US" sz="2400" i="1" dirty="0"/>
+              <a:t/>
+            </a:r>
+            <a:br>
+              <a:rPr lang="en-US" sz="2400" i="1" dirty="0"/>
+            </a:br>
+            <a:r>
+              <a:rPr lang="en-US" sz="2400" i="1" dirty="0"/>
+              <a:t>  lastName: "Doe",</a:t>
+            </a:r>
+            <a:r>
+              <a:rPr lang="en-US" sz="2400" i="1" dirty="0"/>
+              <a:t/>
+            </a:r>
+            <a:br>
+              <a:rPr lang="en-US" sz="2400" i="1" dirty="0"/>
+            </a:br>
+            <a:r>
+              <a:rPr lang="en-US" sz="2400" i="1" dirty="0"/>
+              <a:t>  age: </a:t>
+            </a:r>
+            <a:r>
+              <a:rPr lang="en-US" sz="2400" i="1" dirty="0" smtClean="0"/>
+              <a:t>30,</a:t>
+            </a:r>
+            <a:r>
+              <a:rPr lang="en-US" sz="2400" i="1" dirty="0"/>
+              <a:t/>
+            </a:r>
+            <a:br>
+              <a:rPr lang="en-US" sz="2400" i="1" dirty="0"/>
+            </a:br>
+            <a:r>
+              <a:rPr lang="en-US" sz="2400" i="1" dirty="0"/>
+              <a:t>  </a:t>
+            </a:r>
+            <a:r>
+              <a:rPr lang="en-US" sz="2400" i="1" dirty="0" smtClean="0"/>
+              <a:t>cars:</a:t>
+            </a:r>
+            <a:r>
+              <a:rPr lang="en-US" sz="2400" i="1" dirty="0"/>
+              <a:t> </a:t>
+            </a:r>
+            <a:r>
+              <a:rPr lang="en-US" sz="2400" i="1" dirty="0" smtClean="0"/>
+              <a:t>[“</a:t>
+            </a:r>
+            <a:r>
+              <a:rPr lang="en-US" sz="2400" i="1" dirty="0" err="1" smtClean="0"/>
+              <a:t>ford“,”volvo”,”benz</a:t>
+            </a:r>
+            <a:r>
+              <a:rPr lang="en-US" sz="2400" i="1" dirty="0" smtClean="0"/>
+              <a:t>”]</a:t>
+            </a:r>
+            <a:r>
+              <a:rPr lang="en-US" sz="2400" i="1" dirty="0"/>
+              <a:t/>
+            </a:r>
+            <a:br>
+              <a:rPr lang="en-US" sz="2400" i="1" dirty="0"/>
+            </a:br>
+            <a:r>
+              <a:rPr lang="en-US" sz="2400" i="1" dirty="0" smtClean="0"/>
+              <a:t>};</a:t>
+            </a:r>
+          </a:p>
+          <a:p>
+            <a:pPr marL="0" indent="0">
+              <a:buNone/>
+            </a:pPr>
+            <a:r>
+              <a:rPr lang="en-US" sz="2400" b="1" i="1" dirty="0" smtClean="0"/>
+              <a:t>Empty Objects and assignment</a:t>
+            </a:r>
+            <a:endParaRPr lang="en-US" sz="2400" b="1" i="1" dirty="0"/>
+          </a:p>
+          <a:p>
+            <a:pPr marL="0" indent="0">
+              <a:buNone/>
+            </a:pPr>
+            <a:r>
+              <a:rPr lang="en-US" sz="2400" i="1" dirty="0"/>
+              <a:t>const person = {};</a:t>
+            </a:r>
+            <a:r>
+              <a:rPr lang="en-US" sz="2400" i="1" dirty="0"/>
+              <a:t/>
+            </a:r>
+            <a:br>
+              <a:rPr lang="en-US" sz="2400" i="1" dirty="0"/>
+            </a:br>
+            <a:r>
+              <a:rPr lang="en-US" sz="2400" i="1" dirty="0"/>
+              <a:t>person.firstName = "John";</a:t>
+            </a:r>
+            <a:r>
+              <a:rPr lang="en-US" sz="2400" i="1" dirty="0"/>
+              <a:t/>
+            </a:r>
+            <a:br>
+              <a:rPr lang="en-US" sz="2400" i="1" dirty="0"/>
+            </a:br>
+            <a:r>
+              <a:rPr lang="en-US" sz="2400" i="1" dirty="0"/>
+              <a:t>person.lastName = "Doe";</a:t>
+            </a:r>
+            <a:r>
+              <a:rPr lang="en-US" sz="2400" i="1" dirty="0"/>
+              <a:t/>
+            </a:r>
+            <a:br>
+              <a:rPr lang="en-US" sz="2400" i="1" dirty="0"/>
+            </a:br>
+            <a:r>
+              <a:rPr lang="en-US" sz="2400" i="1" dirty="0"/>
+              <a:t>person.age = </a:t>
+            </a:r>
+            <a:r>
+              <a:rPr lang="en-US" sz="2400" i="1" dirty="0" smtClean="0"/>
+              <a:t>30;</a:t>
+            </a:r>
+          </a:p>
+        </p:txBody>
+      </p:sp>
+    </p:spTree>
+    <p:extLst>
+      <p:ext uri="{BB962C8B-B14F-4D97-AF65-F5344CB8AC3E}">
+        <p14:creationId xmlns:p14="http://schemas.microsoft.com/office/powerpoint/2010/main" val="2776948697"/>
+      </p:ext>
+    </p:extLst>
+  </p:cSld>
+  <p:clrMapOvr>
+    <a:masterClrMapping/>
+  </p:clrMapOvr>
+</p:sld>
+</file>
+
+<file path=ppt/slides/slide29.xml><?xml version="1.0" encoding="utf-8"?>
+<p:sld xmlns:a="http://schemas.openxmlformats.org/drawingml/2006/main" xmlns:r="http://schemas.openxmlformats.org/officeDocument/2006/relationships" xmlns:p="http://schemas.openxmlformats.org/presentationml/2006/main">
+  <p:cSld>
+    <p:spTree>
+      <p:nvGrpSpPr>
+        <p:cNvPr id="1" name=""/>
+        <p:cNvGrpSpPr/>
+        <p:nvPr/>
+      </p:nvGrpSpPr>
+      <p:grpSpPr>
+        <a:xfrm>
+          <a:off x="0" y="0"/>
+          <a:ext cx="0" cy="0"/>
+          <a:chOff x="0" y="0"/>
+          <a:chExt cx="0" cy="0"/>
+        </a:xfrm>
+      </p:grpSpPr>
+      <p:sp>
+        <p:nvSpPr>
+          <p:cNvPr id="3" name="Content Placeholder 2"/>
+          <p:cNvSpPr>
+            <a:spLocks noGrp="1"/>
+          </p:cNvSpPr>
+          <p:nvPr>
+            <p:ph idx="1"/>
+          </p:nvPr>
+        </p:nvSpPr>
+        <p:spPr>
+          <a:xfrm>
+            <a:off x="838200" y="387927"/>
+            <a:ext cx="10515600" cy="5789036"/>
+          </a:xfrm>
+        </p:spPr>
+        <p:txBody>
+          <a:bodyPr>
+            <a:normAutofit fontScale="92500" lnSpcReduction="20000"/>
+          </a:bodyPr>
+          <a:lstStyle/>
+          <a:p>
+            <a:pPr marL="0" indent="0">
+              <a:buNone/>
+            </a:pPr>
+            <a:r>
+              <a:rPr lang="en-US" b="1" i="1" dirty="0"/>
+              <a:t>Accessing Objects</a:t>
+            </a:r>
+          </a:p>
+          <a:p>
+            <a:pPr marL="0" indent="0">
+              <a:buNone/>
+            </a:pPr>
+            <a:r>
+              <a:rPr lang="en-US" i="1" dirty="0"/>
+              <a:t>person[“lastName”] </a:t>
+            </a:r>
+            <a:endParaRPr lang="en-US" i="1" dirty="0" smtClean="0"/>
+          </a:p>
+          <a:p>
+            <a:pPr marL="0" indent="0">
+              <a:buNone/>
+            </a:pPr>
+            <a:r>
+              <a:rPr lang="en-US" i="1" dirty="0" smtClean="0"/>
+              <a:t>person.cars</a:t>
+            </a:r>
+            <a:r>
+              <a:rPr lang="en-US" i="1" dirty="0"/>
+              <a:t> </a:t>
+            </a:r>
+            <a:endParaRPr lang="en-US" i="1" dirty="0" smtClean="0"/>
+          </a:p>
+          <a:p>
+            <a:pPr marL="0" indent="0">
+              <a:buNone/>
+            </a:pPr>
+            <a:r>
+              <a:rPr lang="en-US" b="1" i="1" dirty="0" smtClean="0"/>
+              <a:t>Assigning new Object properties</a:t>
+            </a:r>
+          </a:p>
+          <a:p>
+            <a:pPr marL="0" indent="0">
+              <a:buNone/>
+            </a:pPr>
+            <a:r>
+              <a:rPr lang="en-US" dirty="0"/>
+              <a:t>person.cars[0] = "</a:t>
+            </a:r>
+            <a:r>
+              <a:rPr lang="en-US" dirty="0" smtClean="0"/>
+              <a:t>jeep“</a:t>
+            </a:r>
+          </a:p>
+          <a:p>
+            <a:pPr marL="0" indent="0">
+              <a:buNone/>
+            </a:pPr>
+            <a:r>
+              <a:rPr lang="en-US" b="1" dirty="0" smtClean="0"/>
+              <a:t>Nested Objects</a:t>
+            </a:r>
+          </a:p>
+          <a:p>
+            <a:pPr marL="0" indent="0">
+              <a:buNone/>
+            </a:pPr>
+            <a:r>
+              <a:rPr lang="en-US" dirty="0" err="1" smtClean="0"/>
+              <a:t>myObject</a:t>
+            </a:r>
+            <a:r>
+              <a:rPr lang="en-US" dirty="0" smtClean="0"/>
+              <a:t> </a:t>
+            </a:r>
+            <a:r>
+              <a:rPr lang="en-US" dirty="0"/>
+              <a:t>= {</a:t>
+            </a:r>
+            <a:r>
+              <a:rPr lang="en-US" dirty="0"/>
+              <a:t/>
+            </a:r>
+            <a:br>
+              <a:rPr lang="en-US" dirty="0"/>
+            </a:br>
+            <a:r>
+              <a:rPr lang="en-US" dirty="0"/>
+              <a:t>  </a:t>
+            </a:r>
+            <a:r>
+              <a:rPr lang="en-US" dirty="0" err="1"/>
+              <a:t>name</a:t>
+            </a:r>
+            <a:r>
+              <a:rPr lang="en-US" dirty="0" err="1" smtClean="0"/>
+              <a:t>:“Bright</a:t>
+            </a:r>
+            <a:r>
+              <a:rPr lang="en-US" dirty="0" smtClean="0"/>
+              <a:t>",</a:t>
+            </a:r>
+            <a:r>
+              <a:rPr lang="en-US" dirty="0"/>
+              <a:t/>
+            </a:r>
+            <a:br>
+              <a:rPr lang="en-US" dirty="0"/>
+            </a:br>
+            <a:r>
+              <a:rPr lang="en-US" dirty="0"/>
+              <a:t>  </a:t>
+            </a:r>
+            <a:r>
+              <a:rPr lang="en-US" dirty="0" smtClean="0"/>
+              <a:t>age:20</a:t>
+            </a:r>
+            <a:r>
+              <a:rPr lang="en-US" dirty="0"/>
+              <a:t>,</a:t>
+            </a:r>
+            <a:r>
+              <a:rPr lang="en-US" dirty="0"/>
+              <a:t/>
+            </a:r>
+            <a:br>
+              <a:rPr lang="en-US" dirty="0"/>
+            </a:br>
+            <a:r>
+              <a:rPr lang="en-US" dirty="0"/>
+              <a:t>  </a:t>
+            </a:r>
+            <a:r>
+              <a:rPr lang="en-US" dirty="0" smtClean="0"/>
+              <a:t>languages: </a:t>
+            </a:r>
+            <a:r>
+              <a:rPr lang="en-US" dirty="0"/>
+              <a:t>{</a:t>
+            </a:r>
+            <a:r>
+              <a:rPr lang="en-US" dirty="0"/>
+              <a:t/>
+            </a:r>
+            <a:br>
+              <a:rPr lang="en-US" dirty="0"/>
+            </a:br>
+            <a:r>
+              <a:rPr lang="en-US" dirty="0"/>
+              <a:t>    </a:t>
+            </a:r>
+            <a:r>
+              <a:rPr lang="en-US" dirty="0" smtClean="0"/>
+              <a:t>stack1:“Python",</a:t>
+            </a:r>
+            <a:r>
+              <a:rPr lang="en-US" dirty="0"/>
+              <a:t/>
+            </a:r>
+            <a:br>
+              <a:rPr lang="en-US" dirty="0"/>
+            </a:br>
+            <a:r>
+              <a:rPr lang="en-US" dirty="0"/>
+              <a:t>    </a:t>
+            </a:r>
+            <a:r>
+              <a:rPr lang="en-US" dirty="0" smtClean="0"/>
+              <a:t>stack2:“Java",</a:t>
+            </a:r>
+            <a:r>
+              <a:rPr lang="en-US" dirty="0"/>
+              <a:t/>
+            </a:r>
+            <a:br>
+              <a:rPr lang="en-US" dirty="0"/>
+            </a:br>
+            <a:r>
+              <a:rPr lang="en-US" dirty="0"/>
+              <a:t>    </a:t>
+            </a:r>
+            <a:r>
+              <a:rPr lang="en-US" dirty="0" smtClean="0"/>
+              <a:t>stack3:“C#"</a:t>
+            </a:r>
+            <a:r>
+              <a:rPr lang="en-US" dirty="0"/>
+              <a:t/>
+            </a:r>
+            <a:br>
+              <a:rPr lang="en-US" dirty="0"/>
+            </a:br>
+            <a:r>
+              <a:rPr lang="en-US" dirty="0"/>
+              <a:t>  }</a:t>
+            </a:r>
+            <a:r>
+              <a:rPr lang="en-US" dirty="0"/>
+              <a:t/>
+            </a:r>
+            <a:br>
+              <a:rPr lang="en-US" dirty="0"/>
+            </a:br>
+            <a:r>
+              <a:rPr lang="en-US" dirty="0" smtClean="0"/>
+              <a:t>}</a:t>
+            </a:r>
+          </a:p>
+          <a:p>
+            <a:pPr marL="0" indent="0">
+              <a:buNone/>
+            </a:pPr>
+            <a:r>
+              <a:rPr lang="en-US" dirty="0"/>
+              <a:t>c</a:t>
+            </a:r>
+            <a:r>
+              <a:rPr lang="en-US" dirty="0" smtClean="0"/>
+              <a:t>onsole.log(myObject.languages.stack2); </a:t>
+            </a:r>
+            <a:r>
+              <a:rPr lang="en-US" dirty="0" smtClean="0">
+                <a:solidFill>
+                  <a:schemeClr val="accent6">
+                    <a:lumMod val="75000"/>
+                  </a:schemeClr>
+                </a:solidFill>
+              </a:rPr>
+              <a:t>//Java</a:t>
+            </a:r>
+            <a:endParaRPr lang="en-US" dirty="0">
+              <a:solidFill>
+                <a:schemeClr val="accent6">
+                  <a:lumMod val="75000"/>
+                </a:schemeClr>
+              </a:solidFill>
+            </a:endParaRPr>
+          </a:p>
+          <a:p>
+            <a:pPr marL="0" indent="0">
+              <a:buNone/>
+            </a:pPr>
+            <a:endParaRPr lang="en-US" b="1" i="1" dirty="0" smtClean="0"/>
+          </a:p>
+          <a:p>
+            <a:pPr marL="0" indent="0">
+              <a:buNone/>
+            </a:pPr>
+            <a:endParaRPr lang="en-US" b="1" i="1" dirty="0"/>
+          </a:p>
+          <a:p>
+            <a:pPr marL="0" indent="0">
+              <a:buNone/>
+            </a:pPr>
+            <a:endParaRPr lang="en-US" dirty="0"/>
+          </a:p>
+        </p:txBody>
+      </p:sp>
+    </p:spTree>
+    <p:extLst>
+      <p:ext uri="{BB962C8B-B14F-4D97-AF65-F5344CB8AC3E}">
+        <p14:creationId xmlns:p14="http://schemas.microsoft.com/office/powerpoint/2010/main" val="4106048358"/>
       </p:ext>
     </p:extLst>
   </p:cSld>
@@ -8109,6 +8796,499 @@
     <p:extLst>
       <p:ext uri="{BB962C8B-B14F-4D97-AF65-F5344CB8AC3E}">
         <p14:creationId xmlns:p14="http://schemas.microsoft.com/office/powerpoint/2010/main" val="3955962714"/>
+      </p:ext>
+    </p:extLst>
+  </p:cSld>
+  <p:clrMapOvr>
+    <a:masterClrMapping/>
+  </p:clrMapOvr>
+</p:sld>
+</file>
+
+<file path=ppt/slides/slide30.xml><?xml version="1.0" encoding="utf-8"?>
+<p:sld xmlns:a="http://schemas.openxmlformats.org/drawingml/2006/main" xmlns:r="http://schemas.openxmlformats.org/officeDocument/2006/relationships" xmlns:p="http://schemas.openxmlformats.org/presentationml/2006/main">
+  <p:cSld>
+    <p:spTree>
+      <p:nvGrpSpPr>
+        <p:cNvPr id="1" name=""/>
+        <p:cNvGrpSpPr/>
+        <p:nvPr/>
+      </p:nvGrpSpPr>
+      <p:grpSpPr>
+        <a:xfrm>
+          <a:off x="0" y="0"/>
+          <a:ext cx="0" cy="0"/>
+          <a:chOff x="0" y="0"/>
+          <a:chExt cx="0" cy="0"/>
+        </a:xfrm>
+      </p:grpSpPr>
+      <p:sp>
+        <p:nvSpPr>
+          <p:cNvPr id="3" name="Content Placeholder 2"/>
+          <p:cNvSpPr>
+            <a:spLocks noGrp="1"/>
+          </p:cNvSpPr>
+          <p:nvPr>
+            <p:ph idx="1"/>
+          </p:nvPr>
+        </p:nvSpPr>
+        <p:spPr>
+          <a:xfrm>
+            <a:off x="838200" y="277091"/>
+            <a:ext cx="10515600" cy="5899872"/>
+          </a:xfrm>
+        </p:spPr>
+        <p:txBody>
+          <a:bodyPr>
+            <a:normAutofit/>
+          </a:bodyPr>
+          <a:lstStyle/>
+          <a:p>
+            <a:pPr marL="0" indent="0">
+              <a:buNone/>
+            </a:pPr>
+            <a:r>
+              <a:rPr lang="en-US" sz="2400" b="1" dirty="0" smtClean="0"/>
+              <a:t>Nested Arrays and Objects</a:t>
+            </a:r>
+          </a:p>
+          <a:p>
+            <a:pPr marL="0" indent="0">
+              <a:buNone/>
+            </a:pPr>
+            <a:r>
+              <a:rPr lang="en-US" sz="2400" i="1" dirty="0" smtClean="0"/>
+              <a:t>const </a:t>
+            </a:r>
+            <a:r>
+              <a:rPr lang="en-US" sz="2400" i="1" dirty="0" err="1"/>
+              <a:t>myObj</a:t>
+            </a:r>
+            <a:r>
+              <a:rPr lang="en-US" sz="2400" i="1" dirty="0"/>
+              <a:t> = {</a:t>
+            </a:r>
+          </a:p>
+          <a:p>
+            <a:pPr marL="0" indent="0">
+              <a:buNone/>
+            </a:pPr>
+            <a:r>
+              <a:rPr lang="en-US" sz="2400" i="1" dirty="0"/>
+              <a:t>    name: </a:t>
+            </a:r>
+            <a:r>
+              <a:rPr lang="en-US" sz="2400" i="1" dirty="0" smtClean="0"/>
+              <a:t>“Bright",</a:t>
+            </a:r>
+            <a:endParaRPr lang="en-US" sz="2400" i="1" dirty="0"/>
+          </a:p>
+          <a:p>
+            <a:pPr marL="0" indent="0">
+              <a:buNone/>
+            </a:pPr>
+            <a:r>
+              <a:rPr lang="en-US" sz="2400" i="1" dirty="0"/>
+              <a:t>    age: </a:t>
+            </a:r>
+            <a:r>
+              <a:rPr lang="en-US" sz="2400" i="1" dirty="0" smtClean="0"/>
+              <a:t>20</a:t>
+            </a:r>
+            <a:r>
+              <a:rPr lang="en-US" sz="2400" i="1" dirty="0"/>
+              <a:t>,</a:t>
+            </a:r>
+          </a:p>
+          <a:p>
+            <a:pPr marL="0" indent="0">
+              <a:buNone/>
+            </a:pPr>
+            <a:r>
+              <a:rPr lang="en-US" sz="2400" i="1" dirty="0"/>
+              <a:t>    cars: [</a:t>
+            </a:r>
+          </a:p>
+          <a:p>
+            <a:pPr marL="0" indent="0">
+              <a:buNone/>
+            </a:pPr>
+            <a:r>
+              <a:rPr lang="en-US" sz="2400" i="1" dirty="0"/>
+              <a:t>      {</a:t>
+            </a:r>
+            <a:r>
+              <a:rPr lang="en-US" sz="2400" i="1" dirty="0" err="1"/>
+              <a:t>name:"Ford</a:t>
+            </a:r>
+            <a:r>
+              <a:rPr lang="en-US" sz="2400" i="1" dirty="0"/>
+              <a:t>", models:["Fiesta", "Focus", "Mustang"]},</a:t>
+            </a:r>
+          </a:p>
+          <a:p>
+            <a:pPr marL="0" indent="0">
+              <a:buNone/>
+            </a:pPr>
+            <a:r>
+              <a:rPr lang="en-US" sz="2400" i="1" dirty="0"/>
+              <a:t>      {</a:t>
+            </a:r>
+            <a:r>
+              <a:rPr lang="en-US" sz="2400" i="1" dirty="0" err="1"/>
+              <a:t>name:"BMW</a:t>
+            </a:r>
+            <a:r>
+              <a:rPr lang="en-US" sz="2400" i="1" dirty="0"/>
+              <a:t>", models:["320", "X3", "X5"]},</a:t>
+            </a:r>
+          </a:p>
+          <a:p>
+            <a:pPr marL="0" indent="0">
+              <a:buNone/>
+            </a:pPr>
+            <a:r>
+              <a:rPr lang="en-US" sz="2400" i="1" dirty="0"/>
+              <a:t>      {</a:t>
+            </a:r>
+            <a:r>
+              <a:rPr lang="en-US" sz="2400" i="1" dirty="0" err="1"/>
+              <a:t>name:"Fiat</a:t>
+            </a:r>
+            <a:r>
+              <a:rPr lang="en-US" sz="2400" i="1" dirty="0"/>
+              <a:t>", models:["500", "Panda"]}</a:t>
+            </a:r>
+          </a:p>
+          <a:p>
+            <a:pPr marL="0" indent="0">
+              <a:buNone/>
+            </a:pPr>
+            <a:r>
+              <a:rPr lang="en-US" sz="2400" i="1" dirty="0"/>
+              <a:t>    ]</a:t>
+            </a:r>
+          </a:p>
+          <a:p>
+            <a:pPr marL="0" indent="0">
+              <a:buNone/>
+            </a:pPr>
+            <a:r>
+              <a:rPr lang="en-US" sz="2400" i="1" dirty="0"/>
+              <a:t>  }</a:t>
+            </a:r>
+          </a:p>
+          <a:p>
+            <a:pPr marL="0" indent="0">
+              <a:buNone/>
+            </a:pPr>
+            <a:endParaRPr lang="en-US" dirty="0"/>
+          </a:p>
+        </p:txBody>
+      </p:sp>
+    </p:spTree>
+    <p:extLst>
+      <p:ext uri="{BB962C8B-B14F-4D97-AF65-F5344CB8AC3E}">
+        <p14:creationId xmlns:p14="http://schemas.microsoft.com/office/powerpoint/2010/main" val="1280558839"/>
+      </p:ext>
+    </p:extLst>
+  </p:cSld>
+  <p:clrMapOvr>
+    <a:masterClrMapping/>
+  </p:clrMapOvr>
+</p:sld>
+</file>
+
+<file path=ppt/slides/slide31.xml><?xml version="1.0" encoding="utf-8"?>
+<p:sld xmlns:a="http://schemas.openxmlformats.org/drawingml/2006/main" xmlns:r="http://schemas.openxmlformats.org/officeDocument/2006/relationships" xmlns:p="http://schemas.openxmlformats.org/presentationml/2006/main">
+  <p:cSld>
+    <p:spTree>
+      <p:nvGrpSpPr>
+        <p:cNvPr id="1" name=""/>
+        <p:cNvGrpSpPr/>
+        <p:nvPr/>
+      </p:nvGrpSpPr>
+      <p:grpSpPr>
+        <a:xfrm>
+          <a:off x="0" y="0"/>
+          <a:ext cx="0" cy="0"/>
+          <a:chOff x="0" y="0"/>
+          <a:chExt cx="0" cy="0"/>
+        </a:xfrm>
+      </p:grpSpPr>
+      <p:sp>
+        <p:nvSpPr>
+          <p:cNvPr id="3" name="Content Placeholder 2"/>
+          <p:cNvSpPr>
+            <a:spLocks noGrp="1"/>
+          </p:cNvSpPr>
+          <p:nvPr>
+            <p:ph idx="1"/>
+          </p:nvPr>
+        </p:nvSpPr>
+        <p:spPr>
+          <a:xfrm>
+            <a:off x="838200" y="277091"/>
+            <a:ext cx="10515600" cy="5899872"/>
+          </a:xfrm>
+        </p:spPr>
+        <p:txBody>
+          <a:bodyPr/>
+          <a:lstStyle/>
+          <a:p>
+            <a:pPr marL="0" indent="0">
+              <a:buNone/>
+            </a:pPr>
+            <a:r>
+              <a:rPr lang="en-US" b="1" dirty="0" smtClean="0"/>
+              <a:t>Objects are Mutable</a:t>
+            </a:r>
+          </a:p>
+          <a:p>
+            <a:pPr marL="0" indent="0">
+              <a:buNone/>
+            </a:pPr>
+            <a:r>
+              <a:rPr lang="en-US" sz="2400" dirty="0" smtClean="0"/>
+              <a:t>Objects are mutable meaning the values (reference) can be altered.</a:t>
+            </a:r>
+            <a:endParaRPr lang="en-US" dirty="0" smtClean="0"/>
+          </a:p>
+          <a:p>
+            <a:pPr marL="0" indent="0">
+              <a:buNone/>
+            </a:pPr>
+            <a:r>
+              <a:rPr lang="en-US" sz="2400" i="1" dirty="0"/>
+              <a:t>const person = {</a:t>
+            </a:r>
+            <a:br>
+              <a:rPr lang="en-US" sz="2400" i="1" dirty="0"/>
+            </a:br>
+            <a:r>
+              <a:rPr lang="en-US" sz="2400" i="1" dirty="0"/>
+              <a:t>  firstName: "John",</a:t>
+            </a:r>
+            <a:br>
+              <a:rPr lang="en-US" sz="2400" i="1" dirty="0"/>
+            </a:br>
+            <a:r>
+              <a:rPr lang="en-US" sz="2400" i="1" dirty="0"/>
+              <a:t>  lastName: "Doe",</a:t>
+            </a:r>
+            <a:br>
+              <a:rPr lang="en-US" sz="2400" i="1" dirty="0"/>
+            </a:br>
+            <a:r>
+              <a:rPr lang="en-US" sz="2400" i="1" dirty="0"/>
+              <a:t>  age: 30,</a:t>
+            </a:r>
+            <a:br>
+              <a:rPr lang="en-US" sz="2400" i="1" dirty="0"/>
+            </a:br>
+            <a:r>
+              <a:rPr lang="en-US" sz="2400" i="1" dirty="0"/>
+              <a:t>  cars: [“</a:t>
+            </a:r>
+            <a:r>
+              <a:rPr lang="en-US" sz="2400" i="1" dirty="0" err="1"/>
+              <a:t>ford“,”volvo”,”benz</a:t>
+            </a:r>
+            <a:r>
+              <a:rPr lang="en-US" sz="2400" i="1" dirty="0"/>
+              <a:t>”]</a:t>
+            </a:r>
+            <a:br>
+              <a:rPr lang="en-US" sz="2400" i="1" dirty="0"/>
+            </a:br>
+            <a:r>
+              <a:rPr lang="en-US" sz="2400" i="1" dirty="0" smtClean="0"/>
+              <a:t>};</a:t>
+            </a:r>
+          </a:p>
+          <a:p>
+            <a:pPr marL="0" indent="0">
+              <a:buNone/>
+            </a:pPr>
+            <a:r>
+              <a:rPr lang="en-US" sz="2400" i="1" dirty="0"/>
+              <a:t>l</a:t>
+            </a:r>
+            <a:r>
+              <a:rPr lang="en-US" sz="2400" i="1" dirty="0" smtClean="0"/>
+              <a:t>et stranger = person;</a:t>
+            </a:r>
+          </a:p>
+          <a:p>
+            <a:pPr marL="0" indent="0">
+              <a:buNone/>
+            </a:pPr>
+            <a:r>
+              <a:rPr lang="en-US" sz="2400" i="1" dirty="0"/>
+              <a:t>s</a:t>
+            </a:r>
+            <a:r>
+              <a:rPr lang="en-US" sz="2400" i="1" dirty="0" smtClean="0"/>
+              <a:t>tranger.cars[0] = “</a:t>
+            </a:r>
+            <a:r>
+              <a:rPr lang="en-US" sz="2400" i="1" dirty="0" err="1" smtClean="0"/>
+              <a:t>toyota</a:t>
+            </a:r>
+            <a:r>
+              <a:rPr lang="en-US" sz="2400" i="1" dirty="0" smtClean="0"/>
+              <a:t>”;</a:t>
+            </a:r>
+            <a:endParaRPr lang="en-US" sz="2400" i="1" dirty="0"/>
+          </a:p>
+          <a:p>
+            <a:pPr marL="0" indent="0">
+              <a:buNone/>
+            </a:pPr>
+            <a:r>
+              <a:rPr lang="en-US" sz="2400" dirty="0" smtClean="0"/>
+              <a:t>Both </a:t>
+            </a:r>
+            <a:r>
+              <a:rPr lang="en-US" sz="2400" dirty="0"/>
+              <a:t>stranger and person are the same object.</a:t>
+            </a:r>
+          </a:p>
+          <a:p>
+            <a:pPr marL="0" indent="0">
+              <a:buNone/>
+            </a:pPr>
+            <a:r>
+              <a:rPr lang="en-US" sz="2400" dirty="0"/>
+              <a:t>Any changes to </a:t>
+            </a:r>
+            <a:r>
+              <a:rPr lang="en-US" sz="2400" dirty="0" smtClean="0"/>
+              <a:t>stranger </a:t>
+            </a:r>
+            <a:r>
+              <a:rPr lang="en-US" sz="2400" dirty="0"/>
+              <a:t>will also change person, because </a:t>
+            </a:r>
+            <a:r>
+              <a:rPr lang="en-US" sz="2400" dirty="0" smtClean="0"/>
+              <a:t>stranger </a:t>
+            </a:r>
+            <a:r>
+              <a:rPr lang="en-US" sz="2400" dirty="0"/>
+              <a:t>and person are the same </a:t>
+            </a:r>
+            <a:r>
+              <a:rPr lang="en-US" sz="2400" dirty="0" smtClean="0"/>
+              <a:t>object</a:t>
+            </a:r>
+          </a:p>
+          <a:p>
+            <a:pPr marL="0" indent="0">
+              <a:buNone/>
+            </a:pPr>
+            <a:r>
+              <a:rPr lang="en-US" sz="2400" dirty="0" smtClean="0"/>
+              <a:t>console.log(</a:t>
+            </a:r>
+            <a:r>
+              <a:rPr lang="en-US" sz="2400" dirty="0" err="1"/>
+              <a:t>p</a:t>
+            </a:r>
+            <a:r>
+              <a:rPr lang="en-US" sz="2400" dirty="0" err="1" smtClean="0"/>
+              <a:t>erson.cars</a:t>
+            </a:r>
+            <a:r>
+              <a:rPr lang="en-US" sz="2400" dirty="0" smtClean="0"/>
+              <a:t>) = </a:t>
+            </a:r>
+            <a:r>
+              <a:rPr lang="en-US" sz="2400" dirty="0" smtClean="0">
+                <a:solidFill>
+                  <a:schemeClr val="accent6">
+                    <a:lumMod val="75000"/>
+                  </a:schemeClr>
+                </a:solidFill>
+              </a:rPr>
+              <a:t>// </a:t>
+            </a:r>
+            <a:r>
+              <a:rPr lang="en-US" sz="2400" i="1" dirty="0" smtClean="0">
+                <a:solidFill>
+                  <a:schemeClr val="accent6">
+                    <a:lumMod val="75000"/>
+                  </a:schemeClr>
+                </a:solidFill>
+              </a:rPr>
+              <a:t>[“</a:t>
+            </a:r>
+            <a:r>
+              <a:rPr lang="en-US" sz="2400" i="1" dirty="0" err="1" smtClean="0">
+                <a:solidFill>
+                  <a:schemeClr val="accent6">
+                    <a:lumMod val="75000"/>
+                  </a:schemeClr>
+                </a:solidFill>
+              </a:rPr>
+              <a:t>toyota</a:t>
+            </a:r>
+            <a:r>
+              <a:rPr lang="en-US" sz="2400" i="1" dirty="0" smtClean="0">
+                <a:solidFill>
+                  <a:schemeClr val="accent6">
+                    <a:lumMod val="75000"/>
+                  </a:schemeClr>
+                </a:solidFill>
+              </a:rPr>
+              <a:t>“,”</a:t>
+            </a:r>
+            <a:r>
+              <a:rPr lang="en-US" sz="2400" i="1" dirty="0" err="1">
+                <a:solidFill>
+                  <a:schemeClr val="accent6">
+                    <a:lumMod val="75000"/>
+                  </a:schemeClr>
+                </a:solidFill>
+              </a:rPr>
+              <a:t>volvo”,”benz</a:t>
+            </a:r>
+            <a:r>
+              <a:rPr lang="en-US" sz="2400" i="1" dirty="0">
+                <a:solidFill>
+                  <a:schemeClr val="accent6">
+                    <a:lumMod val="75000"/>
+                  </a:schemeClr>
+                </a:solidFill>
+              </a:rPr>
+              <a:t>”]</a:t>
+            </a:r>
+            <a:endParaRPr lang="en-US" sz="2400" dirty="0">
+              <a:solidFill>
+                <a:schemeClr val="accent6">
+                  <a:lumMod val="75000"/>
+                </a:schemeClr>
+              </a:solidFill>
+            </a:endParaRPr>
+          </a:p>
+          <a:p>
+            <a:pPr marL="0" indent="0">
+              <a:buNone/>
+            </a:pPr>
+            <a:endParaRPr lang="en-US" b="1" dirty="0" smtClean="0"/>
+          </a:p>
+          <a:p>
+            <a:pPr marL="0" indent="0">
+              <a:buNone/>
+            </a:pPr>
+            <a:endParaRPr lang="en-US" b="1" dirty="0"/>
+          </a:p>
+        </p:txBody>
+      </p:sp>
+    </p:spTree>
+    <p:extLst>
+      <p:ext uri="{BB962C8B-B14F-4D97-AF65-F5344CB8AC3E}">
+        <p14:creationId xmlns:p14="http://schemas.microsoft.com/office/powerpoint/2010/main" val="2716601135"/>
       </p:ext>
     </p:extLst>
   </p:cSld>

--- a/xx/lecture2/javascript/javascript.pptx
+++ b/xx/lecture2/javascript/javascript.pptx
@@ -273,7 +273,7 @@
           <a:p>
             <a:fld id="{4C6BD7AD-248A-4614-9D7C-8273F8421C86}" type="datetimeFigureOut">
               <a:rPr lang="en-US" smtClean="0"/>
-              <a:t>10/27/2023</a:t>
+              <a:t>11/3/2023</a:t>
             </a:fld>
             <a:endParaRPr lang="en-US"/>
           </a:p>
@@ -443,7 +443,7 @@
           <a:p>
             <a:fld id="{4C6BD7AD-248A-4614-9D7C-8273F8421C86}" type="datetimeFigureOut">
               <a:rPr lang="en-US" smtClean="0"/>
-              <a:t>10/27/2023</a:t>
+              <a:t>11/3/2023</a:t>
             </a:fld>
             <a:endParaRPr lang="en-US"/>
           </a:p>
@@ -623,7 +623,7 @@
           <a:p>
             <a:fld id="{4C6BD7AD-248A-4614-9D7C-8273F8421C86}" type="datetimeFigureOut">
               <a:rPr lang="en-US" smtClean="0"/>
-              <a:t>10/27/2023</a:t>
+              <a:t>11/3/2023</a:t>
             </a:fld>
             <a:endParaRPr lang="en-US"/>
           </a:p>
@@ -793,7 +793,7 @@
           <a:p>
             <a:fld id="{4C6BD7AD-248A-4614-9D7C-8273F8421C86}" type="datetimeFigureOut">
               <a:rPr lang="en-US" smtClean="0"/>
-              <a:t>10/27/2023</a:t>
+              <a:t>11/3/2023</a:t>
             </a:fld>
             <a:endParaRPr lang="en-US"/>
           </a:p>
@@ -1039,7 +1039,7 @@
           <a:p>
             <a:fld id="{4C6BD7AD-248A-4614-9D7C-8273F8421C86}" type="datetimeFigureOut">
               <a:rPr lang="en-US" smtClean="0"/>
-              <a:t>10/27/2023</a:t>
+              <a:t>11/3/2023</a:t>
             </a:fld>
             <a:endParaRPr lang="en-US"/>
           </a:p>
@@ -1271,7 +1271,7 @@
           <a:p>
             <a:fld id="{4C6BD7AD-248A-4614-9D7C-8273F8421C86}" type="datetimeFigureOut">
               <a:rPr lang="en-US" smtClean="0"/>
-              <a:t>10/27/2023</a:t>
+              <a:t>11/3/2023</a:t>
             </a:fld>
             <a:endParaRPr lang="en-US"/>
           </a:p>
@@ -1638,7 +1638,7 @@
           <a:p>
             <a:fld id="{4C6BD7AD-248A-4614-9D7C-8273F8421C86}" type="datetimeFigureOut">
               <a:rPr lang="en-US" smtClean="0"/>
-              <a:t>10/27/2023</a:t>
+              <a:t>11/3/2023</a:t>
             </a:fld>
             <a:endParaRPr lang="en-US"/>
           </a:p>
@@ -1756,7 +1756,7 @@
           <a:p>
             <a:fld id="{4C6BD7AD-248A-4614-9D7C-8273F8421C86}" type="datetimeFigureOut">
               <a:rPr lang="en-US" smtClean="0"/>
-              <a:t>10/27/2023</a:t>
+              <a:t>11/3/2023</a:t>
             </a:fld>
             <a:endParaRPr lang="en-US"/>
           </a:p>
@@ -1851,7 +1851,7 @@
           <a:p>
             <a:fld id="{4C6BD7AD-248A-4614-9D7C-8273F8421C86}" type="datetimeFigureOut">
               <a:rPr lang="en-US" smtClean="0"/>
-              <a:t>10/27/2023</a:t>
+              <a:t>11/3/2023</a:t>
             </a:fld>
             <a:endParaRPr lang="en-US"/>
           </a:p>
@@ -2128,7 +2128,7 @@
           <a:p>
             <a:fld id="{4C6BD7AD-248A-4614-9D7C-8273F8421C86}" type="datetimeFigureOut">
               <a:rPr lang="en-US" smtClean="0"/>
-              <a:t>10/27/2023</a:t>
+              <a:t>11/3/2023</a:t>
             </a:fld>
             <a:endParaRPr lang="en-US"/>
           </a:p>
@@ -2381,7 +2381,7 @@
           <a:p>
             <a:fld id="{4C6BD7AD-248A-4614-9D7C-8273F8421C86}" type="datetimeFigureOut">
               <a:rPr lang="en-US" smtClean="0"/>
-              <a:t>10/27/2023</a:t>
+              <a:t>11/3/2023</a:t>
             </a:fld>
             <a:endParaRPr lang="en-US"/>
           </a:p>
@@ -2594,7 +2594,7 @@
           <a:p>
             <a:fld id="{4C6BD7AD-248A-4614-9D7C-8273F8421C86}" type="datetimeFigureOut">
               <a:rPr lang="en-US" smtClean="0"/>
-              <a:t>10/27/2023</a:t>
+              <a:t>11/3/2023</a:t>
             </a:fld>
             <a:endParaRPr lang="en-US"/>
           </a:p>
@@ -8196,10 +8196,6 @@
               <a:rPr lang="en-US" sz="2400" i="1" dirty="0"/>
               <a:t>const person = {</a:t>
             </a:r>
-            <a:r>
-              <a:rPr lang="en-US" sz="2400" i="1" dirty="0"/>
-              <a:t/>
-            </a:r>
             <a:br>
               <a:rPr lang="en-US" sz="2400" i="1" dirty="0"/>
             </a:br>
@@ -8207,10 +8203,6 @@
               <a:rPr lang="en-US" sz="2400" i="1" dirty="0"/>
               <a:t>  firstName: "John",</a:t>
             </a:r>
-            <a:r>
-              <a:rPr lang="en-US" sz="2400" i="1" dirty="0"/>
-              <a:t/>
-            </a:r>
             <a:br>
               <a:rPr lang="en-US" sz="2400" i="1" dirty="0"/>
             </a:br>
@@ -8218,10 +8210,6 @@
               <a:rPr lang="en-US" sz="2400" i="1" dirty="0"/>
               <a:t>  lastName: "Doe",</a:t>
             </a:r>
-            <a:r>
-              <a:rPr lang="en-US" sz="2400" i="1" dirty="0"/>
-              <a:t/>
-            </a:r>
             <a:br>
               <a:rPr lang="en-US" sz="2400" i="1" dirty="0"/>
             </a:br>
@@ -8294,10 +8282,6 @@
               <a:rPr lang="en-US" sz="2400" i="1" dirty="0"/>
               <a:t>const person = {};</a:t>
             </a:r>
-            <a:r>
-              <a:rPr lang="en-US" sz="2400" i="1" dirty="0"/>
-              <a:t/>
-            </a:r>
             <a:br>
               <a:rPr lang="en-US" sz="2400" i="1" dirty="0"/>
             </a:br>
@@ -8305,20 +8289,12 @@
               <a:rPr lang="en-US" sz="2400" i="1" dirty="0"/>
               <a:t>person.firstName = "John";</a:t>
             </a:r>
-            <a:r>
-              <a:rPr lang="en-US" sz="2400" i="1" dirty="0"/>
-              <a:t/>
-            </a:r>
             <a:br>
               <a:rPr lang="en-US" sz="2400" i="1" dirty="0"/>
             </a:br>
             <a:r>
               <a:rPr lang="en-US" sz="2400" i="1" dirty="0"/>
               <a:t>person.lastName = "Doe";</a:t>
-            </a:r>
-            <a:r>
-              <a:rPr lang="en-US" sz="2400" i="1" dirty="0"/>
-              <a:t/>
             </a:r>
             <a:br>
               <a:rPr lang="en-US" sz="2400" i="1" dirty="0"/>
@@ -8465,10 +8441,6 @@
               <a:rPr lang="en-US" dirty="0"/>
               <a:t>= {</a:t>
             </a:r>
-            <a:r>
-              <a:rPr lang="en-US" dirty="0"/>
-              <a:t/>
-            </a:r>
             <a:br>
               <a:rPr lang="en-US" dirty="0"/>
             </a:br>
@@ -8507,10 +8479,6 @@
               <a:rPr lang="en-US" dirty="0"/>
               <a:t>,</a:t>
             </a:r>
-            <a:r>
-              <a:rPr lang="en-US" dirty="0"/>
-              <a:t/>
-            </a:r>
             <a:br>
               <a:rPr lang="en-US" dirty="0"/>
             </a:br>
@@ -8526,10 +8494,6 @@
               <a:rPr lang="en-US" dirty="0"/>
               <a:t>{</a:t>
             </a:r>
-            <a:r>
-              <a:rPr lang="en-US" dirty="0"/>
-              <a:t/>
-            </a:r>
             <a:br>
               <a:rPr lang="en-US" dirty="0"/>
             </a:br>
@@ -8581,10 +8545,6 @@
             <a:r>
               <a:rPr lang="en-US" dirty="0"/>
               <a:t>  }</a:t>
-            </a:r>
-            <a:r>
-              <a:rPr lang="en-US" dirty="0"/>
-              <a:t/>
             </a:r>
             <a:br>
               <a:rPr lang="en-US" dirty="0"/>

--- a/xx/lecture2/javascript/javascript.pptx
+++ b/xx/lecture2/javascript/javascript.pptx
@@ -36,6 +36,7 @@
     <p:sldId id="287" r:id="rId30"/>
     <p:sldId id="288" r:id="rId31"/>
     <p:sldId id="285" r:id="rId32"/>
+    <p:sldId id="289" r:id="rId33"/>
   </p:sldIdLst>
   <p:sldSz cx="12192000" cy="6858000"/>
   <p:notesSz cx="6858000" cy="9144000"/>
@@ -273,7 +274,7 @@
           <a:p>
             <a:fld id="{4C6BD7AD-248A-4614-9D7C-8273F8421C86}" type="datetimeFigureOut">
               <a:rPr lang="en-US" smtClean="0"/>
-              <a:t>11/3/2023</a:t>
+              <a:t>11/10/2023</a:t>
             </a:fld>
             <a:endParaRPr lang="en-US"/>
           </a:p>
@@ -443,7 +444,7 @@
           <a:p>
             <a:fld id="{4C6BD7AD-248A-4614-9D7C-8273F8421C86}" type="datetimeFigureOut">
               <a:rPr lang="en-US" smtClean="0"/>
-              <a:t>11/3/2023</a:t>
+              <a:t>11/10/2023</a:t>
             </a:fld>
             <a:endParaRPr lang="en-US"/>
           </a:p>
@@ -623,7 +624,7 @@
           <a:p>
             <a:fld id="{4C6BD7AD-248A-4614-9D7C-8273F8421C86}" type="datetimeFigureOut">
               <a:rPr lang="en-US" smtClean="0"/>
-              <a:t>11/3/2023</a:t>
+              <a:t>11/10/2023</a:t>
             </a:fld>
             <a:endParaRPr lang="en-US"/>
           </a:p>
@@ -793,7 +794,7 @@
           <a:p>
             <a:fld id="{4C6BD7AD-248A-4614-9D7C-8273F8421C86}" type="datetimeFigureOut">
               <a:rPr lang="en-US" smtClean="0"/>
-              <a:t>11/3/2023</a:t>
+              <a:t>11/10/2023</a:t>
             </a:fld>
             <a:endParaRPr lang="en-US"/>
           </a:p>
@@ -1039,7 +1040,7 @@
           <a:p>
             <a:fld id="{4C6BD7AD-248A-4614-9D7C-8273F8421C86}" type="datetimeFigureOut">
               <a:rPr lang="en-US" smtClean="0"/>
-              <a:t>11/3/2023</a:t>
+              <a:t>11/10/2023</a:t>
             </a:fld>
             <a:endParaRPr lang="en-US"/>
           </a:p>
@@ -1271,7 +1272,7 @@
           <a:p>
             <a:fld id="{4C6BD7AD-248A-4614-9D7C-8273F8421C86}" type="datetimeFigureOut">
               <a:rPr lang="en-US" smtClean="0"/>
-              <a:t>11/3/2023</a:t>
+              <a:t>11/10/2023</a:t>
             </a:fld>
             <a:endParaRPr lang="en-US"/>
           </a:p>
@@ -1638,7 +1639,7 @@
           <a:p>
             <a:fld id="{4C6BD7AD-248A-4614-9D7C-8273F8421C86}" type="datetimeFigureOut">
               <a:rPr lang="en-US" smtClean="0"/>
-              <a:t>11/3/2023</a:t>
+              <a:t>11/10/2023</a:t>
             </a:fld>
             <a:endParaRPr lang="en-US"/>
           </a:p>
@@ -1756,7 +1757,7 @@
           <a:p>
             <a:fld id="{4C6BD7AD-248A-4614-9D7C-8273F8421C86}" type="datetimeFigureOut">
               <a:rPr lang="en-US" smtClean="0"/>
-              <a:t>11/3/2023</a:t>
+              <a:t>11/10/2023</a:t>
             </a:fld>
             <a:endParaRPr lang="en-US"/>
           </a:p>
@@ -1851,7 +1852,7 @@
           <a:p>
             <a:fld id="{4C6BD7AD-248A-4614-9D7C-8273F8421C86}" type="datetimeFigureOut">
               <a:rPr lang="en-US" smtClean="0"/>
-              <a:t>11/3/2023</a:t>
+              <a:t>11/10/2023</a:t>
             </a:fld>
             <a:endParaRPr lang="en-US"/>
           </a:p>
@@ -2128,7 +2129,7 @@
           <a:p>
             <a:fld id="{4C6BD7AD-248A-4614-9D7C-8273F8421C86}" type="datetimeFigureOut">
               <a:rPr lang="en-US" smtClean="0"/>
-              <a:t>11/3/2023</a:t>
+              <a:t>11/10/2023</a:t>
             </a:fld>
             <a:endParaRPr lang="en-US"/>
           </a:p>
@@ -2381,7 +2382,7 @@
           <a:p>
             <a:fld id="{4C6BD7AD-248A-4614-9D7C-8273F8421C86}" type="datetimeFigureOut">
               <a:rPr lang="en-US" smtClean="0"/>
-              <a:t>11/3/2023</a:t>
+              <a:t>11/10/2023</a:t>
             </a:fld>
             <a:endParaRPr lang="en-US"/>
           </a:p>
@@ -2594,7 +2595,7 @@
           <a:p>
             <a:fld id="{4C6BD7AD-248A-4614-9D7C-8273F8421C86}" type="datetimeFigureOut">
               <a:rPr lang="en-US" smtClean="0"/>
-              <a:t>11/3/2023</a:t>
+              <a:t>11/10/2023</a:t>
             </a:fld>
             <a:endParaRPr lang="en-US"/>
           </a:p>
@@ -7906,12 +7907,8 @@
               <a:t>firstName</a:t>
             </a:r>
             <a:r>
-              <a:rPr lang="en-US" sz="2400" i="1" dirty="0" err="1" smtClean="0"/>
-              <a:t>:“Mary</a:t>
-            </a:r>
-            <a:r>
               <a:rPr lang="en-US" sz="2400" i="1" dirty="0" smtClean="0"/>
-              <a:t>",</a:t>
+              <a:t>:“Mary",</a:t>
             </a:r>
             <a:r>
               <a:rPr lang="en-US" sz="2400" i="1" dirty="0"/>
@@ -8242,11 +8239,19 @@
             </a:r>
             <a:r>
               <a:rPr lang="en-US" sz="2400" i="1" dirty="0" smtClean="0"/>
-              <a:t>[“</a:t>
+              <a:t>[“ford“,”</a:t>
             </a:r>
             <a:r>
               <a:rPr lang="en-US" sz="2400" i="1" dirty="0" err="1" smtClean="0"/>
-              <a:t>ford“,”volvo”,”benz</a:t>
+              <a:t>volvo</a:t>
+            </a:r>
+            <a:r>
+              <a:rPr lang="en-US" sz="2400" i="1" dirty="0" smtClean="0"/>
+              <a:t>”,”</a:t>
+            </a:r>
+            <a:r>
+              <a:rPr lang="en-US" sz="2400" i="1" dirty="0" err="1" smtClean="0"/>
+              <a:t>benz</a:t>
             </a:r>
             <a:r>
               <a:rPr lang="en-US" sz="2400" i="1" dirty="0" smtClean="0"/>
@@ -9048,11 +9053,19 @@
             </a:br>
             <a:r>
               <a:rPr lang="en-US" sz="2400" i="1" dirty="0"/>
-              <a:t>  cars: [“</a:t>
+              <a:t>  cars: [“ford“,”</a:t>
             </a:r>
             <a:r>
               <a:rPr lang="en-US" sz="2400" i="1" dirty="0" err="1"/>
-              <a:t>ford“,”volvo”,”benz</a:t>
+              <a:t>volvo</a:t>
+            </a:r>
+            <a:r>
+              <a:rPr lang="en-US" sz="2400" i="1" dirty="0"/>
+              <a:t>”,”</a:t>
+            </a:r>
+            <a:r>
+              <a:rPr lang="en-US" sz="2400" i="1" dirty="0" err="1"/>
+              <a:t>benz</a:t>
             </a:r>
             <a:r>
               <a:rPr lang="en-US" sz="2400" i="1" dirty="0"/>
@@ -9249,6 +9262,262 @@
     <p:extLst>
       <p:ext uri="{BB962C8B-B14F-4D97-AF65-F5344CB8AC3E}">
         <p14:creationId xmlns:p14="http://schemas.microsoft.com/office/powerpoint/2010/main" val="2716601135"/>
+      </p:ext>
+    </p:extLst>
+  </p:cSld>
+  <p:clrMapOvr>
+    <a:masterClrMapping/>
+  </p:clrMapOvr>
+</p:sld>
+</file>
+
+<file path=ppt/slides/slide32.xml><?xml version="1.0" encoding="utf-8"?>
+<p:sld xmlns:a="http://schemas.openxmlformats.org/drawingml/2006/main" xmlns:r="http://schemas.openxmlformats.org/officeDocument/2006/relationships" xmlns:p="http://schemas.openxmlformats.org/presentationml/2006/main">
+  <p:cSld>
+    <p:spTree>
+      <p:nvGrpSpPr>
+        <p:cNvPr id="1" name=""/>
+        <p:cNvGrpSpPr/>
+        <p:nvPr/>
+      </p:nvGrpSpPr>
+      <p:grpSpPr>
+        <a:xfrm>
+          <a:off x="0" y="0"/>
+          <a:ext cx="0" cy="0"/>
+          <a:chOff x="0" y="0"/>
+          <a:chExt cx="0" cy="0"/>
+        </a:xfrm>
+      </p:grpSpPr>
+      <p:sp>
+        <p:nvSpPr>
+          <p:cNvPr id="3" name="Content Placeholder 2"/>
+          <p:cNvSpPr>
+            <a:spLocks noGrp="1"/>
+          </p:cNvSpPr>
+          <p:nvPr>
+            <p:ph idx="1"/>
+          </p:nvPr>
+        </p:nvSpPr>
+        <p:spPr>
+          <a:xfrm>
+            <a:off x="838200" y="429491"/>
+            <a:ext cx="10515600" cy="5747472"/>
+          </a:xfrm>
+        </p:spPr>
+        <p:txBody>
+          <a:bodyPr>
+            <a:normAutofit fontScale="92500" lnSpcReduction="10000"/>
+          </a:bodyPr>
+          <a:lstStyle/>
+          <a:p>
+            <a:pPr marL="0" indent="0">
+              <a:buNone/>
+            </a:pPr>
+            <a:r>
+              <a:rPr lang="en-US" b="1" dirty="0" smtClean="0"/>
+              <a:t>Convert Object to Array</a:t>
+            </a:r>
+          </a:p>
+          <a:p>
+            <a:pPr marL="0" indent="0">
+              <a:buNone/>
+            </a:pPr>
+            <a:r>
+              <a:rPr lang="en-US" sz="2400" dirty="0" smtClean="0"/>
+              <a:t>JavaScript Object can be converted to an array using Object.values()</a:t>
+            </a:r>
+          </a:p>
+          <a:p>
+            <a:pPr marL="0" indent="0">
+              <a:buNone/>
+            </a:pPr>
+            <a:r>
+              <a:rPr lang="en-US" sz="2400" i="1" dirty="0"/>
+              <a:t>const person = {</a:t>
+            </a:r>
+            <a:r>
+              <a:rPr lang="en-US" sz="2400" i="1" dirty="0"/>
+              <a:t/>
+            </a:r>
+            <a:br>
+              <a:rPr lang="en-US" sz="2400" i="1" dirty="0"/>
+            </a:br>
+            <a:r>
+              <a:rPr lang="en-US" sz="2400" i="1" dirty="0"/>
+              <a:t>  name: </a:t>
+            </a:r>
+            <a:r>
+              <a:rPr lang="en-US" sz="2400" i="1" dirty="0" smtClean="0"/>
+              <a:t>“Mark",</a:t>
+            </a:r>
+            <a:r>
+              <a:rPr lang="en-US" sz="2400" i="1" dirty="0"/>
+              <a:t/>
+            </a:r>
+            <a:br>
+              <a:rPr lang="en-US" sz="2400" i="1" dirty="0"/>
+            </a:br>
+            <a:r>
+              <a:rPr lang="en-US" sz="2400" i="1" dirty="0"/>
+              <a:t>  age: </a:t>
+            </a:r>
+            <a:r>
+              <a:rPr lang="en-US" sz="2400" i="1" dirty="0" smtClean="0"/>
+              <a:t>21,</a:t>
+            </a:r>
+            <a:r>
+              <a:rPr lang="en-US" sz="2400" i="1" dirty="0"/>
+              <a:t/>
+            </a:r>
+            <a:br>
+              <a:rPr lang="en-US" sz="2400" i="1" dirty="0"/>
+            </a:br>
+            <a:r>
+              <a:rPr lang="en-US" sz="2400" i="1" dirty="0"/>
+              <a:t>  city: </a:t>
+            </a:r>
+            <a:r>
+              <a:rPr lang="en-US" sz="2400" i="1" dirty="0" smtClean="0"/>
+              <a:t>“Lagos"</a:t>
+            </a:r>
+            <a:r>
+              <a:rPr lang="en-US" sz="2400" i="1" dirty="0"/>
+              <a:t/>
+            </a:r>
+            <a:br>
+              <a:rPr lang="en-US" sz="2400" i="1" dirty="0"/>
+            </a:br>
+            <a:r>
+              <a:rPr lang="en-US" sz="2400" i="1" dirty="0" smtClean="0"/>
+              <a:t>};</a:t>
+            </a:r>
+          </a:p>
+          <a:p>
+            <a:pPr marL="0" indent="0">
+              <a:buNone/>
+            </a:pPr>
+            <a:r>
+              <a:rPr lang="en-US" sz="2400" i="1" dirty="0"/>
+              <a:t>c</a:t>
+            </a:r>
+            <a:r>
+              <a:rPr lang="en-US" sz="2400" i="1" dirty="0" smtClean="0"/>
+              <a:t>onst personArray = Object.values(person);</a:t>
+            </a:r>
+          </a:p>
+          <a:p>
+            <a:pPr marL="0" indent="0">
+              <a:buNone/>
+            </a:pPr>
+            <a:r>
+              <a:rPr lang="en-US" b="1" i="1" dirty="0" smtClean="0"/>
+              <a:t>Convert Object to String using JSON.Stringify()</a:t>
+            </a:r>
+            <a:endParaRPr lang="en-US" b="1" i="1" dirty="0"/>
+          </a:p>
+          <a:p>
+            <a:pPr marL="0" indent="0">
+              <a:buNone/>
+            </a:pPr>
+            <a:r>
+              <a:rPr lang="en-US" sz="2400" dirty="0"/>
+              <a:t>JavaScript Object can be converted to an array using Object.values()</a:t>
+            </a:r>
+          </a:p>
+          <a:p>
+            <a:pPr marL="0" indent="0">
+              <a:buNone/>
+            </a:pPr>
+            <a:r>
+              <a:rPr lang="en-US" sz="2400" i="1" dirty="0"/>
+              <a:t>const person = {</a:t>
+            </a:r>
+            <a:br>
+              <a:rPr lang="en-US" sz="2400" i="1" dirty="0"/>
+            </a:br>
+            <a:r>
+              <a:rPr lang="en-US" sz="2400" i="1" dirty="0"/>
+              <a:t>  name: “Mark",</a:t>
+            </a:r>
+            <a:br>
+              <a:rPr lang="en-US" sz="2400" i="1" dirty="0"/>
+            </a:br>
+            <a:r>
+              <a:rPr lang="en-US" sz="2400" i="1" dirty="0"/>
+              <a:t>  age: 21,</a:t>
+            </a:r>
+            <a:br>
+              <a:rPr lang="en-US" sz="2400" i="1" dirty="0"/>
+            </a:br>
+            <a:r>
+              <a:rPr lang="en-US" sz="2400" i="1" dirty="0"/>
+              <a:t>  city: “Lagos"</a:t>
+            </a:r>
+            <a:br>
+              <a:rPr lang="en-US" sz="2400" i="1" dirty="0"/>
+            </a:br>
+            <a:r>
+              <a:rPr lang="en-US" sz="2400" i="1" dirty="0"/>
+              <a:t>};</a:t>
+            </a:r>
+          </a:p>
+          <a:p>
+            <a:pPr marL="0" indent="0">
+              <a:buNone/>
+            </a:pPr>
+            <a:r>
+              <a:rPr lang="en-US" sz="2400" i="1" dirty="0"/>
+              <a:t>const </a:t>
+            </a:r>
+            <a:r>
+              <a:rPr lang="en-US" sz="2400" i="1" dirty="0" err="1" smtClean="0"/>
+              <a:t>personString</a:t>
+            </a:r>
+            <a:r>
+              <a:rPr lang="en-US" sz="2400" i="1" dirty="0" smtClean="0"/>
+              <a:t> </a:t>
+            </a:r>
+            <a:r>
+              <a:rPr lang="en-US" sz="2400" i="1" dirty="0"/>
+              <a:t>= </a:t>
+            </a:r>
+            <a:r>
+              <a:rPr lang="en-US" sz="2400" b="1" i="1" dirty="0"/>
+              <a:t>JSON.Stringify</a:t>
+            </a:r>
+            <a:r>
+              <a:rPr lang="en-US" sz="2400" i="1" dirty="0" smtClean="0"/>
+              <a:t>(person</a:t>
+            </a:r>
+            <a:r>
+              <a:rPr lang="en-US" sz="2400" i="1" dirty="0"/>
+              <a:t>);</a:t>
+            </a:r>
+          </a:p>
+          <a:p>
+            <a:pPr marL="0" indent="0">
+              <a:buNone/>
+            </a:pPr>
+            <a:endParaRPr lang="en-US" sz="2400" i="1" dirty="0" smtClean="0"/>
+          </a:p>
+          <a:p>
+            <a:pPr marL="0" indent="0">
+              <a:buNone/>
+            </a:pPr>
+            <a:endParaRPr lang="en-US" sz="2400" i="1" dirty="0"/>
+          </a:p>
+          <a:p>
+            <a:pPr marL="0" indent="0">
+              <a:buNone/>
+            </a:pPr>
+            <a:endParaRPr lang="en-US" sz="2400" i="1" dirty="0"/>
+          </a:p>
+        </p:txBody>
+      </p:sp>
+    </p:spTree>
+    <p:extLst>
+      <p:ext uri="{BB962C8B-B14F-4D97-AF65-F5344CB8AC3E}">
+        <p14:creationId xmlns:p14="http://schemas.microsoft.com/office/powerpoint/2010/main" val="153373511"/>
       </p:ext>
     </p:extLst>
   </p:cSld>
